--- a/Challenge Platinum_ Membuat API untuk Analisis Sentimen dan Laporan Analisis Data berdasarkan Sentimen.pptx
+++ b/Challenge Platinum_ Membuat API untuk Analisis Sentimen dan Laporan Analisis Data berdasarkan Sentimen.pptx
@@ -10,16 +10,22 @@
   <p:sldIdLst>
     <p:sldId id="256" r:id="rId6"/>
     <p:sldId id="257" r:id="rId7"/>
+    <p:sldId id="258" r:id="rId8"/>
+    <p:sldId id="259" r:id="rId9"/>
+    <p:sldId id="260" r:id="rId10"/>
+    <p:sldId id="261" r:id="rId11"/>
+    <p:sldId id="262" r:id="rId12"/>
+    <p:sldId id="263" r:id="rId13"/>
   </p:sldIdLst>
   <p:sldSz cy="5143500" cx="9144000"/>
   <p:notesSz cx="6858000" cy="9144000"/>
   <p:embeddedFontLst>
     <p:embeddedFont>
       <p:font typeface="Nunito"/>
-      <p:regular r:id="rId8"/>
-      <p:bold r:id="rId9"/>
-      <p:italic r:id="rId10"/>
-      <p:boldItalic r:id="rId11"/>
+      <p:regular r:id="rId14"/>
+      <p:bold r:id="rId15"/>
+      <p:italic r:id="rId16"/>
+      <p:boldItalic r:id="rId17"/>
     </p:embeddedFont>
   </p:embeddedFontLst>
   <p:defaultTextStyle>
@@ -850,6 +856,600 @@
       <p:sp>
         <p:nvSpPr>
           <p:cNvPr id="132" name="Google Shape;132;g23168ecdf95_0_119:notes"/>
+          <p:cNvSpPr txBox="1"/>
+          <p:nvPr>
+            <p:ph idx="1" type="body"/>
+          </p:nvPr>
+        </p:nvSpPr>
+        <p:spPr>
+          <a:xfrm>
+            <a:off x="685800" y="4343400"/>
+            <a:ext cx="5486400" cy="4114800"/>
+          </a:xfrm>
+          <a:prstGeom prst="rect">
+            <a:avLst/>
+          </a:prstGeom>
+        </p:spPr>
+        <p:txBody>
+          <a:bodyPr anchorCtr="0" anchor="t" bIns="91425" lIns="91425" spcFirstLastPara="1" rIns="91425" wrap="square" tIns="91425">
+            <a:noAutofit/>
+          </a:bodyPr>
+          <a:lstStyle/>
+          <a:p>
+            <a:pPr indent="0" lvl="0" marL="0" rtl="0" algn="l">
+              <a:spcBef>
+                <a:spcPts val="0"/>
+              </a:spcBef>
+              <a:spcAft>
+                <a:spcPts val="0"/>
+              </a:spcAft>
+              <a:buNone/>
+            </a:pPr>
+            <a:r>
+              <a:t/>
+            </a:r>
+            <a:endParaRPr/>
+          </a:p>
+        </p:txBody>
+      </p:sp>
+    </p:spTree>
+  </p:cSld>
+  <p:clrMapOvr>
+    <a:masterClrMapping/>
+  </p:clrMapOvr>
+</p:notes>
+</file>
+
+<file path=ppt/notesSlides/notesSlide3.xml><?xml version="1.0" encoding="utf-8"?>
+<p:notes xmlns:a="http://schemas.openxmlformats.org/drawingml/2006/main" xmlns:r="http://schemas.openxmlformats.org/officeDocument/2006/relationships" xmlns:mc="http://schemas.openxmlformats.org/markup-compatibility/2006" xmlns:mv="urn:schemas-microsoft-com:mac:vml" xmlns:p="http://schemas.openxmlformats.org/presentationml/2006/main" xmlns:c="http://schemas.openxmlformats.org/drawingml/2006/chart" xmlns:dgm="http://schemas.openxmlformats.org/drawingml/2006/diagram" xmlns:o="urn:schemas-microsoft-com:office:office" xmlns:v="urn:schemas-microsoft-com:vml" xmlns:pvml="urn:schemas-microsoft-com:office:powerpoint" xmlns:com="http://schemas.openxmlformats.org/drawingml/2006/compatibility" xmlns:p14="http://schemas.microsoft.com/office/powerpoint/2010/main" xmlns:p15="http://schemas.microsoft.com/office/powerpoint/2012/main" xmlns:ahyp="http://schemas.microsoft.com/office/drawing/2018/hyperlinkcolor" showMasterPhAnim="0" showMasterSp="0">
+  <p:cSld>
+    <p:spTree>
+      <p:nvGrpSpPr>
+        <p:cNvPr id="136" name="Shape 136"/>
+        <p:cNvGrpSpPr/>
+        <p:nvPr/>
+      </p:nvGrpSpPr>
+      <p:grpSpPr>
+        <a:xfrm>
+          <a:off x="0" y="0"/>
+          <a:ext cx="0" cy="0"/>
+          <a:chOff x="0" y="0"/>
+          <a:chExt cx="0" cy="0"/>
+        </a:xfrm>
+      </p:grpSpPr>
+      <p:sp>
+        <p:nvSpPr>
+          <p:cNvPr id="137" name="Google Shape;137;g23168ecdf95_0_125:notes"/>
+          <p:cNvSpPr/>
+          <p:nvPr>
+            <p:ph idx="2" type="sldImg"/>
+          </p:nvPr>
+        </p:nvSpPr>
+        <p:spPr>
+          <a:xfrm>
+            <a:off x="381300" y="685800"/>
+            <a:ext cx="6096000" cy="3429000"/>
+          </a:xfrm>
+          <a:custGeom>
+            <a:rect b="b" l="l" r="r" t="t"/>
+            <a:pathLst>
+              <a:path extrusionOk="0" h="120000" w="120000">
+                <a:moveTo>
+                  <a:pt x="0" y="0"/>
+                </a:moveTo>
+                <a:lnTo>
+                  <a:pt x="120000" y="0"/>
+                </a:lnTo>
+                <a:lnTo>
+                  <a:pt x="120000" y="120000"/>
+                </a:lnTo>
+                <a:lnTo>
+                  <a:pt x="0" y="120000"/>
+                </a:lnTo>
+                <a:close/>
+              </a:path>
+            </a:pathLst>
+          </a:custGeom>
+        </p:spPr>
+      </p:sp>
+      <p:sp>
+        <p:nvSpPr>
+          <p:cNvPr id="138" name="Google Shape;138;g23168ecdf95_0_125:notes"/>
+          <p:cNvSpPr txBox="1"/>
+          <p:nvPr>
+            <p:ph idx="1" type="body"/>
+          </p:nvPr>
+        </p:nvSpPr>
+        <p:spPr>
+          <a:xfrm>
+            <a:off x="685800" y="4343400"/>
+            <a:ext cx="5486400" cy="4114800"/>
+          </a:xfrm>
+          <a:prstGeom prst="rect">
+            <a:avLst/>
+          </a:prstGeom>
+        </p:spPr>
+        <p:txBody>
+          <a:bodyPr anchorCtr="0" anchor="t" bIns="91425" lIns="91425" spcFirstLastPara="1" rIns="91425" wrap="square" tIns="91425">
+            <a:noAutofit/>
+          </a:bodyPr>
+          <a:lstStyle/>
+          <a:p>
+            <a:pPr indent="0" lvl="0" marL="0" rtl="0" algn="l">
+              <a:spcBef>
+                <a:spcPts val="0"/>
+              </a:spcBef>
+              <a:spcAft>
+                <a:spcPts val="0"/>
+              </a:spcAft>
+              <a:buNone/>
+            </a:pPr>
+            <a:r>
+              <a:t/>
+            </a:r>
+            <a:endParaRPr/>
+          </a:p>
+        </p:txBody>
+      </p:sp>
+    </p:spTree>
+  </p:cSld>
+  <p:clrMapOvr>
+    <a:masterClrMapping/>
+  </p:clrMapOvr>
+</p:notes>
+</file>
+
+<file path=ppt/notesSlides/notesSlide4.xml><?xml version="1.0" encoding="utf-8"?>
+<p:notes xmlns:a="http://schemas.openxmlformats.org/drawingml/2006/main" xmlns:r="http://schemas.openxmlformats.org/officeDocument/2006/relationships" xmlns:mc="http://schemas.openxmlformats.org/markup-compatibility/2006" xmlns:mv="urn:schemas-microsoft-com:mac:vml" xmlns:p="http://schemas.openxmlformats.org/presentationml/2006/main" xmlns:c="http://schemas.openxmlformats.org/drawingml/2006/chart" xmlns:dgm="http://schemas.openxmlformats.org/drawingml/2006/diagram" xmlns:o="urn:schemas-microsoft-com:office:office" xmlns:v="urn:schemas-microsoft-com:vml" xmlns:pvml="urn:schemas-microsoft-com:office:powerpoint" xmlns:com="http://schemas.openxmlformats.org/drawingml/2006/compatibility" xmlns:p14="http://schemas.microsoft.com/office/powerpoint/2010/main" xmlns:p15="http://schemas.microsoft.com/office/powerpoint/2012/main" xmlns:ahyp="http://schemas.microsoft.com/office/drawing/2018/hyperlinkcolor" showMasterPhAnim="0" showMasterSp="0">
+  <p:cSld>
+    <p:spTree>
+      <p:nvGrpSpPr>
+        <p:cNvPr id="143" name="Shape 143"/>
+        <p:cNvGrpSpPr/>
+        <p:nvPr/>
+      </p:nvGrpSpPr>
+      <p:grpSpPr>
+        <a:xfrm>
+          <a:off x="0" y="0"/>
+          <a:ext cx="0" cy="0"/>
+          <a:chOff x="0" y="0"/>
+          <a:chExt cx="0" cy="0"/>
+        </a:xfrm>
+      </p:grpSpPr>
+      <p:sp>
+        <p:nvSpPr>
+          <p:cNvPr id="144" name="Google Shape;144;g23168ecdf95_0_132:notes"/>
+          <p:cNvSpPr/>
+          <p:nvPr>
+            <p:ph idx="2" type="sldImg"/>
+          </p:nvPr>
+        </p:nvSpPr>
+        <p:spPr>
+          <a:xfrm>
+            <a:off x="381300" y="685800"/>
+            <a:ext cx="6096000" cy="3429000"/>
+          </a:xfrm>
+          <a:custGeom>
+            <a:rect b="b" l="l" r="r" t="t"/>
+            <a:pathLst>
+              <a:path extrusionOk="0" h="120000" w="120000">
+                <a:moveTo>
+                  <a:pt x="0" y="0"/>
+                </a:moveTo>
+                <a:lnTo>
+                  <a:pt x="120000" y="0"/>
+                </a:lnTo>
+                <a:lnTo>
+                  <a:pt x="120000" y="120000"/>
+                </a:lnTo>
+                <a:lnTo>
+                  <a:pt x="0" y="120000"/>
+                </a:lnTo>
+                <a:close/>
+              </a:path>
+            </a:pathLst>
+          </a:custGeom>
+        </p:spPr>
+      </p:sp>
+      <p:sp>
+        <p:nvSpPr>
+          <p:cNvPr id="145" name="Google Shape;145;g23168ecdf95_0_132:notes"/>
+          <p:cNvSpPr txBox="1"/>
+          <p:nvPr>
+            <p:ph idx="1" type="body"/>
+          </p:nvPr>
+        </p:nvSpPr>
+        <p:spPr>
+          <a:xfrm>
+            <a:off x="685800" y="4343400"/>
+            <a:ext cx="5486400" cy="4114800"/>
+          </a:xfrm>
+          <a:prstGeom prst="rect">
+            <a:avLst/>
+          </a:prstGeom>
+        </p:spPr>
+        <p:txBody>
+          <a:bodyPr anchorCtr="0" anchor="t" bIns="91425" lIns="91425" spcFirstLastPara="1" rIns="91425" wrap="square" tIns="91425">
+            <a:noAutofit/>
+          </a:bodyPr>
+          <a:lstStyle/>
+          <a:p>
+            <a:pPr indent="0" lvl="0" marL="0" rtl="0" algn="l">
+              <a:spcBef>
+                <a:spcPts val="0"/>
+              </a:spcBef>
+              <a:spcAft>
+                <a:spcPts val="0"/>
+              </a:spcAft>
+              <a:buNone/>
+            </a:pPr>
+            <a:r>
+              <a:t/>
+            </a:r>
+            <a:endParaRPr/>
+          </a:p>
+        </p:txBody>
+      </p:sp>
+    </p:spTree>
+  </p:cSld>
+  <p:clrMapOvr>
+    <a:masterClrMapping/>
+  </p:clrMapOvr>
+</p:notes>
+</file>
+
+<file path=ppt/notesSlides/notesSlide5.xml><?xml version="1.0" encoding="utf-8"?>
+<p:notes xmlns:a="http://schemas.openxmlformats.org/drawingml/2006/main" xmlns:r="http://schemas.openxmlformats.org/officeDocument/2006/relationships" xmlns:mc="http://schemas.openxmlformats.org/markup-compatibility/2006" xmlns:mv="urn:schemas-microsoft-com:mac:vml" xmlns:p="http://schemas.openxmlformats.org/presentationml/2006/main" xmlns:c="http://schemas.openxmlformats.org/drawingml/2006/chart" xmlns:dgm="http://schemas.openxmlformats.org/drawingml/2006/diagram" xmlns:o="urn:schemas-microsoft-com:office:office" xmlns:v="urn:schemas-microsoft-com:vml" xmlns:pvml="urn:schemas-microsoft-com:office:powerpoint" xmlns:com="http://schemas.openxmlformats.org/drawingml/2006/compatibility" xmlns:p14="http://schemas.microsoft.com/office/powerpoint/2010/main" xmlns:p15="http://schemas.microsoft.com/office/powerpoint/2012/main" xmlns:ahyp="http://schemas.microsoft.com/office/drawing/2018/hyperlinkcolor" showMasterPhAnim="0" showMasterSp="0">
+  <p:cSld>
+    <p:spTree>
+      <p:nvGrpSpPr>
+        <p:cNvPr id="149" name="Shape 149"/>
+        <p:cNvGrpSpPr/>
+        <p:nvPr/>
+      </p:nvGrpSpPr>
+      <p:grpSpPr>
+        <a:xfrm>
+          <a:off x="0" y="0"/>
+          <a:ext cx="0" cy="0"/>
+          <a:chOff x="0" y="0"/>
+          <a:chExt cx="0" cy="0"/>
+        </a:xfrm>
+      </p:grpSpPr>
+      <p:sp>
+        <p:nvSpPr>
+          <p:cNvPr id="150" name="Google Shape;150;g23168ecdf95_0_141:notes"/>
+          <p:cNvSpPr/>
+          <p:nvPr>
+            <p:ph idx="2" type="sldImg"/>
+          </p:nvPr>
+        </p:nvSpPr>
+        <p:spPr>
+          <a:xfrm>
+            <a:off x="381300" y="685800"/>
+            <a:ext cx="6096000" cy="3429000"/>
+          </a:xfrm>
+          <a:custGeom>
+            <a:rect b="b" l="l" r="r" t="t"/>
+            <a:pathLst>
+              <a:path extrusionOk="0" h="120000" w="120000">
+                <a:moveTo>
+                  <a:pt x="0" y="0"/>
+                </a:moveTo>
+                <a:lnTo>
+                  <a:pt x="120000" y="0"/>
+                </a:lnTo>
+                <a:lnTo>
+                  <a:pt x="120000" y="120000"/>
+                </a:lnTo>
+                <a:lnTo>
+                  <a:pt x="0" y="120000"/>
+                </a:lnTo>
+                <a:close/>
+              </a:path>
+            </a:pathLst>
+          </a:custGeom>
+        </p:spPr>
+      </p:sp>
+      <p:sp>
+        <p:nvSpPr>
+          <p:cNvPr id="151" name="Google Shape;151;g23168ecdf95_0_141:notes"/>
+          <p:cNvSpPr txBox="1"/>
+          <p:nvPr>
+            <p:ph idx="1" type="body"/>
+          </p:nvPr>
+        </p:nvSpPr>
+        <p:spPr>
+          <a:xfrm>
+            <a:off x="685800" y="4343400"/>
+            <a:ext cx="5486400" cy="4114800"/>
+          </a:xfrm>
+          <a:prstGeom prst="rect">
+            <a:avLst/>
+          </a:prstGeom>
+        </p:spPr>
+        <p:txBody>
+          <a:bodyPr anchorCtr="0" anchor="t" bIns="91425" lIns="91425" spcFirstLastPara="1" rIns="91425" wrap="square" tIns="91425">
+            <a:noAutofit/>
+          </a:bodyPr>
+          <a:lstStyle/>
+          <a:p>
+            <a:pPr indent="0" lvl="0" marL="0" rtl="0" algn="l">
+              <a:spcBef>
+                <a:spcPts val="0"/>
+              </a:spcBef>
+              <a:spcAft>
+                <a:spcPts val="0"/>
+              </a:spcAft>
+              <a:buNone/>
+            </a:pPr>
+            <a:r>
+              <a:t/>
+            </a:r>
+            <a:endParaRPr/>
+          </a:p>
+        </p:txBody>
+      </p:sp>
+    </p:spTree>
+  </p:cSld>
+  <p:clrMapOvr>
+    <a:masterClrMapping/>
+  </p:clrMapOvr>
+</p:notes>
+</file>
+
+<file path=ppt/notesSlides/notesSlide6.xml><?xml version="1.0" encoding="utf-8"?>
+<p:notes xmlns:a="http://schemas.openxmlformats.org/drawingml/2006/main" xmlns:r="http://schemas.openxmlformats.org/officeDocument/2006/relationships" xmlns:mc="http://schemas.openxmlformats.org/markup-compatibility/2006" xmlns:mv="urn:schemas-microsoft-com:mac:vml" xmlns:p="http://schemas.openxmlformats.org/presentationml/2006/main" xmlns:c="http://schemas.openxmlformats.org/drawingml/2006/chart" xmlns:dgm="http://schemas.openxmlformats.org/drawingml/2006/diagram" xmlns:o="urn:schemas-microsoft-com:office:office" xmlns:v="urn:schemas-microsoft-com:vml" xmlns:pvml="urn:schemas-microsoft-com:office:powerpoint" xmlns:com="http://schemas.openxmlformats.org/drawingml/2006/compatibility" xmlns:p14="http://schemas.microsoft.com/office/powerpoint/2010/main" xmlns:p15="http://schemas.microsoft.com/office/powerpoint/2012/main" xmlns:ahyp="http://schemas.microsoft.com/office/drawing/2018/hyperlinkcolor" showMasterPhAnim="0" showMasterSp="0">
+  <p:cSld>
+    <p:spTree>
+      <p:nvGrpSpPr>
+        <p:cNvPr id="155" name="Shape 155"/>
+        <p:cNvGrpSpPr/>
+        <p:nvPr/>
+      </p:nvGrpSpPr>
+      <p:grpSpPr>
+        <a:xfrm>
+          <a:off x="0" y="0"/>
+          <a:ext cx="0" cy="0"/>
+          <a:chOff x="0" y="0"/>
+          <a:chExt cx="0" cy="0"/>
+        </a:xfrm>
+      </p:grpSpPr>
+      <p:sp>
+        <p:nvSpPr>
+          <p:cNvPr id="156" name="Google Shape;156;g23168ecdf95_0_150:notes"/>
+          <p:cNvSpPr/>
+          <p:nvPr>
+            <p:ph idx="2" type="sldImg"/>
+          </p:nvPr>
+        </p:nvSpPr>
+        <p:spPr>
+          <a:xfrm>
+            <a:off x="381300" y="685800"/>
+            <a:ext cx="6096000" cy="3429000"/>
+          </a:xfrm>
+          <a:custGeom>
+            <a:rect b="b" l="l" r="r" t="t"/>
+            <a:pathLst>
+              <a:path extrusionOk="0" h="120000" w="120000">
+                <a:moveTo>
+                  <a:pt x="0" y="0"/>
+                </a:moveTo>
+                <a:lnTo>
+                  <a:pt x="120000" y="0"/>
+                </a:lnTo>
+                <a:lnTo>
+                  <a:pt x="120000" y="120000"/>
+                </a:lnTo>
+                <a:lnTo>
+                  <a:pt x="0" y="120000"/>
+                </a:lnTo>
+                <a:close/>
+              </a:path>
+            </a:pathLst>
+          </a:custGeom>
+        </p:spPr>
+      </p:sp>
+      <p:sp>
+        <p:nvSpPr>
+          <p:cNvPr id="157" name="Google Shape;157;g23168ecdf95_0_150:notes"/>
+          <p:cNvSpPr txBox="1"/>
+          <p:nvPr>
+            <p:ph idx="1" type="body"/>
+          </p:nvPr>
+        </p:nvSpPr>
+        <p:spPr>
+          <a:xfrm>
+            <a:off x="685800" y="4343400"/>
+            <a:ext cx="5486400" cy="4114800"/>
+          </a:xfrm>
+          <a:prstGeom prst="rect">
+            <a:avLst/>
+          </a:prstGeom>
+        </p:spPr>
+        <p:txBody>
+          <a:bodyPr anchorCtr="0" anchor="t" bIns="91425" lIns="91425" spcFirstLastPara="1" rIns="91425" wrap="square" tIns="91425">
+            <a:noAutofit/>
+          </a:bodyPr>
+          <a:lstStyle/>
+          <a:p>
+            <a:pPr indent="0" lvl="0" marL="0" rtl="0" algn="l">
+              <a:spcBef>
+                <a:spcPts val="0"/>
+              </a:spcBef>
+              <a:spcAft>
+                <a:spcPts val="0"/>
+              </a:spcAft>
+              <a:buNone/>
+            </a:pPr>
+            <a:r>
+              <a:t/>
+            </a:r>
+            <a:endParaRPr/>
+          </a:p>
+        </p:txBody>
+      </p:sp>
+    </p:spTree>
+  </p:cSld>
+  <p:clrMapOvr>
+    <a:masterClrMapping/>
+  </p:clrMapOvr>
+</p:notes>
+</file>
+
+<file path=ppt/notesSlides/notesSlide7.xml><?xml version="1.0" encoding="utf-8"?>
+<p:notes xmlns:a="http://schemas.openxmlformats.org/drawingml/2006/main" xmlns:r="http://schemas.openxmlformats.org/officeDocument/2006/relationships" xmlns:mc="http://schemas.openxmlformats.org/markup-compatibility/2006" xmlns:mv="urn:schemas-microsoft-com:mac:vml" xmlns:p="http://schemas.openxmlformats.org/presentationml/2006/main" xmlns:c="http://schemas.openxmlformats.org/drawingml/2006/chart" xmlns:dgm="http://schemas.openxmlformats.org/drawingml/2006/diagram" xmlns:o="urn:schemas-microsoft-com:office:office" xmlns:v="urn:schemas-microsoft-com:vml" xmlns:pvml="urn:schemas-microsoft-com:office:powerpoint" xmlns:com="http://schemas.openxmlformats.org/drawingml/2006/compatibility" xmlns:p14="http://schemas.microsoft.com/office/powerpoint/2010/main" xmlns:p15="http://schemas.microsoft.com/office/powerpoint/2012/main" xmlns:ahyp="http://schemas.microsoft.com/office/drawing/2018/hyperlinkcolor" showMasterPhAnim="0" showMasterSp="0">
+  <p:cSld>
+    <p:spTree>
+      <p:nvGrpSpPr>
+        <p:cNvPr id="162" name="Shape 162"/>
+        <p:cNvGrpSpPr/>
+        <p:nvPr/>
+      </p:nvGrpSpPr>
+      <p:grpSpPr>
+        <a:xfrm>
+          <a:off x="0" y="0"/>
+          <a:ext cx="0" cy="0"/>
+          <a:chOff x="0" y="0"/>
+          <a:chExt cx="0" cy="0"/>
+        </a:xfrm>
+      </p:grpSpPr>
+      <p:sp>
+        <p:nvSpPr>
+          <p:cNvPr id="163" name="Google Shape;163;g23168ecdf95_0_158:notes"/>
+          <p:cNvSpPr/>
+          <p:nvPr>
+            <p:ph idx="2" type="sldImg"/>
+          </p:nvPr>
+        </p:nvSpPr>
+        <p:spPr>
+          <a:xfrm>
+            <a:off x="381300" y="685800"/>
+            <a:ext cx="6096000" cy="3429000"/>
+          </a:xfrm>
+          <a:custGeom>
+            <a:rect b="b" l="l" r="r" t="t"/>
+            <a:pathLst>
+              <a:path extrusionOk="0" h="120000" w="120000">
+                <a:moveTo>
+                  <a:pt x="0" y="0"/>
+                </a:moveTo>
+                <a:lnTo>
+                  <a:pt x="120000" y="0"/>
+                </a:lnTo>
+                <a:lnTo>
+                  <a:pt x="120000" y="120000"/>
+                </a:lnTo>
+                <a:lnTo>
+                  <a:pt x="0" y="120000"/>
+                </a:lnTo>
+                <a:close/>
+              </a:path>
+            </a:pathLst>
+          </a:custGeom>
+        </p:spPr>
+      </p:sp>
+      <p:sp>
+        <p:nvSpPr>
+          <p:cNvPr id="164" name="Google Shape;164;g23168ecdf95_0_158:notes"/>
+          <p:cNvSpPr txBox="1"/>
+          <p:nvPr>
+            <p:ph idx="1" type="body"/>
+          </p:nvPr>
+        </p:nvSpPr>
+        <p:spPr>
+          <a:xfrm>
+            <a:off x="685800" y="4343400"/>
+            <a:ext cx="5486400" cy="4114800"/>
+          </a:xfrm>
+          <a:prstGeom prst="rect">
+            <a:avLst/>
+          </a:prstGeom>
+        </p:spPr>
+        <p:txBody>
+          <a:bodyPr anchorCtr="0" anchor="t" bIns="91425" lIns="91425" spcFirstLastPara="1" rIns="91425" wrap="square" tIns="91425">
+            <a:noAutofit/>
+          </a:bodyPr>
+          <a:lstStyle/>
+          <a:p>
+            <a:pPr indent="0" lvl="0" marL="0" rtl="0" algn="l">
+              <a:spcBef>
+                <a:spcPts val="0"/>
+              </a:spcBef>
+              <a:spcAft>
+                <a:spcPts val="0"/>
+              </a:spcAft>
+              <a:buNone/>
+            </a:pPr>
+            <a:r>
+              <a:t/>
+            </a:r>
+            <a:endParaRPr/>
+          </a:p>
+        </p:txBody>
+      </p:sp>
+    </p:spTree>
+  </p:cSld>
+  <p:clrMapOvr>
+    <a:masterClrMapping/>
+  </p:clrMapOvr>
+</p:notes>
+</file>
+
+<file path=ppt/notesSlides/notesSlide8.xml><?xml version="1.0" encoding="utf-8"?>
+<p:notes xmlns:a="http://schemas.openxmlformats.org/drawingml/2006/main" xmlns:r="http://schemas.openxmlformats.org/officeDocument/2006/relationships" xmlns:mc="http://schemas.openxmlformats.org/markup-compatibility/2006" xmlns:mv="urn:schemas-microsoft-com:mac:vml" xmlns:p="http://schemas.openxmlformats.org/presentationml/2006/main" xmlns:c="http://schemas.openxmlformats.org/drawingml/2006/chart" xmlns:dgm="http://schemas.openxmlformats.org/drawingml/2006/diagram" xmlns:o="urn:schemas-microsoft-com:office:office" xmlns:v="urn:schemas-microsoft-com:vml" xmlns:pvml="urn:schemas-microsoft-com:office:powerpoint" xmlns:com="http://schemas.openxmlformats.org/drawingml/2006/compatibility" xmlns:p14="http://schemas.microsoft.com/office/powerpoint/2010/main" xmlns:p15="http://schemas.microsoft.com/office/powerpoint/2012/main" xmlns:ahyp="http://schemas.microsoft.com/office/drawing/2018/hyperlinkcolor" showMasterPhAnim="0" showMasterSp="0">
+  <p:cSld>
+    <p:spTree>
+      <p:nvGrpSpPr>
+        <p:cNvPr id="168" name="Shape 168"/>
+        <p:cNvGrpSpPr/>
+        <p:nvPr/>
+      </p:nvGrpSpPr>
+      <p:grpSpPr>
+        <a:xfrm>
+          <a:off x="0" y="0"/>
+          <a:ext cx="0" cy="0"/>
+          <a:chOff x="0" y="0"/>
+          <a:chExt cx="0" cy="0"/>
+        </a:xfrm>
+      </p:grpSpPr>
+      <p:sp>
+        <p:nvSpPr>
+          <p:cNvPr id="169" name="Google Shape;169;g23168ecdf95_0_166:notes"/>
+          <p:cNvSpPr/>
+          <p:nvPr>
+            <p:ph idx="2" type="sldImg"/>
+          </p:nvPr>
+        </p:nvSpPr>
+        <p:spPr>
+          <a:xfrm>
+            <a:off x="381300" y="685800"/>
+            <a:ext cx="6096000" cy="3429000"/>
+          </a:xfrm>
+          <a:custGeom>
+            <a:rect b="b" l="l" r="r" t="t"/>
+            <a:pathLst>
+              <a:path extrusionOk="0" h="120000" w="120000">
+                <a:moveTo>
+                  <a:pt x="0" y="0"/>
+                </a:moveTo>
+                <a:lnTo>
+                  <a:pt x="120000" y="0"/>
+                </a:lnTo>
+                <a:lnTo>
+                  <a:pt x="120000" y="120000"/>
+                </a:lnTo>
+                <a:lnTo>
+                  <a:pt x="0" y="120000"/>
+                </a:lnTo>
+                <a:close/>
+              </a:path>
+            </a:pathLst>
+          </a:custGeom>
+        </p:spPr>
+      </p:sp>
+      <p:sp>
+        <p:nvSpPr>
+          <p:cNvPr id="170" name="Google Shape;170;g23168ecdf95_0_166:notes"/>
           <p:cNvSpPr txBox="1"/>
           <p:nvPr>
             <p:ph idx="1" type="body"/>
@@ -9361,6 +9961,628 @@
 </p:sld>
 </file>
 
+<file path=ppt/slides/slide3.xml><?xml version="1.0" encoding="utf-8"?>
+<p:sld xmlns:a="http://schemas.openxmlformats.org/drawingml/2006/main" xmlns:r="http://schemas.openxmlformats.org/officeDocument/2006/relationships" xmlns:mc="http://schemas.openxmlformats.org/markup-compatibility/2006" xmlns:mv="urn:schemas-microsoft-com:mac:vml" xmlns:p="http://schemas.openxmlformats.org/presentationml/2006/main" xmlns:c="http://schemas.openxmlformats.org/drawingml/2006/chart" xmlns:dgm="http://schemas.openxmlformats.org/drawingml/2006/diagram" xmlns:o="urn:schemas-microsoft-com:office:office" xmlns:v="urn:schemas-microsoft-com:vml" xmlns:pvml="urn:schemas-microsoft-com:office:powerpoint" xmlns:com="http://schemas.openxmlformats.org/drawingml/2006/compatibility" xmlns:p14="http://schemas.microsoft.com/office/powerpoint/2010/main" xmlns:p15="http://schemas.microsoft.com/office/powerpoint/2012/main" xmlns:ahyp="http://schemas.microsoft.com/office/drawing/2018/hyperlinkcolor">
+  <p:cSld>
+    <p:spTree>
+      <p:nvGrpSpPr>
+        <p:cNvPr id="139" name="Shape 139"/>
+        <p:cNvGrpSpPr/>
+        <p:nvPr/>
+      </p:nvGrpSpPr>
+      <p:grpSpPr>
+        <a:xfrm>
+          <a:off x="0" y="0"/>
+          <a:ext cx="0" cy="0"/>
+          <a:chOff x="0" y="0"/>
+          <a:chExt cx="0" cy="0"/>
+        </a:xfrm>
+      </p:grpSpPr>
+      <p:sp>
+        <p:nvSpPr>
+          <p:cNvPr id="140" name="Google Shape;140;p15"/>
+          <p:cNvSpPr txBox="1"/>
+          <p:nvPr>
+            <p:ph type="title"/>
+          </p:nvPr>
+        </p:nvSpPr>
+        <p:spPr>
+          <a:xfrm>
+            <a:off x="819150" y="589900"/>
+            <a:ext cx="7505700" cy="954600"/>
+          </a:xfrm>
+          <a:prstGeom prst="rect">
+            <a:avLst/>
+          </a:prstGeom>
+        </p:spPr>
+        <p:txBody>
+          <a:bodyPr anchorCtr="0" anchor="t" bIns="91425" lIns="91425" spcFirstLastPara="1" rIns="91425" wrap="square" tIns="91425">
+            <a:normAutofit/>
+          </a:bodyPr>
+          <a:lstStyle/>
+          <a:p>
+            <a:pPr indent="0" lvl="0" marL="0" rtl="0" algn="l">
+              <a:spcBef>
+                <a:spcPts val="0"/>
+              </a:spcBef>
+              <a:spcAft>
+                <a:spcPts val="0"/>
+              </a:spcAft>
+              <a:buNone/>
+            </a:pPr>
+            <a:r>
+              <a:rPr lang="en-GB"/>
+              <a:t>Hasil Model Deep Learning</a:t>
+            </a:r>
+            <a:endParaRPr/>
+          </a:p>
+        </p:txBody>
+      </p:sp>
+      <p:pic>
+        <p:nvPicPr>
+          <p:cNvPr id="141" name="Google Shape;141;p15"/>
+          <p:cNvPicPr preferRelativeResize="0"/>
+          <p:nvPr/>
+        </p:nvPicPr>
+        <p:blipFill>
+          <a:blip r:embed="rId3">
+            <a:alphaModFix/>
+          </a:blip>
+          <a:stretch>
+            <a:fillRect/>
+          </a:stretch>
+        </p:blipFill>
+        <p:spPr>
+          <a:xfrm>
+            <a:off x="819150" y="1784550"/>
+            <a:ext cx="3593750" cy="1849100"/>
+          </a:xfrm>
+          <a:prstGeom prst="rect">
+            <a:avLst/>
+          </a:prstGeom>
+          <a:noFill/>
+          <a:ln>
+            <a:noFill/>
+          </a:ln>
+        </p:spPr>
+      </p:pic>
+      <p:pic>
+        <p:nvPicPr>
+          <p:cNvPr id="142" name="Google Shape;142;p15"/>
+          <p:cNvPicPr preferRelativeResize="0"/>
+          <p:nvPr/>
+        </p:nvPicPr>
+        <p:blipFill>
+          <a:blip r:embed="rId4">
+            <a:alphaModFix/>
+          </a:blip>
+          <a:stretch>
+            <a:fillRect/>
+          </a:stretch>
+        </p:blipFill>
+        <p:spPr>
+          <a:xfrm>
+            <a:off x="4989050" y="1784550"/>
+            <a:ext cx="3231446" cy="1849100"/>
+          </a:xfrm>
+          <a:prstGeom prst="rect">
+            <a:avLst/>
+          </a:prstGeom>
+          <a:noFill/>
+          <a:ln>
+            <a:noFill/>
+          </a:ln>
+        </p:spPr>
+      </p:pic>
+    </p:spTree>
+  </p:cSld>
+  <p:clrMapOvr>
+    <a:masterClrMapping/>
+  </p:clrMapOvr>
+</p:sld>
+</file>
+
+<file path=ppt/slides/slide4.xml><?xml version="1.0" encoding="utf-8"?>
+<p:sld xmlns:a="http://schemas.openxmlformats.org/drawingml/2006/main" xmlns:r="http://schemas.openxmlformats.org/officeDocument/2006/relationships" xmlns:mc="http://schemas.openxmlformats.org/markup-compatibility/2006" xmlns:mv="urn:schemas-microsoft-com:mac:vml" xmlns:p="http://schemas.openxmlformats.org/presentationml/2006/main" xmlns:c="http://schemas.openxmlformats.org/drawingml/2006/chart" xmlns:dgm="http://schemas.openxmlformats.org/drawingml/2006/diagram" xmlns:o="urn:schemas-microsoft-com:office:office" xmlns:v="urn:schemas-microsoft-com:vml" xmlns:pvml="urn:schemas-microsoft-com:office:powerpoint" xmlns:com="http://schemas.openxmlformats.org/drawingml/2006/compatibility" xmlns:p14="http://schemas.microsoft.com/office/powerpoint/2010/main" xmlns:p15="http://schemas.microsoft.com/office/powerpoint/2012/main" xmlns:ahyp="http://schemas.microsoft.com/office/drawing/2018/hyperlinkcolor">
+  <p:cSld>
+    <p:spTree>
+      <p:nvGrpSpPr>
+        <p:cNvPr id="146" name="Shape 146"/>
+        <p:cNvGrpSpPr/>
+        <p:nvPr/>
+      </p:nvGrpSpPr>
+      <p:grpSpPr>
+        <a:xfrm>
+          <a:off x="0" y="0"/>
+          <a:ext cx="0" cy="0"/>
+          <a:chOff x="0" y="0"/>
+          <a:chExt cx="0" cy="0"/>
+        </a:xfrm>
+      </p:grpSpPr>
+      <p:pic>
+        <p:nvPicPr>
+          <p:cNvPr id="147" name="Google Shape;147;p16"/>
+          <p:cNvPicPr preferRelativeResize="0"/>
+          <p:nvPr/>
+        </p:nvPicPr>
+        <p:blipFill>
+          <a:blip r:embed="rId3">
+            <a:alphaModFix/>
+          </a:blip>
+          <a:stretch>
+            <a:fillRect/>
+          </a:stretch>
+        </p:blipFill>
+        <p:spPr>
+          <a:xfrm>
+            <a:off x="941450" y="1572038"/>
+            <a:ext cx="3582025" cy="2146125"/>
+          </a:xfrm>
+          <a:prstGeom prst="rect">
+            <a:avLst/>
+          </a:prstGeom>
+          <a:noFill/>
+          <a:ln>
+            <a:noFill/>
+          </a:ln>
+        </p:spPr>
+      </p:pic>
+      <p:pic>
+        <p:nvPicPr>
+          <p:cNvPr id="148" name="Google Shape;148;p16"/>
+          <p:cNvPicPr preferRelativeResize="0"/>
+          <p:nvPr/>
+        </p:nvPicPr>
+        <p:blipFill>
+          <a:blip r:embed="rId4">
+            <a:alphaModFix/>
+          </a:blip>
+          <a:stretch>
+            <a:fillRect/>
+          </a:stretch>
+        </p:blipFill>
+        <p:spPr>
+          <a:xfrm>
+            <a:off x="4875525" y="1375425"/>
+            <a:ext cx="3449335" cy="2539350"/>
+          </a:xfrm>
+          <a:prstGeom prst="rect">
+            <a:avLst/>
+          </a:prstGeom>
+          <a:noFill/>
+          <a:ln>
+            <a:noFill/>
+          </a:ln>
+        </p:spPr>
+      </p:pic>
+    </p:spTree>
+  </p:cSld>
+  <p:clrMapOvr>
+    <a:masterClrMapping/>
+  </p:clrMapOvr>
+</p:sld>
+</file>
+
+<file path=ppt/slides/slide5.xml><?xml version="1.0" encoding="utf-8"?>
+<p:sld xmlns:a="http://schemas.openxmlformats.org/drawingml/2006/main" xmlns:r="http://schemas.openxmlformats.org/officeDocument/2006/relationships" xmlns:mc="http://schemas.openxmlformats.org/markup-compatibility/2006" xmlns:mv="urn:schemas-microsoft-com:mac:vml" xmlns:p="http://schemas.openxmlformats.org/presentationml/2006/main" xmlns:c="http://schemas.openxmlformats.org/drawingml/2006/chart" xmlns:dgm="http://schemas.openxmlformats.org/drawingml/2006/diagram" xmlns:o="urn:schemas-microsoft-com:office:office" xmlns:v="urn:schemas-microsoft-com:vml" xmlns:pvml="urn:schemas-microsoft-com:office:powerpoint" xmlns:com="http://schemas.openxmlformats.org/drawingml/2006/compatibility" xmlns:p14="http://schemas.microsoft.com/office/powerpoint/2010/main" xmlns:p15="http://schemas.microsoft.com/office/powerpoint/2012/main" xmlns:ahyp="http://schemas.microsoft.com/office/drawing/2018/hyperlinkcolor">
+  <p:cSld>
+    <p:spTree>
+      <p:nvGrpSpPr>
+        <p:cNvPr id="152" name="Shape 152"/>
+        <p:cNvGrpSpPr/>
+        <p:nvPr/>
+      </p:nvGrpSpPr>
+      <p:grpSpPr>
+        <a:xfrm>
+          <a:off x="0" y="0"/>
+          <a:ext cx="0" cy="0"/>
+          <a:chOff x="0" y="0"/>
+          <a:chExt cx="0" cy="0"/>
+        </a:xfrm>
+      </p:grpSpPr>
+      <p:pic>
+        <p:nvPicPr>
+          <p:cNvPr id="153" name="Google Shape;153;p17"/>
+          <p:cNvPicPr preferRelativeResize="0"/>
+          <p:nvPr/>
+        </p:nvPicPr>
+        <p:blipFill>
+          <a:blip r:embed="rId3">
+            <a:alphaModFix/>
+          </a:blip>
+          <a:stretch>
+            <a:fillRect/>
+          </a:stretch>
+        </p:blipFill>
+        <p:spPr>
+          <a:xfrm>
+            <a:off x="898644" y="1185475"/>
+            <a:ext cx="4511049" cy="3294201"/>
+          </a:xfrm>
+          <a:prstGeom prst="rect">
+            <a:avLst/>
+          </a:prstGeom>
+          <a:noFill/>
+          <a:ln>
+            <a:noFill/>
+          </a:ln>
+        </p:spPr>
+      </p:pic>
+      <p:pic>
+        <p:nvPicPr>
+          <p:cNvPr id="154" name="Google Shape;154;p17"/>
+          <p:cNvPicPr preferRelativeResize="0"/>
+          <p:nvPr/>
+        </p:nvPicPr>
+        <p:blipFill>
+          <a:blip r:embed="rId4">
+            <a:alphaModFix/>
+          </a:blip>
+          <a:stretch>
+            <a:fillRect/>
+          </a:stretch>
+        </p:blipFill>
+        <p:spPr>
+          <a:xfrm>
+            <a:off x="4949225" y="2141047"/>
+            <a:ext cx="3674401" cy="1383050"/>
+          </a:xfrm>
+          <a:prstGeom prst="rect">
+            <a:avLst/>
+          </a:prstGeom>
+          <a:noFill/>
+          <a:ln>
+            <a:noFill/>
+          </a:ln>
+        </p:spPr>
+      </p:pic>
+    </p:spTree>
+  </p:cSld>
+  <p:clrMapOvr>
+    <a:masterClrMapping/>
+  </p:clrMapOvr>
+</p:sld>
+</file>
+
+<file path=ppt/slides/slide6.xml><?xml version="1.0" encoding="utf-8"?>
+<p:sld xmlns:a="http://schemas.openxmlformats.org/drawingml/2006/main" xmlns:r="http://schemas.openxmlformats.org/officeDocument/2006/relationships" xmlns:mc="http://schemas.openxmlformats.org/markup-compatibility/2006" xmlns:mv="urn:schemas-microsoft-com:mac:vml" xmlns:p="http://schemas.openxmlformats.org/presentationml/2006/main" xmlns:c="http://schemas.openxmlformats.org/drawingml/2006/chart" xmlns:dgm="http://schemas.openxmlformats.org/drawingml/2006/diagram" xmlns:o="urn:schemas-microsoft-com:office:office" xmlns:v="urn:schemas-microsoft-com:vml" xmlns:pvml="urn:schemas-microsoft-com:office:powerpoint" xmlns:com="http://schemas.openxmlformats.org/drawingml/2006/compatibility" xmlns:p14="http://schemas.microsoft.com/office/powerpoint/2010/main" xmlns:p15="http://schemas.microsoft.com/office/powerpoint/2012/main" xmlns:ahyp="http://schemas.microsoft.com/office/drawing/2018/hyperlinkcolor">
+  <p:cSld>
+    <p:spTree>
+      <p:nvGrpSpPr>
+        <p:cNvPr id="158" name="Shape 158"/>
+        <p:cNvGrpSpPr/>
+        <p:nvPr/>
+      </p:nvGrpSpPr>
+      <p:grpSpPr>
+        <a:xfrm>
+          <a:off x="0" y="0"/>
+          <a:ext cx="0" cy="0"/>
+          <a:chOff x="0" y="0"/>
+          <a:chExt cx="0" cy="0"/>
+        </a:xfrm>
+      </p:grpSpPr>
+      <p:sp>
+        <p:nvSpPr>
+          <p:cNvPr id="159" name="Google Shape;159;p18"/>
+          <p:cNvSpPr txBox="1"/>
+          <p:nvPr>
+            <p:ph type="title"/>
+          </p:nvPr>
+        </p:nvSpPr>
+        <p:spPr>
+          <a:xfrm>
+            <a:off x="819150" y="589900"/>
+            <a:ext cx="7505700" cy="954600"/>
+          </a:xfrm>
+          <a:prstGeom prst="rect">
+            <a:avLst/>
+          </a:prstGeom>
+        </p:spPr>
+        <p:txBody>
+          <a:bodyPr anchorCtr="0" anchor="t" bIns="91425" lIns="91425" spcFirstLastPara="1" rIns="91425" wrap="square" tIns="91425">
+            <a:normAutofit/>
+          </a:bodyPr>
+          <a:lstStyle/>
+          <a:p>
+            <a:pPr indent="0" lvl="0" marL="0" rtl="0" algn="l">
+              <a:spcBef>
+                <a:spcPts val="0"/>
+              </a:spcBef>
+              <a:spcAft>
+                <a:spcPts val="0"/>
+              </a:spcAft>
+              <a:buNone/>
+            </a:pPr>
+            <a:r>
+              <a:rPr lang="en-GB"/>
+              <a:t>Hasil MPL Classifier</a:t>
+            </a:r>
+            <a:endParaRPr/>
+          </a:p>
+        </p:txBody>
+      </p:sp>
+      <p:pic>
+        <p:nvPicPr>
+          <p:cNvPr id="160" name="Google Shape;160;p18"/>
+          <p:cNvPicPr preferRelativeResize="0"/>
+          <p:nvPr/>
+        </p:nvPicPr>
+        <p:blipFill>
+          <a:blip r:embed="rId3">
+            <a:alphaModFix/>
+          </a:blip>
+          <a:stretch>
+            <a:fillRect/>
+          </a:stretch>
+        </p:blipFill>
+        <p:spPr>
+          <a:xfrm>
+            <a:off x="819150" y="1455775"/>
+            <a:ext cx="3143250" cy="2428875"/>
+          </a:xfrm>
+          <a:prstGeom prst="rect">
+            <a:avLst/>
+          </a:prstGeom>
+          <a:noFill/>
+          <a:ln>
+            <a:noFill/>
+          </a:ln>
+        </p:spPr>
+      </p:pic>
+      <p:pic>
+        <p:nvPicPr>
+          <p:cNvPr id="161" name="Google Shape;161;p18"/>
+          <p:cNvPicPr preferRelativeResize="0"/>
+          <p:nvPr/>
+        </p:nvPicPr>
+        <p:blipFill>
+          <a:blip r:embed="rId4">
+            <a:alphaModFix/>
+          </a:blip>
+          <a:stretch>
+            <a:fillRect/>
+          </a:stretch>
+        </p:blipFill>
+        <p:spPr>
+          <a:xfrm>
+            <a:off x="4644025" y="1499488"/>
+            <a:ext cx="3680825" cy="2144525"/>
+          </a:xfrm>
+          <a:prstGeom prst="rect">
+            <a:avLst/>
+          </a:prstGeom>
+          <a:noFill/>
+          <a:ln>
+            <a:noFill/>
+          </a:ln>
+        </p:spPr>
+      </p:pic>
+    </p:spTree>
+  </p:cSld>
+  <p:clrMapOvr>
+    <a:masterClrMapping/>
+  </p:clrMapOvr>
+</p:sld>
+</file>
+
+<file path=ppt/slides/slide7.xml><?xml version="1.0" encoding="utf-8"?>
+<p:sld xmlns:a="http://schemas.openxmlformats.org/drawingml/2006/main" xmlns:r="http://schemas.openxmlformats.org/officeDocument/2006/relationships" xmlns:mc="http://schemas.openxmlformats.org/markup-compatibility/2006" xmlns:mv="urn:schemas-microsoft-com:mac:vml" xmlns:p="http://schemas.openxmlformats.org/presentationml/2006/main" xmlns:c="http://schemas.openxmlformats.org/drawingml/2006/chart" xmlns:dgm="http://schemas.openxmlformats.org/drawingml/2006/diagram" xmlns:o="urn:schemas-microsoft-com:office:office" xmlns:v="urn:schemas-microsoft-com:vml" xmlns:pvml="urn:schemas-microsoft-com:office:powerpoint" xmlns:com="http://schemas.openxmlformats.org/drawingml/2006/compatibility" xmlns:p14="http://schemas.microsoft.com/office/powerpoint/2010/main" xmlns:p15="http://schemas.microsoft.com/office/powerpoint/2012/main" xmlns:ahyp="http://schemas.microsoft.com/office/drawing/2018/hyperlinkcolor">
+  <p:cSld>
+    <p:spTree>
+      <p:nvGrpSpPr>
+        <p:cNvPr id="165" name="Shape 165"/>
+        <p:cNvGrpSpPr/>
+        <p:nvPr/>
+      </p:nvGrpSpPr>
+      <p:grpSpPr>
+        <a:xfrm>
+          <a:off x="0" y="0"/>
+          <a:ext cx="0" cy="0"/>
+          <a:chOff x="0" y="0"/>
+          <a:chExt cx="0" cy="0"/>
+        </a:xfrm>
+      </p:grpSpPr>
+      <p:pic>
+        <p:nvPicPr>
+          <p:cNvPr id="166" name="Google Shape;166;p19"/>
+          <p:cNvPicPr preferRelativeResize="0"/>
+          <p:nvPr/>
+        </p:nvPicPr>
+        <p:blipFill>
+          <a:blip r:embed="rId3">
+            <a:alphaModFix/>
+          </a:blip>
+          <a:stretch>
+            <a:fillRect/>
+          </a:stretch>
+        </p:blipFill>
+        <p:spPr>
+          <a:xfrm>
+            <a:off x="812914" y="831938"/>
+            <a:ext cx="5753926" cy="3163875"/>
+          </a:xfrm>
+          <a:prstGeom prst="rect">
+            <a:avLst/>
+          </a:prstGeom>
+          <a:noFill/>
+          <a:ln>
+            <a:noFill/>
+          </a:ln>
+        </p:spPr>
+      </p:pic>
+      <p:pic>
+        <p:nvPicPr>
+          <p:cNvPr id="167" name="Google Shape;167;p19"/>
+          <p:cNvPicPr preferRelativeResize="0"/>
+          <p:nvPr/>
+        </p:nvPicPr>
+        <p:blipFill>
+          <a:blip r:embed="rId4">
+            <a:alphaModFix/>
+          </a:blip>
+          <a:stretch>
+            <a:fillRect/>
+          </a:stretch>
+        </p:blipFill>
+        <p:spPr>
+          <a:xfrm>
+            <a:off x="4311538" y="3139987"/>
+            <a:ext cx="4019550" cy="1171575"/>
+          </a:xfrm>
+          <a:prstGeom prst="rect">
+            <a:avLst/>
+          </a:prstGeom>
+          <a:noFill/>
+          <a:ln>
+            <a:noFill/>
+          </a:ln>
+        </p:spPr>
+      </p:pic>
+    </p:spTree>
+  </p:cSld>
+  <p:clrMapOvr>
+    <a:masterClrMapping/>
+  </p:clrMapOvr>
+</p:sld>
+</file>
+
+<file path=ppt/slides/slide8.xml><?xml version="1.0" encoding="utf-8"?>
+<p:sld xmlns:a="http://schemas.openxmlformats.org/drawingml/2006/main" xmlns:r="http://schemas.openxmlformats.org/officeDocument/2006/relationships" xmlns:mc="http://schemas.openxmlformats.org/markup-compatibility/2006" xmlns:mv="urn:schemas-microsoft-com:mac:vml" xmlns:p="http://schemas.openxmlformats.org/presentationml/2006/main" xmlns:c="http://schemas.openxmlformats.org/drawingml/2006/chart" xmlns:dgm="http://schemas.openxmlformats.org/drawingml/2006/diagram" xmlns:o="urn:schemas-microsoft-com:office:office" xmlns:v="urn:schemas-microsoft-com:vml" xmlns:pvml="urn:schemas-microsoft-com:office:powerpoint" xmlns:com="http://schemas.openxmlformats.org/drawingml/2006/compatibility" xmlns:p14="http://schemas.microsoft.com/office/powerpoint/2010/main" xmlns:p15="http://schemas.microsoft.com/office/powerpoint/2012/main" xmlns:ahyp="http://schemas.microsoft.com/office/drawing/2018/hyperlinkcolor">
+  <p:cSld>
+    <p:spTree>
+      <p:nvGrpSpPr>
+        <p:cNvPr id="171" name="Shape 171"/>
+        <p:cNvGrpSpPr/>
+        <p:nvPr/>
+      </p:nvGrpSpPr>
+      <p:grpSpPr>
+        <a:xfrm>
+          <a:off x="0" y="0"/>
+          <a:ext cx="0" cy="0"/>
+          <a:chOff x="0" y="0"/>
+          <a:chExt cx="0" cy="0"/>
+        </a:xfrm>
+      </p:grpSpPr>
+      <p:pic>
+        <p:nvPicPr>
+          <p:cNvPr id="172" name="Google Shape;172;p20"/>
+          <p:cNvPicPr preferRelativeResize="0"/>
+          <p:nvPr/>
+        </p:nvPicPr>
+        <p:blipFill>
+          <a:blip r:embed="rId3">
+            <a:alphaModFix/>
+          </a:blip>
+          <a:stretch>
+            <a:fillRect/>
+          </a:stretch>
+        </p:blipFill>
+        <p:spPr>
+          <a:xfrm>
+            <a:off x="590750" y="1158888"/>
+            <a:ext cx="4667250" cy="647700"/>
+          </a:xfrm>
+          <a:prstGeom prst="rect">
+            <a:avLst/>
+          </a:prstGeom>
+          <a:noFill/>
+          <a:ln>
+            <a:noFill/>
+          </a:ln>
+        </p:spPr>
+      </p:pic>
+      <p:pic>
+        <p:nvPicPr>
+          <p:cNvPr id="173" name="Google Shape;173;p20"/>
+          <p:cNvPicPr preferRelativeResize="0"/>
+          <p:nvPr/>
+        </p:nvPicPr>
+        <p:blipFill>
+          <a:blip r:embed="rId4">
+            <a:alphaModFix/>
+          </a:blip>
+          <a:stretch>
+            <a:fillRect/>
+          </a:stretch>
+        </p:blipFill>
+        <p:spPr>
+          <a:xfrm>
+            <a:off x="590750" y="1907838"/>
+            <a:ext cx="3647950" cy="1911475"/>
+          </a:xfrm>
+          <a:prstGeom prst="rect">
+            <a:avLst/>
+          </a:prstGeom>
+          <a:noFill/>
+          <a:ln>
+            <a:noFill/>
+          </a:ln>
+        </p:spPr>
+      </p:pic>
+      <p:pic>
+        <p:nvPicPr>
+          <p:cNvPr id="174" name="Google Shape;174;p20"/>
+          <p:cNvPicPr preferRelativeResize="0"/>
+          <p:nvPr/>
+        </p:nvPicPr>
+        <p:blipFill>
+          <a:blip r:embed="rId5">
+            <a:alphaModFix/>
+          </a:blip>
+          <a:stretch>
+            <a:fillRect/>
+          </a:stretch>
+        </p:blipFill>
+        <p:spPr>
+          <a:xfrm>
+            <a:off x="4391100" y="1958988"/>
+            <a:ext cx="3718675" cy="2025625"/>
+          </a:xfrm>
+          <a:prstGeom prst="rect">
+            <a:avLst/>
+          </a:prstGeom>
+          <a:noFill/>
+          <a:ln>
+            <a:noFill/>
+          </a:ln>
+        </p:spPr>
+      </p:pic>
+      <p:pic>
+        <p:nvPicPr>
+          <p:cNvPr id="175" name="Google Shape;175;p20"/>
+          <p:cNvPicPr preferRelativeResize="0"/>
+          <p:nvPr/>
+        </p:nvPicPr>
+        <p:blipFill>
+          <a:blip r:embed="rId6">
+            <a:alphaModFix/>
+          </a:blip>
+          <a:stretch>
+            <a:fillRect/>
+          </a:stretch>
+        </p:blipFill>
+        <p:spPr>
+          <a:xfrm>
+            <a:off x="5712350" y="1235087"/>
+            <a:ext cx="1781175" cy="495300"/>
+          </a:xfrm>
+          <a:prstGeom prst="rect">
+            <a:avLst/>
+          </a:prstGeom>
+          <a:noFill/>
+          <a:ln>
+            <a:noFill/>
+          </a:ln>
+        </p:spPr>
+      </p:pic>
+    </p:spTree>
+  </p:cSld>
+  <p:clrMapOvr>
+    <a:masterClrMapping/>
+  </p:clrMapOvr>
+</p:sld>
+</file>
+
 <file path=ppt/theme/theme1.xml><?xml version="1.0" encoding="utf-8"?>
 <a:theme xmlns:a="http://schemas.openxmlformats.org/drawingml/2006/main" xmlns:r="http://schemas.openxmlformats.org/officeDocument/2006/relationships" name="Shift">
   <a:themeElements>

--- a/Challenge Platinum_ Membuat API untuk Analisis Sentimen dan Laporan Analisis Data berdasarkan Sentimen.pptx
+++ b/Challenge Platinum_ Membuat API untuk Analisis Sentimen dan Laporan Analisis Data berdasarkan Sentimen.pptx
@@ -9769,7 +9769,7 @@
         </p:nvSpPr>
         <p:spPr>
           <a:xfrm>
-            <a:off x="819150" y="1990725"/>
+            <a:off x="819150" y="1800200"/>
             <a:ext cx="7505700" cy="2448000"/>
           </a:xfrm>
           <a:prstGeom prst="rect">
@@ -9778,52 +9778,86 @@
         </p:spPr>
         <p:txBody>
           <a:bodyPr anchorCtr="0" anchor="t" bIns="91425" lIns="91425" spcFirstLastPara="1" rIns="91425" wrap="square" tIns="91425">
-            <a:normAutofit fontScale="92500"/>
+            <a:normAutofit/>
           </a:bodyPr>
           <a:lstStyle/>
           <a:p>
-            <a:pPr indent="-304958" lvl="0" marL="457200" rtl="0" algn="l">
-              <a:spcBef>
-                <a:spcPts val="0"/>
-              </a:spcBef>
-              <a:spcAft>
-                <a:spcPts val="0"/>
-              </a:spcAft>
-              <a:buSzPct val="100000"/>
+            <a:pPr indent="-311150" lvl="0" marL="457200" rtl="0" algn="l">
+              <a:spcBef>
+                <a:spcPts val="0"/>
+              </a:spcBef>
+              <a:spcAft>
+                <a:spcPts val="0"/>
+              </a:spcAft>
+              <a:buSzPts val="1300"/>
               <a:buChar char="●"/>
             </a:pPr>
             <a:r>
               <a:rPr lang="en-GB"/>
-              <a:t>Melakukan analisis dari data sentimen menggunakan Machine Learning</a:t>
+              <a:t>Melakukan analisis data sentimen</a:t>
             </a:r>
             <a:endParaRPr/>
           </a:p>
           <a:p>
-            <a:pPr indent="-304958" lvl="0" marL="457200" rtl="0" algn="l">
-              <a:spcBef>
-                <a:spcPts val="0"/>
-              </a:spcBef>
-              <a:spcAft>
-                <a:spcPts val="0"/>
-              </a:spcAft>
-              <a:buSzPct val="100000"/>
+            <a:pPr indent="-298450" lvl="1" marL="914400" rtl="0" algn="l">
+              <a:spcBef>
+                <a:spcPts val="0"/>
+              </a:spcBef>
+              <a:spcAft>
+                <a:spcPts val="0"/>
+              </a:spcAft>
+              <a:buSzPts val="1100"/>
+              <a:buChar char="○"/>
+            </a:pPr>
+            <a:r>
+              <a:rPr lang="en-GB"/>
+              <a:t>proses memahami dan mengelompokkan emosi (positif, negatif, dan netral) yang terdapat dalam tulisan menggunakan teknik analisis teks.</a:t>
+            </a:r>
+            <a:endParaRPr/>
+          </a:p>
+          <a:p>
+            <a:pPr indent="-298450" lvl="1" marL="914400" rtl="0" algn="l">
+              <a:spcBef>
+                <a:spcPts val="0"/>
+              </a:spcBef>
+              <a:spcAft>
+                <a:spcPts val="0"/>
+              </a:spcAft>
+              <a:buSzPts val="1100"/>
+              <a:buChar char="○"/>
+            </a:pPr>
+            <a:r>
+              <a:rPr lang="en-GB"/>
+              <a:t>data berasal dari kumpulan tweet dari pengguna Twitter.</a:t>
+            </a:r>
+            <a:endParaRPr/>
+          </a:p>
+          <a:p>
+            <a:pPr indent="-311150" lvl="0" marL="457200" rtl="0" algn="l">
+              <a:spcBef>
+                <a:spcPts val="0"/>
+              </a:spcBef>
+              <a:spcAft>
+                <a:spcPts val="0"/>
+              </a:spcAft>
+              <a:buSzPts val="1300"/>
               <a:buChar char="●"/>
             </a:pPr>
             <a:r>
               <a:rPr lang="en-GB"/>
-              <a:t>Fungsi API dalam Memproses Analisis Sentimen:</a:t>
+              <a:t>Proses Analisis Sentimen:</a:t>
             </a:r>
             <a:endParaRPr/>
           </a:p>
           <a:p>
-            <a:pPr indent="-293211" lvl="1" marL="914400" rtl="0" algn="l">
-              <a:spcBef>
-                <a:spcPts val="0"/>
-              </a:spcBef>
-              <a:spcAft>
-                <a:spcPts val="0"/>
-              </a:spcAft>
-              <a:buSzPct val="100000"/>
+            <a:pPr indent="-298450" lvl="1" marL="914400" rtl="0" algn="l">
+              <a:spcBef>
+                <a:spcPts val="0"/>
+              </a:spcBef>
+              <a:spcAft>
+                <a:spcPts val="0"/>
+              </a:spcAft>
+              <a:buSzPts val="1100"/>
               <a:buChar char="○"/>
             </a:pPr>
             <a:r>
@@ -9833,14 +9867,14 @@
             <a:endParaRPr/>
           </a:p>
           <a:p>
-            <a:pPr indent="-293211" lvl="1" marL="914400" rtl="0" algn="l">
-              <a:spcBef>
-                <a:spcPts val="0"/>
-              </a:spcBef>
-              <a:spcAft>
-                <a:spcPts val="0"/>
-              </a:spcAft>
-              <a:buSzPct val="100000"/>
+            <a:pPr indent="-298450" lvl="1" marL="914400" rtl="0" algn="l">
+              <a:spcBef>
+                <a:spcPts val="0"/>
+              </a:spcBef>
+              <a:spcAft>
+                <a:spcPts val="0"/>
+              </a:spcAft>
+              <a:buSzPts val="1100"/>
               <a:buChar char="○"/>
             </a:pPr>
             <a:r>
@@ -9850,104 +9884,19 @@
             <a:endParaRPr/>
           </a:p>
           <a:p>
-            <a:pPr indent="-304958" lvl="0" marL="457200" rtl="0" algn="l">
-              <a:spcBef>
-                <a:spcPts val="0"/>
-              </a:spcBef>
-              <a:spcAft>
-                <a:spcPts val="0"/>
-              </a:spcAft>
-              <a:buSzPct val="100000"/>
-              <a:buChar char="●"/>
-            </a:pPr>
-            <a:r>
-              <a:rPr lang="en-GB"/>
-              <a:t>Output dengan Sentimen yang Telah Dianalisis:</a:t>
-            </a:r>
-            <a:endParaRPr/>
-          </a:p>
-          <a:p>
-            <a:pPr indent="-293211" lvl="1" marL="914400" rtl="0" algn="l">
-              <a:spcBef>
-                <a:spcPts val="0"/>
-              </a:spcBef>
-              <a:spcAft>
-                <a:spcPts val="0"/>
-              </a:spcAft>
-              <a:buSzPct val="100000"/>
+            <a:pPr indent="-298450" lvl="1" marL="914400" rtl="0" algn="l">
+              <a:spcBef>
+                <a:spcPts val="0"/>
+              </a:spcBef>
+              <a:spcAft>
+                <a:spcPts val="0"/>
+              </a:spcAft>
+              <a:buSzPts val="1100"/>
               <a:buChar char="○"/>
             </a:pPr>
             <a:r>
               <a:rPr lang="en-GB"/>
-              <a:t>Setelah melalui proses analisis sentimen menggunakan Neural Network dan LSTM, API akan menghasilkan output.</a:t>
-            </a:r>
-            <a:endParaRPr/>
-          </a:p>
-          <a:p>
-            <a:pPr indent="-293211" lvl="1" marL="914400" rtl="0" algn="l">
-              <a:spcBef>
-                <a:spcPts val="0"/>
-              </a:spcBef>
-              <a:spcAft>
-                <a:spcPts val="0"/>
-              </a:spcAft>
-              <a:buSzPct val="100000"/>
-              <a:buChar char="○"/>
-            </a:pPr>
-            <a:r>
-              <a:rPr lang="en-GB"/>
-              <a:t>Output yang dihasilkan sudah memiliki label sentimen, yaitu negatif, positif, atau netral.</a:t>
-            </a:r>
-            <a:endParaRPr/>
-          </a:p>
-          <a:p>
-            <a:pPr indent="-304958" lvl="0" marL="457200" rtl="0" algn="l">
-              <a:spcBef>
-                <a:spcPts val="0"/>
-              </a:spcBef>
-              <a:spcAft>
-                <a:spcPts val="0"/>
-              </a:spcAft>
-              <a:buSzPct val="100000"/>
-              <a:buChar char="●"/>
-            </a:pPr>
-            <a:r>
-              <a:rPr lang="en-GB"/>
-              <a:t>Format Output dalam JSON:</a:t>
-            </a:r>
-            <a:endParaRPr/>
-          </a:p>
-          <a:p>
-            <a:pPr indent="-293211" lvl="1" marL="914400" rtl="0" algn="l">
-              <a:spcBef>
-                <a:spcPts val="0"/>
-              </a:spcBef>
-              <a:spcAft>
-                <a:spcPts val="0"/>
-              </a:spcAft>
-              <a:buSzPct val="100000"/>
-              <a:buChar char="○"/>
-            </a:pPr>
-            <a:r>
-              <a:rPr lang="en-GB"/>
-              <a:t>Hasil analisis sentimen yang dihasilkan oleh API akan disajikan dalam format JSON.</a:t>
-            </a:r>
-            <a:endParaRPr/>
-          </a:p>
-          <a:p>
-            <a:pPr indent="-293211" lvl="1" marL="914400" rtl="0" algn="l">
-              <a:spcBef>
-                <a:spcPts val="0"/>
-              </a:spcBef>
-              <a:spcAft>
-                <a:spcPts val="0"/>
-              </a:spcAft>
-              <a:buSzPct val="100000"/>
-              <a:buChar char="○"/>
-            </a:pPr>
-            <a:r>
-              <a:rPr lang="en-GB"/>
-              <a:t>Format JSON memungkinkan data hasil sentimen untuk mudah dibaca, ditransfer, dan diintegrasikan dengan sistem lain yang mendukung format ini.</a:t>
+              <a:t>Swagger, Pandas, Tensorflow, SKLearn, matplotlib, seaborn dan flask</a:t>
             </a:r>
             <a:endParaRPr/>
           </a:p>
@@ -10584,6 +10533,285 @@
 </file>
 
 <file path=ppt/theme/theme1.xml><?xml version="1.0" encoding="utf-8"?>
+<a:theme xmlns:a="http://schemas.openxmlformats.org/drawingml/2006/main" xmlns:r="http://schemas.openxmlformats.org/officeDocument/2006/relationships">
+  <a:themeElements>
+    <a:clrScheme name="Default">
+      <a:dk1>
+        <a:srgbClr val="000000"/>
+      </a:dk1>
+      <a:lt1>
+        <a:srgbClr val="FFFFFF"/>
+      </a:lt1>
+      <a:dk2>
+        <a:srgbClr val="158158"/>
+      </a:dk2>
+      <a:lt2>
+        <a:srgbClr val="F3F3F3"/>
+      </a:lt2>
+      <a:accent1>
+        <a:srgbClr val="058DC7"/>
+      </a:accent1>
+      <a:accent2>
+        <a:srgbClr val="50B432"/>
+      </a:accent2>
+      <a:accent3>
+        <a:srgbClr val="ED561B"/>
+      </a:accent3>
+      <a:accent4>
+        <a:srgbClr val="EDEF00"/>
+      </a:accent4>
+      <a:accent5>
+        <a:srgbClr val="24CBE5"/>
+      </a:accent5>
+      <a:accent6>
+        <a:srgbClr val="64E572"/>
+      </a:accent6>
+      <a:hlink>
+        <a:srgbClr val="2200CC"/>
+      </a:hlink>
+      <a:folHlink>
+        <a:srgbClr val="551A8B"/>
+      </a:folHlink>
+    </a:clrScheme>
+    <a:fontScheme name="Office">
+      <a:majorFont>
+        <a:latin typeface="Arial"/>
+        <a:ea typeface=""/>
+        <a:cs typeface=""/>
+        <a:font script="Jpan" typeface="ＭＳ Ｐゴシック"/>
+        <a:font script="Hang" typeface="맑은 고딕"/>
+        <a:font script="Hans" typeface="宋体"/>
+        <a:font script="Hant" typeface="新細明體"/>
+        <a:font script="Arab" typeface="Times New Roman"/>
+        <a:font script="Hebr" typeface="Times New Roman"/>
+        <a:font script="Thai" typeface="Angsana New"/>
+        <a:font script="Ethi" typeface="Nyala"/>
+        <a:font script="Beng" typeface="Vrinda"/>
+        <a:font script="Gujr" typeface="Shruti"/>
+        <a:font script="Khmr" typeface="MoolBoran"/>
+        <a:font script="Knda" typeface="Tunga"/>
+        <a:font script="Guru" typeface="Raavi"/>
+        <a:font script="Cans" typeface="Euphemia"/>
+        <a:font script="Cher" typeface="Plantagenet Cherokee"/>
+        <a:font script="Yiii" typeface="Microsoft Yi Baiti"/>
+        <a:font script="Tibt" typeface="Microsoft Himalaya"/>
+        <a:font script="Thaa" typeface="MV Boli"/>
+        <a:font script="Deva" typeface="Mangal"/>
+        <a:font script="Telu" typeface="Gautami"/>
+        <a:font script="Taml" typeface="Latha"/>
+        <a:font script="Syrc" typeface="Estrangelo Edessa"/>
+        <a:font script="Orya" typeface="Kalinga"/>
+        <a:font script="Mlym" typeface="Kartika"/>
+        <a:font script="Laoo" typeface="DokChampa"/>
+        <a:font script="Sinh" typeface="Iskoola Pota"/>
+        <a:font script="Mong" typeface="Mongolian Baiti"/>
+        <a:font script="Viet" typeface="Times New Roman"/>
+        <a:font script="Uigh" typeface="Microsoft Uighur"/>
+        <a:font script="Geor" typeface="Sylfaen"/>
+      </a:majorFont>
+      <a:minorFont>
+        <a:latin typeface="Arial"/>
+        <a:ea typeface=""/>
+        <a:cs typeface=""/>
+        <a:font script="Jpan" typeface="ＭＳ Ｐゴシック"/>
+        <a:font script="Hang" typeface="맑은 고딕"/>
+        <a:font script="Hans" typeface="宋体"/>
+        <a:font script="Hant" typeface="新細明體"/>
+        <a:font script="Arab" typeface="Arial"/>
+        <a:font script="Hebr" typeface="Arial"/>
+        <a:font script="Thai" typeface="Cordia New"/>
+        <a:font script="Ethi" typeface="Nyala"/>
+        <a:font script="Beng" typeface="Vrinda"/>
+        <a:font script="Gujr" typeface="Shruti"/>
+        <a:font script="Khmr" typeface="DaunPenh"/>
+        <a:font script="Knda" typeface="Tunga"/>
+        <a:font script="Guru" typeface="Raavi"/>
+        <a:font script="Cans" typeface="Euphemia"/>
+        <a:font script="Cher" typeface="Plantagenet Cherokee"/>
+        <a:font script="Yiii" typeface="Microsoft Yi Baiti"/>
+        <a:font script="Tibt" typeface="Microsoft Himalaya"/>
+        <a:font script="Thaa" typeface="MV Boli"/>
+        <a:font script="Deva" typeface="Mangal"/>
+        <a:font script="Telu" typeface="Gautami"/>
+        <a:font script="Taml" typeface="Latha"/>
+        <a:font script="Syrc" typeface="Estrangelo Edessa"/>
+        <a:font script="Orya" typeface="Kalinga"/>
+        <a:font script="Mlym" typeface="Kartika"/>
+        <a:font script="Laoo" typeface="DokChampa"/>
+        <a:font script="Sinh" typeface="Iskoola Pota"/>
+        <a:font script="Mong" typeface="Mongolian Baiti"/>
+        <a:font script="Viet" typeface="Arial"/>
+        <a:font script="Uigh" typeface="Microsoft Uighur"/>
+        <a:font script="Geor" typeface="Sylfaen"/>
+      </a:minorFont>
+    </a:fontScheme>
+    <a:fmtScheme name="Office">
+      <a:fillStyleLst>
+        <a:solidFill>
+          <a:schemeClr val="phClr"/>
+        </a:solidFill>
+        <a:gradFill rotWithShape="1">
+          <a:gsLst>
+            <a:gs pos="0">
+              <a:schemeClr val="phClr">
+                <a:tint val="50000"/>
+                <a:satMod val="300000"/>
+              </a:schemeClr>
+            </a:gs>
+            <a:gs pos="35000">
+              <a:schemeClr val="phClr">
+                <a:tint val="37000"/>
+                <a:satMod val="300000"/>
+              </a:schemeClr>
+            </a:gs>
+            <a:gs pos="100000">
+              <a:schemeClr val="phClr">
+                <a:tint val="15000"/>
+                <a:satMod val="350000"/>
+              </a:schemeClr>
+            </a:gs>
+          </a:gsLst>
+          <a:lin ang="16200000" scaled="1"/>
+        </a:gradFill>
+        <a:gradFill rotWithShape="1">
+          <a:gsLst>
+            <a:gs pos="0">
+              <a:schemeClr val="phClr">
+                <a:tint val="100000"/>
+                <a:shade val="100000"/>
+                <a:satMod val="130000"/>
+              </a:schemeClr>
+            </a:gs>
+            <a:gs pos="100000">
+              <a:schemeClr val="phClr">
+                <a:tint val="50000"/>
+                <a:shade val="100000"/>
+                <a:satMod val="350000"/>
+              </a:schemeClr>
+            </a:gs>
+          </a:gsLst>
+          <a:lin ang="16200000" scaled="0"/>
+        </a:gradFill>
+      </a:fillStyleLst>
+      <a:lnStyleLst>
+        <a:ln w="9525" cap="flat" cmpd="sng" algn="ctr">
+          <a:solidFill>
+            <a:schemeClr val="phClr">
+              <a:shade val="95000"/>
+              <a:satMod val="105000"/>
+            </a:schemeClr>
+          </a:solidFill>
+          <a:prstDash val="solid"/>
+        </a:ln>
+        <a:ln w="25400" cap="flat" cmpd="sng" algn="ctr">
+          <a:solidFill>
+            <a:schemeClr val="phClr"/>
+          </a:solidFill>
+          <a:prstDash val="solid"/>
+        </a:ln>
+        <a:ln w="38100" cap="flat" cmpd="sng" algn="ctr">
+          <a:solidFill>
+            <a:schemeClr val="phClr"/>
+          </a:solidFill>
+          <a:prstDash val="solid"/>
+        </a:ln>
+      </a:lnStyleLst>
+      <a:effectStyleLst>
+        <a:effectStyle>
+          <a:effectLst>
+            <a:outerShdw blurRad="40000" dist="20000" dir="5400000" rotWithShape="0">
+              <a:srgbClr val="000000">
+                <a:alpha val="38000"/>
+              </a:srgbClr>
+            </a:outerShdw>
+          </a:effectLst>
+        </a:effectStyle>
+        <a:effectStyle>
+          <a:effectLst>
+            <a:outerShdw blurRad="40000" dist="23000" dir="5400000" rotWithShape="0">
+              <a:srgbClr val="000000">
+                <a:alpha val="35000"/>
+              </a:srgbClr>
+            </a:outerShdw>
+          </a:effectLst>
+        </a:effectStyle>
+        <a:effectStyle>
+          <a:effectLst>
+            <a:outerShdw blurRad="40000" dist="23000" dir="5400000" rotWithShape="0">
+              <a:srgbClr val="000000">
+                <a:alpha val="35000"/>
+              </a:srgbClr>
+            </a:outerShdw>
+          </a:effectLst>
+          <a:scene3d>
+            <a:camera prst="orthographicFront">
+              <a:rot lat="0" lon="0" rev="0"/>
+            </a:camera>
+            <a:lightRig rig="threePt" dir="t">
+              <a:rot lat="0" lon="0" rev="1200000"/>
+            </a:lightRig>
+          </a:scene3d>
+          <a:sp3d>
+            <a:bevelT w="63500" h="25400"/>
+          </a:sp3d>
+        </a:effectStyle>
+      </a:effectStyleLst>
+      <a:bgFillStyleLst>
+        <a:solidFill>
+          <a:schemeClr val="phClr"/>
+        </a:solidFill>
+        <a:gradFill rotWithShape="1">
+          <a:gsLst>
+            <a:gs pos="0">
+              <a:schemeClr val="phClr">
+                <a:tint val="40000"/>
+                <a:satMod val="350000"/>
+              </a:schemeClr>
+            </a:gs>
+            <a:gs pos="40000">
+              <a:schemeClr val="phClr">
+                <a:tint val="45000"/>
+                <a:shade val="99000"/>
+                <a:satMod val="350000"/>
+              </a:schemeClr>
+            </a:gs>
+            <a:gs pos="100000">
+              <a:schemeClr val="phClr">
+                <a:shade val="20000"/>
+                <a:satMod val="255000"/>
+              </a:schemeClr>
+            </a:gs>
+          </a:gsLst>
+          <a:path path="circle">
+            <a:fillToRect l="50000" t="-80000" r="50000" b="180000"/>
+          </a:path>
+        </a:gradFill>
+        <a:gradFill rotWithShape="1">
+          <a:gsLst>
+            <a:gs pos="0">
+              <a:schemeClr val="phClr">
+                <a:tint val="80000"/>
+                <a:satMod val="300000"/>
+              </a:schemeClr>
+            </a:gs>
+            <a:gs pos="100000">
+              <a:schemeClr val="phClr">
+                <a:shade val="30000"/>
+                <a:satMod val="200000"/>
+              </a:schemeClr>
+            </a:gs>
+          </a:gsLst>
+          <a:path path="circle">
+            <a:fillToRect l="50000" t="50000" r="50000" b="50000"/>
+          </a:path>
+        </a:gradFill>
+      </a:bgFillStyleLst>
+    </a:fmtScheme>
+  </a:themeElements>
+</a:theme>
+</file>
+
+<file path=ppt/theme/theme2.xml><?xml version="1.0" encoding="utf-8"?>
 <a:theme xmlns:a="http://schemas.openxmlformats.org/drawingml/2006/main" xmlns:r="http://schemas.openxmlformats.org/officeDocument/2006/relationships" name="Shift">
   <a:themeElements>
     <a:clrScheme name="Shift">
@@ -10860,283 +11088,4 @@
     </a:fmtScheme>
   </a:themeElements>
 </a:theme>
-</file>
-
-<file path=ppt/theme/theme2.xml><?xml version="1.0" encoding="utf-8"?>
-<a:theme xmlns:a="http://schemas.openxmlformats.org/drawingml/2006/main" xmlns:r="http://schemas.openxmlformats.org/officeDocument/2006/relationships">
-  <a:themeElements>
-    <a:clrScheme name="Default">
-      <a:dk1>
-        <a:srgbClr val="000000"/>
-      </a:dk1>
-      <a:lt1>
-        <a:srgbClr val="FFFFFF"/>
-      </a:lt1>
-      <a:dk2>
-        <a:srgbClr val="158158"/>
-      </a:dk2>
-      <a:lt2>
-        <a:srgbClr val="F3F3F3"/>
-      </a:lt2>
-      <a:accent1>
-        <a:srgbClr val="058DC7"/>
-      </a:accent1>
-      <a:accent2>
-        <a:srgbClr val="50B432"/>
-      </a:accent2>
-      <a:accent3>
-        <a:srgbClr val="ED561B"/>
-      </a:accent3>
-      <a:accent4>
-        <a:srgbClr val="EDEF00"/>
-      </a:accent4>
-      <a:accent5>
-        <a:srgbClr val="24CBE5"/>
-      </a:accent5>
-      <a:accent6>
-        <a:srgbClr val="64E572"/>
-      </a:accent6>
-      <a:hlink>
-        <a:srgbClr val="2200CC"/>
-      </a:hlink>
-      <a:folHlink>
-        <a:srgbClr val="551A8B"/>
-      </a:folHlink>
-    </a:clrScheme>
-    <a:fontScheme name="Office">
-      <a:majorFont>
-        <a:latin typeface="Arial"/>
-        <a:ea typeface=""/>
-        <a:cs typeface=""/>
-        <a:font script="Jpan" typeface="ＭＳ Ｐゴシック"/>
-        <a:font script="Hang" typeface="맑은 고딕"/>
-        <a:font script="Hans" typeface="宋体"/>
-        <a:font script="Hant" typeface="新細明體"/>
-        <a:font script="Arab" typeface="Times New Roman"/>
-        <a:font script="Hebr" typeface="Times New Roman"/>
-        <a:font script="Thai" typeface="Angsana New"/>
-        <a:font script="Ethi" typeface="Nyala"/>
-        <a:font script="Beng" typeface="Vrinda"/>
-        <a:font script="Gujr" typeface="Shruti"/>
-        <a:font script="Khmr" typeface="MoolBoran"/>
-        <a:font script="Knda" typeface="Tunga"/>
-        <a:font script="Guru" typeface="Raavi"/>
-        <a:font script="Cans" typeface="Euphemia"/>
-        <a:font script="Cher" typeface="Plantagenet Cherokee"/>
-        <a:font script="Yiii" typeface="Microsoft Yi Baiti"/>
-        <a:font script="Tibt" typeface="Microsoft Himalaya"/>
-        <a:font script="Thaa" typeface="MV Boli"/>
-        <a:font script="Deva" typeface="Mangal"/>
-        <a:font script="Telu" typeface="Gautami"/>
-        <a:font script="Taml" typeface="Latha"/>
-        <a:font script="Syrc" typeface="Estrangelo Edessa"/>
-        <a:font script="Orya" typeface="Kalinga"/>
-        <a:font script="Mlym" typeface="Kartika"/>
-        <a:font script="Laoo" typeface="DokChampa"/>
-        <a:font script="Sinh" typeface="Iskoola Pota"/>
-        <a:font script="Mong" typeface="Mongolian Baiti"/>
-        <a:font script="Viet" typeface="Times New Roman"/>
-        <a:font script="Uigh" typeface="Microsoft Uighur"/>
-        <a:font script="Geor" typeface="Sylfaen"/>
-      </a:majorFont>
-      <a:minorFont>
-        <a:latin typeface="Arial"/>
-        <a:ea typeface=""/>
-        <a:cs typeface=""/>
-        <a:font script="Jpan" typeface="ＭＳ Ｐゴシック"/>
-        <a:font script="Hang" typeface="맑은 고딕"/>
-        <a:font script="Hans" typeface="宋体"/>
-        <a:font script="Hant" typeface="新細明體"/>
-        <a:font script="Arab" typeface="Arial"/>
-        <a:font script="Hebr" typeface="Arial"/>
-        <a:font script="Thai" typeface="Cordia New"/>
-        <a:font script="Ethi" typeface="Nyala"/>
-        <a:font script="Beng" typeface="Vrinda"/>
-        <a:font script="Gujr" typeface="Shruti"/>
-        <a:font script="Khmr" typeface="DaunPenh"/>
-        <a:font script="Knda" typeface="Tunga"/>
-        <a:font script="Guru" typeface="Raavi"/>
-        <a:font script="Cans" typeface="Euphemia"/>
-        <a:font script="Cher" typeface="Plantagenet Cherokee"/>
-        <a:font script="Yiii" typeface="Microsoft Yi Baiti"/>
-        <a:font script="Tibt" typeface="Microsoft Himalaya"/>
-        <a:font script="Thaa" typeface="MV Boli"/>
-        <a:font script="Deva" typeface="Mangal"/>
-        <a:font script="Telu" typeface="Gautami"/>
-        <a:font script="Taml" typeface="Latha"/>
-        <a:font script="Syrc" typeface="Estrangelo Edessa"/>
-        <a:font script="Orya" typeface="Kalinga"/>
-        <a:font script="Mlym" typeface="Kartika"/>
-        <a:font script="Laoo" typeface="DokChampa"/>
-        <a:font script="Sinh" typeface="Iskoola Pota"/>
-        <a:font script="Mong" typeface="Mongolian Baiti"/>
-        <a:font script="Viet" typeface="Arial"/>
-        <a:font script="Uigh" typeface="Microsoft Uighur"/>
-        <a:font script="Geor" typeface="Sylfaen"/>
-      </a:minorFont>
-    </a:fontScheme>
-    <a:fmtScheme name="Office">
-      <a:fillStyleLst>
-        <a:solidFill>
-          <a:schemeClr val="phClr"/>
-        </a:solidFill>
-        <a:gradFill rotWithShape="1">
-          <a:gsLst>
-            <a:gs pos="0">
-              <a:schemeClr val="phClr">
-                <a:tint val="50000"/>
-                <a:satMod val="300000"/>
-              </a:schemeClr>
-            </a:gs>
-            <a:gs pos="35000">
-              <a:schemeClr val="phClr">
-                <a:tint val="37000"/>
-                <a:satMod val="300000"/>
-              </a:schemeClr>
-            </a:gs>
-            <a:gs pos="100000">
-              <a:schemeClr val="phClr">
-                <a:tint val="15000"/>
-                <a:satMod val="350000"/>
-              </a:schemeClr>
-            </a:gs>
-          </a:gsLst>
-          <a:lin ang="16200000" scaled="1"/>
-        </a:gradFill>
-        <a:gradFill rotWithShape="1">
-          <a:gsLst>
-            <a:gs pos="0">
-              <a:schemeClr val="phClr">
-                <a:tint val="100000"/>
-                <a:shade val="100000"/>
-                <a:satMod val="130000"/>
-              </a:schemeClr>
-            </a:gs>
-            <a:gs pos="100000">
-              <a:schemeClr val="phClr">
-                <a:tint val="50000"/>
-                <a:shade val="100000"/>
-                <a:satMod val="350000"/>
-              </a:schemeClr>
-            </a:gs>
-          </a:gsLst>
-          <a:lin ang="16200000" scaled="0"/>
-        </a:gradFill>
-      </a:fillStyleLst>
-      <a:lnStyleLst>
-        <a:ln w="9525" cap="flat" cmpd="sng" algn="ctr">
-          <a:solidFill>
-            <a:schemeClr val="phClr">
-              <a:shade val="95000"/>
-              <a:satMod val="105000"/>
-            </a:schemeClr>
-          </a:solidFill>
-          <a:prstDash val="solid"/>
-        </a:ln>
-        <a:ln w="25400" cap="flat" cmpd="sng" algn="ctr">
-          <a:solidFill>
-            <a:schemeClr val="phClr"/>
-          </a:solidFill>
-          <a:prstDash val="solid"/>
-        </a:ln>
-        <a:ln w="38100" cap="flat" cmpd="sng" algn="ctr">
-          <a:solidFill>
-            <a:schemeClr val="phClr"/>
-          </a:solidFill>
-          <a:prstDash val="solid"/>
-        </a:ln>
-      </a:lnStyleLst>
-      <a:effectStyleLst>
-        <a:effectStyle>
-          <a:effectLst>
-            <a:outerShdw blurRad="40000" dist="20000" dir="5400000" rotWithShape="0">
-              <a:srgbClr val="000000">
-                <a:alpha val="38000"/>
-              </a:srgbClr>
-            </a:outerShdw>
-          </a:effectLst>
-        </a:effectStyle>
-        <a:effectStyle>
-          <a:effectLst>
-            <a:outerShdw blurRad="40000" dist="23000" dir="5400000" rotWithShape="0">
-              <a:srgbClr val="000000">
-                <a:alpha val="35000"/>
-              </a:srgbClr>
-            </a:outerShdw>
-          </a:effectLst>
-        </a:effectStyle>
-        <a:effectStyle>
-          <a:effectLst>
-            <a:outerShdw blurRad="40000" dist="23000" dir="5400000" rotWithShape="0">
-              <a:srgbClr val="000000">
-                <a:alpha val="35000"/>
-              </a:srgbClr>
-            </a:outerShdw>
-          </a:effectLst>
-          <a:scene3d>
-            <a:camera prst="orthographicFront">
-              <a:rot lat="0" lon="0" rev="0"/>
-            </a:camera>
-            <a:lightRig rig="threePt" dir="t">
-              <a:rot lat="0" lon="0" rev="1200000"/>
-            </a:lightRig>
-          </a:scene3d>
-          <a:sp3d>
-            <a:bevelT w="63500" h="25400"/>
-          </a:sp3d>
-        </a:effectStyle>
-      </a:effectStyleLst>
-      <a:bgFillStyleLst>
-        <a:solidFill>
-          <a:schemeClr val="phClr"/>
-        </a:solidFill>
-        <a:gradFill rotWithShape="1">
-          <a:gsLst>
-            <a:gs pos="0">
-              <a:schemeClr val="phClr">
-                <a:tint val="40000"/>
-                <a:satMod val="350000"/>
-              </a:schemeClr>
-            </a:gs>
-            <a:gs pos="40000">
-              <a:schemeClr val="phClr">
-                <a:tint val="45000"/>
-                <a:shade val="99000"/>
-                <a:satMod val="350000"/>
-              </a:schemeClr>
-            </a:gs>
-            <a:gs pos="100000">
-              <a:schemeClr val="phClr">
-                <a:shade val="20000"/>
-                <a:satMod val="255000"/>
-              </a:schemeClr>
-            </a:gs>
-          </a:gsLst>
-          <a:path path="circle">
-            <a:fillToRect l="50000" t="-80000" r="50000" b="180000"/>
-          </a:path>
-        </a:gradFill>
-        <a:gradFill rotWithShape="1">
-          <a:gsLst>
-            <a:gs pos="0">
-              <a:schemeClr val="phClr">
-                <a:tint val="80000"/>
-                <a:satMod val="300000"/>
-              </a:schemeClr>
-            </a:gs>
-            <a:gs pos="100000">
-              <a:schemeClr val="phClr">
-                <a:shade val="30000"/>
-                <a:satMod val="200000"/>
-              </a:schemeClr>
-            </a:gs>
-          </a:gsLst>
-          <a:path path="circle">
-            <a:fillToRect l="50000" t="50000" r="50000" b="50000"/>
-          </a:path>
-        </a:gradFill>
-      </a:bgFillStyleLst>
-    </a:fmtScheme>
-  </a:themeElements>
-</a:theme>
 </file>
--- a/Challenge Platinum_ Membuat API untuk Analisis Sentimen dan Laporan Analisis Data berdasarkan Sentimen.pptx
+++ b/Challenge Platinum_ Membuat API untuk Analisis Sentimen dan Laporan Analisis Data berdasarkan Sentimen.pptx
@@ -9778,18 +9778,69 @@
         </p:spPr>
         <p:txBody>
           <a:bodyPr anchorCtr="0" anchor="t" bIns="91425" lIns="91425" spcFirstLastPara="1" rIns="91425" wrap="square" tIns="91425">
-            <a:normAutofit/>
+            <a:normAutofit fontScale="92500" lnSpcReduction="10000"/>
           </a:bodyPr>
           <a:lstStyle/>
           <a:p>
-            <a:pPr indent="-311150" lvl="0" marL="457200" rtl="0" algn="l">
-              <a:spcBef>
-                <a:spcPts val="0"/>
-              </a:spcBef>
-              <a:spcAft>
-                <a:spcPts val="0"/>
-              </a:spcAft>
-              <a:buSzPts val="1300"/>
+            <a:pPr indent="-304958" lvl="0" marL="457200" rtl="0" algn="l">
+              <a:spcBef>
+                <a:spcPts val="0"/>
+              </a:spcBef>
+              <a:spcAft>
+                <a:spcPts val="0"/>
+              </a:spcAft>
+              <a:buSzPct val="100000"/>
+              <a:buChar char="●"/>
+            </a:pPr>
+            <a:r>
+              <a:rPr lang="en-GB"/>
+              <a:t>Social Media</a:t>
+            </a:r>
+            <a:endParaRPr/>
+          </a:p>
+          <a:p>
+            <a:pPr indent="-293211" lvl="1" marL="914400" rtl="0" algn="l">
+              <a:spcBef>
+                <a:spcPts val="0"/>
+              </a:spcBef>
+              <a:spcAft>
+                <a:spcPts val="0"/>
+              </a:spcAft>
+              <a:buSzPct val="100000"/>
+              <a:buChar char="○"/>
+            </a:pPr>
+            <a:r>
+              <a:rPr lang="en-GB"/>
+              <a:t>media untuk bersosialisasi satu sama lain dan dilakukan secara online yang memungkinkan manusia untuk saling berinteraksi tanpa dibatasi ruang dan waktu.</a:t>
+            </a:r>
+            <a:endParaRPr/>
+          </a:p>
+          <a:p>
+            <a:pPr indent="-293211" lvl="1" marL="914400" rtl="0" algn="l">
+              <a:spcBef>
+                <a:spcPts val="0"/>
+              </a:spcBef>
+              <a:spcAft>
+                <a:spcPts val="0"/>
+              </a:spcAft>
+              <a:buSzPct val="100000"/>
+              <a:buChar char="○"/>
+            </a:pPr>
+            <a:r>
+              <a:rPr lang="en-GB"/>
+              <a:t>sebagai media pemasaran, dagang, mencari koneksi, memperluas pertemanan, dll.</a:t>
+            </a:r>
+            <a:endParaRPr/>
+          </a:p>
+          <a:p>
+            <a:pPr indent="-304958" lvl="0" marL="457200" rtl="0" algn="l">
+              <a:spcBef>
+                <a:spcPts val="0"/>
+              </a:spcBef>
+              <a:spcAft>
+                <a:spcPts val="0"/>
+              </a:spcAft>
+              <a:buSzPct val="100000"/>
               <a:buChar char="●"/>
             </a:pPr>
             <a:r>
@@ -9799,14 +9850,14 @@
             <a:endParaRPr/>
           </a:p>
           <a:p>
-            <a:pPr indent="-298450" lvl="1" marL="914400" rtl="0" algn="l">
-              <a:spcBef>
-                <a:spcPts val="0"/>
-              </a:spcBef>
-              <a:spcAft>
-                <a:spcPts val="0"/>
-              </a:spcAft>
-              <a:buSzPts val="1100"/>
+            <a:pPr indent="-293211" lvl="1" marL="914400" rtl="0" algn="l">
+              <a:spcBef>
+                <a:spcPts val="0"/>
+              </a:spcBef>
+              <a:spcAft>
+                <a:spcPts val="0"/>
+              </a:spcAft>
+              <a:buSzPct val="100000"/>
               <a:buChar char="○"/>
             </a:pPr>
             <a:r>
@@ -9816,14 +9867,14 @@
             <a:endParaRPr/>
           </a:p>
           <a:p>
-            <a:pPr indent="-298450" lvl="1" marL="914400" rtl="0" algn="l">
-              <a:spcBef>
-                <a:spcPts val="0"/>
-              </a:spcBef>
-              <a:spcAft>
-                <a:spcPts val="0"/>
-              </a:spcAft>
-              <a:buSzPts val="1100"/>
+            <a:pPr indent="-293211" lvl="1" marL="914400" rtl="0" algn="l">
+              <a:spcBef>
+                <a:spcPts val="0"/>
+              </a:spcBef>
+              <a:spcAft>
+                <a:spcPts val="0"/>
+              </a:spcAft>
+              <a:buSzPct val="100000"/>
               <a:buChar char="○"/>
             </a:pPr>
             <a:r>
@@ -9833,14 +9884,14 @@
             <a:endParaRPr/>
           </a:p>
           <a:p>
-            <a:pPr indent="-311150" lvl="0" marL="457200" rtl="0" algn="l">
-              <a:spcBef>
-                <a:spcPts val="0"/>
-              </a:spcBef>
-              <a:spcAft>
-                <a:spcPts val="0"/>
-              </a:spcAft>
-              <a:buSzPts val="1300"/>
+            <a:pPr indent="-304958" lvl="0" marL="457200" rtl="0" algn="l">
+              <a:spcBef>
+                <a:spcPts val="0"/>
+              </a:spcBef>
+              <a:spcAft>
+                <a:spcPts val="0"/>
+              </a:spcAft>
+              <a:buSzPct val="100000"/>
               <a:buChar char="●"/>
             </a:pPr>
             <a:r>
@@ -9850,14 +9901,14 @@
             <a:endParaRPr/>
           </a:p>
           <a:p>
-            <a:pPr indent="-298450" lvl="1" marL="914400" rtl="0" algn="l">
-              <a:spcBef>
-                <a:spcPts val="0"/>
-              </a:spcBef>
-              <a:spcAft>
-                <a:spcPts val="0"/>
-              </a:spcAft>
-              <a:buSzPts val="1100"/>
+            <a:pPr indent="-293211" lvl="1" marL="914400" rtl="0" algn="l">
+              <a:spcBef>
+                <a:spcPts val="0"/>
+              </a:spcBef>
+              <a:spcAft>
+                <a:spcPts val="0"/>
+              </a:spcAft>
+              <a:buSzPct val="100000"/>
               <a:buChar char="○"/>
             </a:pPr>
             <a:r>
@@ -9867,14 +9918,14 @@
             <a:endParaRPr/>
           </a:p>
           <a:p>
-            <a:pPr indent="-298450" lvl="1" marL="914400" rtl="0" algn="l">
-              <a:spcBef>
-                <a:spcPts val="0"/>
-              </a:spcBef>
-              <a:spcAft>
-                <a:spcPts val="0"/>
-              </a:spcAft>
-              <a:buSzPts val="1100"/>
+            <a:pPr indent="-293211" lvl="1" marL="914400" rtl="0" algn="l">
+              <a:spcBef>
+                <a:spcPts val="0"/>
+              </a:spcBef>
+              <a:spcAft>
+                <a:spcPts val="0"/>
+              </a:spcAft>
+              <a:buSzPct val="100000"/>
               <a:buChar char="○"/>
             </a:pPr>
             <a:r>
@@ -9884,14 +9935,14 @@
             <a:endParaRPr/>
           </a:p>
           <a:p>
-            <a:pPr indent="-298450" lvl="1" marL="914400" rtl="0" algn="l">
-              <a:spcBef>
-                <a:spcPts val="0"/>
-              </a:spcBef>
-              <a:spcAft>
-                <a:spcPts val="0"/>
-              </a:spcAft>
-              <a:buSzPts val="1100"/>
+            <a:pPr indent="-293211" lvl="1" marL="914400" rtl="0" algn="l">
+              <a:spcBef>
+                <a:spcPts val="0"/>
+              </a:spcBef>
+              <a:spcAft>
+                <a:spcPts val="0"/>
+              </a:spcAft>
+              <a:buSzPct val="100000"/>
               <a:buChar char="○"/>
             </a:pPr>
             <a:r>
@@ -10533,6 +10584,285 @@
 </file>
 
 <file path=ppt/theme/theme1.xml><?xml version="1.0" encoding="utf-8"?>
+<a:theme xmlns:a="http://schemas.openxmlformats.org/drawingml/2006/main" xmlns:r="http://schemas.openxmlformats.org/officeDocument/2006/relationships" name="Shift">
+  <a:themeElements>
+    <a:clrScheme name="Shift">
+      <a:dk1>
+        <a:srgbClr val="FFFFFF"/>
+      </a:dk1>
+      <a:lt1>
+        <a:srgbClr val="AF7B51"/>
+      </a:lt1>
+      <a:dk2>
+        <a:srgbClr val="233A44"/>
+      </a:dk2>
+      <a:lt2>
+        <a:srgbClr val="D9D9D9"/>
+      </a:lt2>
+      <a:accent1>
+        <a:srgbClr val="00796B"/>
+      </a:accent1>
+      <a:accent2>
+        <a:srgbClr val="D9563F"/>
+      </a:accent2>
+      <a:accent3>
+        <a:srgbClr val="C4A15A"/>
+      </a:accent3>
+      <a:accent4>
+        <a:srgbClr val="14F597"/>
+      </a:accent4>
+      <a:accent5>
+        <a:srgbClr val="3D4594"/>
+      </a:accent5>
+      <a:accent6>
+        <a:srgbClr val="163EF5"/>
+      </a:accent6>
+      <a:hlink>
+        <a:srgbClr val="3D4594"/>
+      </a:hlink>
+      <a:folHlink>
+        <a:srgbClr val="3D4594"/>
+      </a:folHlink>
+    </a:clrScheme>
+    <a:fontScheme name="Office">
+      <a:majorFont>
+        <a:latin typeface="Arial"/>
+        <a:ea typeface=""/>
+        <a:cs typeface=""/>
+        <a:font script="Jpan" typeface="ＭＳ Ｐゴシック"/>
+        <a:font script="Hang" typeface="맑은 고딕"/>
+        <a:font script="Hans" typeface="宋体"/>
+        <a:font script="Hant" typeface="新細明體"/>
+        <a:font script="Arab" typeface="Times New Roman"/>
+        <a:font script="Hebr" typeface="Times New Roman"/>
+        <a:font script="Thai" typeface="Angsana New"/>
+        <a:font script="Ethi" typeface="Nyala"/>
+        <a:font script="Beng" typeface="Vrinda"/>
+        <a:font script="Gujr" typeface="Shruti"/>
+        <a:font script="Khmr" typeface="MoolBoran"/>
+        <a:font script="Knda" typeface="Tunga"/>
+        <a:font script="Guru" typeface="Raavi"/>
+        <a:font script="Cans" typeface="Euphemia"/>
+        <a:font script="Cher" typeface="Plantagenet Cherokee"/>
+        <a:font script="Yiii" typeface="Microsoft Yi Baiti"/>
+        <a:font script="Tibt" typeface="Microsoft Himalaya"/>
+        <a:font script="Thaa" typeface="MV Boli"/>
+        <a:font script="Deva" typeface="Mangal"/>
+        <a:font script="Telu" typeface="Gautami"/>
+        <a:font script="Taml" typeface="Latha"/>
+        <a:font script="Syrc" typeface="Estrangelo Edessa"/>
+        <a:font script="Orya" typeface="Kalinga"/>
+        <a:font script="Mlym" typeface="Kartika"/>
+        <a:font script="Laoo" typeface="DokChampa"/>
+        <a:font script="Sinh" typeface="Iskoola Pota"/>
+        <a:font script="Mong" typeface="Mongolian Baiti"/>
+        <a:font script="Viet" typeface="Times New Roman"/>
+        <a:font script="Uigh" typeface="Microsoft Uighur"/>
+        <a:font script="Geor" typeface="Sylfaen"/>
+      </a:majorFont>
+      <a:minorFont>
+        <a:latin typeface="Arial"/>
+        <a:ea typeface=""/>
+        <a:cs typeface=""/>
+        <a:font script="Jpan" typeface="ＭＳ Ｐゴシック"/>
+        <a:font script="Hang" typeface="맑은 고딕"/>
+        <a:font script="Hans" typeface="宋体"/>
+        <a:font script="Hant" typeface="新細明體"/>
+        <a:font script="Arab" typeface="Arial"/>
+        <a:font script="Hebr" typeface="Arial"/>
+        <a:font script="Thai" typeface="Cordia New"/>
+        <a:font script="Ethi" typeface="Nyala"/>
+        <a:font script="Beng" typeface="Vrinda"/>
+        <a:font script="Gujr" typeface="Shruti"/>
+        <a:font script="Khmr" typeface="DaunPenh"/>
+        <a:font script="Knda" typeface="Tunga"/>
+        <a:font script="Guru" typeface="Raavi"/>
+        <a:font script="Cans" typeface="Euphemia"/>
+        <a:font script="Cher" typeface="Plantagenet Cherokee"/>
+        <a:font script="Yiii" typeface="Microsoft Yi Baiti"/>
+        <a:font script="Tibt" typeface="Microsoft Himalaya"/>
+        <a:font script="Thaa" typeface="MV Boli"/>
+        <a:font script="Deva" typeface="Mangal"/>
+        <a:font script="Telu" typeface="Gautami"/>
+        <a:font script="Taml" typeface="Latha"/>
+        <a:font script="Syrc" typeface="Estrangelo Edessa"/>
+        <a:font script="Orya" typeface="Kalinga"/>
+        <a:font script="Mlym" typeface="Kartika"/>
+        <a:font script="Laoo" typeface="DokChampa"/>
+        <a:font script="Sinh" typeface="Iskoola Pota"/>
+        <a:font script="Mong" typeface="Mongolian Baiti"/>
+        <a:font script="Viet" typeface="Arial"/>
+        <a:font script="Uigh" typeface="Microsoft Uighur"/>
+        <a:font script="Geor" typeface="Sylfaen"/>
+      </a:minorFont>
+    </a:fontScheme>
+    <a:fmtScheme name="Office">
+      <a:fillStyleLst>
+        <a:solidFill>
+          <a:schemeClr val="phClr"/>
+        </a:solidFill>
+        <a:gradFill rotWithShape="1">
+          <a:gsLst>
+            <a:gs pos="0">
+              <a:schemeClr val="phClr">
+                <a:tint val="50000"/>
+                <a:satMod val="300000"/>
+              </a:schemeClr>
+            </a:gs>
+            <a:gs pos="35000">
+              <a:schemeClr val="phClr">
+                <a:tint val="37000"/>
+                <a:satMod val="300000"/>
+              </a:schemeClr>
+            </a:gs>
+            <a:gs pos="100000">
+              <a:schemeClr val="phClr">
+                <a:tint val="15000"/>
+                <a:satMod val="350000"/>
+              </a:schemeClr>
+            </a:gs>
+          </a:gsLst>
+          <a:lin ang="16200000" scaled="1"/>
+        </a:gradFill>
+        <a:gradFill rotWithShape="1">
+          <a:gsLst>
+            <a:gs pos="0">
+              <a:schemeClr val="phClr">
+                <a:tint val="100000"/>
+                <a:shade val="100000"/>
+                <a:satMod val="130000"/>
+              </a:schemeClr>
+            </a:gs>
+            <a:gs pos="100000">
+              <a:schemeClr val="phClr">
+                <a:tint val="50000"/>
+                <a:shade val="100000"/>
+                <a:satMod val="350000"/>
+              </a:schemeClr>
+            </a:gs>
+          </a:gsLst>
+          <a:lin ang="16200000" scaled="0"/>
+        </a:gradFill>
+      </a:fillStyleLst>
+      <a:lnStyleLst>
+        <a:ln w="9525" cap="flat" cmpd="sng" algn="ctr">
+          <a:solidFill>
+            <a:schemeClr val="phClr">
+              <a:shade val="95000"/>
+              <a:satMod val="105000"/>
+            </a:schemeClr>
+          </a:solidFill>
+          <a:prstDash val="solid"/>
+        </a:ln>
+        <a:ln w="25400" cap="flat" cmpd="sng" algn="ctr">
+          <a:solidFill>
+            <a:schemeClr val="phClr"/>
+          </a:solidFill>
+          <a:prstDash val="solid"/>
+        </a:ln>
+        <a:ln w="38100" cap="flat" cmpd="sng" algn="ctr">
+          <a:solidFill>
+            <a:schemeClr val="phClr"/>
+          </a:solidFill>
+          <a:prstDash val="solid"/>
+        </a:ln>
+      </a:lnStyleLst>
+      <a:effectStyleLst>
+        <a:effectStyle>
+          <a:effectLst>
+            <a:outerShdw blurRad="40000" dist="20000" dir="5400000" rotWithShape="0">
+              <a:srgbClr val="000000">
+                <a:alpha val="38000"/>
+              </a:srgbClr>
+            </a:outerShdw>
+          </a:effectLst>
+        </a:effectStyle>
+        <a:effectStyle>
+          <a:effectLst>
+            <a:outerShdw blurRad="40000" dist="23000" dir="5400000" rotWithShape="0">
+              <a:srgbClr val="000000">
+                <a:alpha val="35000"/>
+              </a:srgbClr>
+            </a:outerShdw>
+          </a:effectLst>
+        </a:effectStyle>
+        <a:effectStyle>
+          <a:effectLst>
+            <a:outerShdw blurRad="40000" dist="23000" dir="5400000" rotWithShape="0">
+              <a:srgbClr val="000000">
+                <a:alpha val="35000"/>
+              </a:srgbClr>
+            </a:outerShdw>
+          </a:effectLst>
+          <a:scene3d>
+            <a:camera prst="orthographicFront">
+              <a:rot lat="0" lon="0" rev="0"/>
+            </a:camera>
+            <a:lightRig rig="threePt" dir="t">
+              <a:rot lat="0" lon="0" rev="1200000"/>
+            </a:lightRig>
+          </a:scene3d>
+          <a:sp3d>
+            <a:bevelT w="63500" h="25400"/>
+          </a:sp3d>
+        </a:effectStyle>
+      </a:effectStyleLst>
+      <a:bgFillStyleLst>
+        <a:solidFill>
+          <a:schemeClr val="phClr"/>
+        </a:solidFill>
+        <a:gradFill rotWithShape="1">
+          <a:gsLst>
+            <a:gs pos="0">
+              <a:schemeClr val="phClr">
+                <a:tint val="40000"/>
+                <a:satMod val="350000"/>
+              </a:schemeClr>
+            </a:gs>
+            <a:gs pos="40000">
+              <a:schemeClr val="phClr">
+                <a:tint val="45000"/>
+                <a:shade val="99000"/>
+                <a:satMod val="350000"/>
+              </a:schemeClr>
+            </a:gs>
+            <a:gs pos="100000">
+              <a:schemeClr val="phClr">
+                <a:shade val="20000"/>
+                <a:satMod val="255000"/>
+              </a:schemeClr>
+            </a:gs>
+          </a:gsLst>
+          <a:path path="circle">
+            <a:fillToRect l="50000" t="-80000" r="50000" b="180000"/>
+          </a:path>
+        </a:gradFill>
+        <a:gradFill rotWithShape="1">
+          <a:gsLst>
+            <a:gs pos="0">
+              <a:schemeClr val="phClr">
+                <a:tint val="80000"/>
+                <a:satMod val="300000"/>
+              </a:schemeClr>
+            </a:gs>
+            <a:gs pos="100000">
+              <a:schemeClr val="phClr">
+                <a:shade val="30000"/>
+                <a:satMod val="200000"/>
+              </a:schemeClr>
+            </a:gs>
+          </a:gsLst>
+          <a:path path="circle">
+            <a:fillToRect l="50000" t="50000" r="50000" b="50000"/>
+          </a:path>
+        </a:gradFill>
+      </a:bgFillStyleLst>
+    </a:fmtScheme>
+  </a:themeElements>
+</a:theme>
+</file>
+
+<file path=ppt/theme/theme2.xml><?xml version="1.0" encoding="utf-8"?>
 <a:theme xmlns:a="http://schemas.openxmlformats.org/drawingml/2006/main" xmlns:r="http://schemas.openxmlformats.org/officeDocument/2006/relationships">
   <a:themeElements>
     <a:clrScheme name="Default">
@@ -10809,283 +11139,4 @@
     </a:fmtScheme>
   </a:themeElements>
 </a:theme>
-</file>
-
-<file path=ppt/theme/theme2.xml><?xml version="1.0" encoding="utf-8"?>
-<a:theme xmlns:a="http://schemas.openxmlformats.org/drawingml/2006/main" xmlns:r="http://schemas.openxmlformats.org/officeDocument/2006/relationships" name="Shift">
-  <a:themeElements>
-    <a:clrScheme name="Shift">
-      <a:dk1>
-        <a:srgbClr val="FFFFFF"/>
-      </a:dk1>
-      <a:lt1>
-        <a:srgbClr val="AF7B51"/>
-      </a:lt1>
-      <a:dk2>
-        <a:srgbClr val="233A44"/>
-      </a:dk2>
-      <a:lt2>
-        <a:srgbClr val="D9D9D9"/>
-      </a:lt2>
-      <a:accent1>
-        <a:srgbClr val="00796B"/>
-      </a:accent1>
-      <a:accent2>
-        <a:srgbClr val="D9563F"/>
-      </a:accent2>
-      <a:accent3>
-        <a:srgbClr val="C4A15A"/>
-      </a:accent3>
-      <a:accent4>
-        <a:srgbClr val="14F597"/>
-      </a:accent4>
-      <a:accent5>
-        <a:srgbClr val="3D4594"/>
-      </a:accent5>
-      <a:accent6>
-        <a:srgbClr val="163EF5"/>
-      </a:accent6>
-      <a:hlink>
-        <a:srgbClr val="3D4594"/>
-      </a:hlink>
-      <a:folHlink>
-        <a:srgbClr val="3D4594"/>
-      </a:folHlink>
-    </a:clrScheme>
-    <a:fontScheme name="Office">
-      <a:majorFont>
-        <a:latin typeface="Arial"/>
-        <a:ea typeface=""/>
-        <a:cs typeface=""/>
-        <a:font script="Jpan" typeface="ＭＳ Ｐゴシック"/>
-        <a:font script="Hang" typeface="맑은 고딕"/>
-        <a:font script="Hans" typeface="宋体"/>
-        <a:font script="Hant" typeface="新細明體"/>
-        <a:font script="Arab" typeface="Times New Roman"/>
-        <a:font script="Hebr" typeface="Times New Roman"/>
-        <a:font script="Thai" typeface="Angsana New"/>
-        <a:font script="Ethi" typeface="Nyala"/>
-        <a:font script="Beng" typeface="Vrinda"/>
-        <a:font script="Gujr" typeface="Shruti"/>
-        <a:font script="Khmr" typeface="MoolBoran"/>
-        <a:font script="Knda" typeface="Tunga"/>
-        <a:font script="Guru" typeface="Raavi"/>
-        <a:font script="Cans" typeface="Euphemia"/>
-        <a:font script="Cher" typeface="Plantagenet Cherokee"/>
-        <a:font script="Yiii" typeface="Microsoft Yi Baiti"/>
-        <a:font script="Tibt" typeface="Microsoft Himalaya"/>
-        <a:font script="Thaa" typeface="MV Boli"/>
-        <a:font script="Deva" typeface="Mangal"/>
-        <a:font script="Telu" typeface="Gautami"/>
-        <a:font script="Taml" typeface="Latha"/>
-        <a:font script="Syrc" typeface="Estrangelo Edessa"/>
-        <a:font script="Orya" typeface="Kalinga"/>
-        <a:font script="Mlym" typeface="Kartika"/>
-        <a:font script="Laoo" typeface="DokChampa"/>
-        <a:font script="Sinh" typeface="Iskoola Pota"/>
-        <a:font script="Mong" typeface="Mongolian Baiti"/>
-        <a:font script="Viet" typeface="Times New Roman"/>
-        <a:font script="Uigh" typeface="Microsoft Uighur"/>
-        <a:font script="Geor" typeface="Sylfaen"/>
-      </a:majorFont>
-      <a:minorFont>
-        <a:latin typeface="Arial"/>
-        <a:ea typeface=""/>
-        <a:cs typeface=""/>
-        <a:font script="Jpan" typeface="ＭＳ Ｐゴシック"/>
-        <a:font script="Hang" typeface="맑은 고딕"/>
-        <a:font script="Hans" typeface="宋体"/>
-        <a:font script="Hant" typeface="新細明體"/>
-        <a:font script="Arab" typeface="Arial"/>
-        <a:font script="Hebr" typeface="Arial"/>
-        <a:font script="Thai" typeface="Cordia New"/>
-        <a:font script="Ethi" typeface="Nyala"/>
-        <a:font script="Beng" typeface="Vrinda"/>
-        <a:font script="Gujr" typeface="Shruti"/>
-        <a:font script="Khmr" typeface="DaunPenh"/>
-        <a:font script="Knda" typeface="Tunga"/>
-        <a:font script="Guru" typeface="Raavi"/>
-        <a:font script="Cans" typeface="Euphemia"/>
-        <a:font script="Cher" typeface="Plantagenet Cherokee"/>
-        <a:font script="Yiii" typeface="Microsoft Yi Baiti"/>
-        <a:font script="Tibt" typeface="Microsoft Himalaya"/>
-        <a:font script="Thaa" typeface="MV Boli"/>
-        <a:font script="Deva" typeface="Mangal"/>
-        <a:font script="Telu" typeface="Gautami"/>
-        <a:font script="Taml" typeface="Latha"/>
-        <a:font script="Syrc" typeface="Estrangelo Edessa"/>
-        <a:font script="Orya" typeface="Kalinga"/>
-        <a:font script="Mlym" typeface="Kartika"/>
-        <a:font script="Laoo" typeface="DokChampa"/>
-        <a:font script="Sinh" typeface="Iskoola Pota"/>
-        <a:font script="Mong" typeface="Mongolian Baiti"/>
-        <a:font script="Viet" typeface="Arial"/>
-        <a:font script="Uigh" typeface="Microsoft Uighur"/>
-        <a:font script="Geor" typeface="Sylfaen"/>
-      </a:minorFont>
-    </a:fontScheme>
-    <a:fmtScheme name="Office">
-      <a:fillStyleLst>
-        <a:solidFill>
-          <a:schemeClr val="phClr"/>
-        </a:solidFill>
-        <a:gradFill rotWithShape="1">
-          <a:gsLst>
-            <a:gs pos="0">
-              <a:schemeClr val="phClr">
-                <a:tint val="50000"/>
-                <a:satMod val="300000"/>
-              </a:schemeClr>
-            </a:gs>
-            <a:gs pos="35000">
-              <a:schemeClr val="phClr">
-                <a:tint val="37000"/>
-                <a:satMod val="300000"/>
-              </a:schemeClr>
-            </a:gs>
-            <a:gs pos="100000">
-              <a:schemeClr val="phClr">
-                <a:tint val="15000"/>
-                <a:satMod val="350000"/>
-              </a:schemeClr>
-            </a:gs>
-          </a:gsLst>
-          <a:lin ang="16200000" scaled="1"/>
-        </a:gradFill>
-        <a:gradFill rotWithShape="1">
-          <a:gsLst>
-            <a:gs pos="0">
-              <a:schemeClr val="phClr">
-                <a:tint val="100000"/>
-                <a:shade val="100000"/>
-                <a:satMod val="130000"/>
-              </a:schemeClr>
-            </a:gs>
-            <a:gs pos="100000">
-              <a:schemeClr val="phClr">
-                <a:tint val="50000"/>
-                <a:shade val="100000"/>
-                <a:satMod val="350000"/>
-              </a:schemeClr>
-            </a:gs>
-          </a:gsLst>
-          <a:lin ang="16200000" scaled="0"/>
-        </a:gradFill>
-      </a:fillStyleLst>
-      <a:lnStyleLst>
-        <a:ln w="9525" cap="flat" cmpd="sng" algn="ctr">
-          <a:solidFill>
-            <a:schemeClr val="phClr">
-              <a:shade val="95000"/>
-              <a:satMod val="105000"/>
-            </a:schemeClr>
-          </a:solidFill>
-          <a:prstDash val="solid"/>
-        </a:ln>
-        <a:ln w="25400" cap="flat" cmpd="sng" algn="ctr">
-          <a:solidFill>
-            <a:schemeClr val="phClr"/>
-          </a:solidFill>
-          <a:prstDash val="solid"/>
-        </a:ln>
-        <a:ln w="38100" cap="flat" cmpd="sng" algn="ctr">
-          <a:solidFill>
-            <a:schemeClr val="phClr"/>
-          </a:solidFill>
-          <a:prstDash val="solid"/>
-        </a:ln>
-      </a:lnStyleLst>
-      <a:effectStyleLst>
-        <a:effectStyle>
-          <a:effectLst>
-            <a:outerShdw blurRad="40000" dist="20000" dir="5400000" rotWithShape="0">
-              <a:srgbClr val="000000">
-                <a:alpha val="38000"/>
-              </a:srgbClr>
-            </a:outerShdw>
-          </a:effectLst>
-        </a:effectStyle>
-        <a:effectStyle>
-          <a:effectLst>
-            <a:outerShdw blurRad="40000" dist="23000" dir="5400000" rotWithShape="0">
-              <a:srgbClr val="000000">
-                <a:alpha val="35000"/>
-              </a:srgbClr>
-            </a:outerShdw>
-          </a:effectLst>
-        </a:effectStyle>
-        <a:effectStyle>
-          <a:effectLst>
-            <a:outerShdw blurRad="40000" dist="23000" dir="5400000" rotWithShape="0">
-              <a:srgbClr val="000000">
-                <a:alpha val="35000"/>
-              </a:srgbClr>
-            </a:outerShdw>
-          </a:effectLst>
-          <a:scene3d>
-            <a:camera prst="orthographicFront">
-              <a:rot lat="0" lon="0" rev="0"/>
-            </a:camera>
-            <a:lightRig rig="threePt" dir="t">
-              <a:rot lat="0" lon="0" rev="1200000"/>
-            </a:lightRig>
-          </a:scene3d>
-          <a:sp3d>
-            <a:bevelT w="63500" h="25400"/>
-          </a:sp3d>
-        </a:effectStyle>
-      </a:effectStyleLst>
-      <a:bgFillStyleLst>
-        <a:solidFill>
-          <a:schemeClr val="phClr"/>
-        </a:solidFill>
-        <a:gradFill rotWithShape="1">
-          <a:gsLst>
-            <a:gs pos="0">
-              <a:schemeClr val="phClr">
-                <a:tint val="40000"/>
-                <a:satMod val="350000"/>
-              </a:schemeClr>
-            </a:gs>
-            <a:gs pos="40000">
-              <a:schemeClr val="phClr">
-                <a:tint val="45000"/>
-                <a:shade val="99000"/>
-                <a:satMod val="350000"/>
-              </a:schemeClr>
-            </a:gs>
-            <a:gs pos="100000">
-              <a:schemeClr val="phClr">
-                <a:shade val="20000"/>
-                <a:satMod val="255000"/>
-              </a:schemeClr>
-            </a:gs>
-          </a:gsLst>
-          <a:path path="circle">
-            <a:fillToRect l="50000" t="-80000" r="50000" b="180000"/>
-          </a:path>
-        </a:gradFill>
-        <a:gradFill rotWithShape="1">
-          <a:gsLst>
-            <a:gs pos="0">
-              <a:schemeClr val="phClr">
-                <a:tint val="80000"/>
-                <a:satMod val="300000"/>
-              </a:schemeClr>
-            </a:gs>
-            <a:gs pos="100000">
-              <a:schemeClr val="phClr">
-                <a:shade val="30000"/>
-                <a:satMod val="200000"/>
-              </a:schemeClr>
-            </a:gs>
-          </a:gsLst>
-          <a:path path="circle">
-            <a:fillToRect l="50000" t="50000" r="50000" b="50000"/>
-          </a:path>
-        </a:gradFill>
-      </a:bgFillStyleLst>
-    </a:fmtScheme>
-  </a:themeElements>
-</a:theme>
 </file>
--- a/Challenge Platinum_ Membuat API untuk Analisis Sentimen dan Laporan Analisis Data berdasarkan Sentimen.pptx
+++ b/Challenge Platinum_ Membuat API untuk Analisis Sentimen dan Laporan Analisis Data berdasarkan Sentimen.pptx
@@ -16,16 +16,18 @@
     <p:sldId id="261" r:id="rId11"/>
     <p:sldId id="262" r:id="rId12"/>
     <p:sldId id="263" r:id="rId13"/>
+    <p:sldId id="264" r:id="rId14"/>
+    <p:sldId id="265" r:id="rId15"/>
   </p:sldIdLst>
   <p:sldSz cy="5143500" cx="9144000"/>
   <p:notesSz cx="6858000" cy="9144000"/>
   <p:embeddedFontLst>
     <p:embeddedFont>
       <p:font typeface="Nunito"/>
-      <p:regular r:id="rId14"/>
-      <p:bold r:id="rId15"/>
-      <p:italic r:id="rId16"/>
-      <p:boldItalic r:id="rId17"/>
+      <p:regular r:id="rId16"/>
+      <p:bold r:id="rId17"/>
+      <p:italic r:id="rId18"/>
+      <p:boldItalic r:id="rId19"/>
     </p:embeddedFont>
   </p:embeddedFontLst>
   <p:defaultTextStyle>
@@ -801,6 +803,105 @@
 </p:notes>
 </file>
 
+<file path=ppt/notesSlides/notesSlide10.xml><?xml version="1.0" encoding="utf-8"?>
+<p:notes xmlns:a="http://schemas.openxmlformats.org/drawingml/2006/main" xmlns:r="http://schemas.openxmlformats.org/officeDocument/2006/relationships" xmlns:mc="http://schemas.openxmlformats.org/markup-compatibility/2006" xmlns:mv="urn:schemas-microsoft-com:mac:vml" xmlns:p="http://schemas.openxmlformats.org/presentationml/2006/main" xmlns:c="http://schemas.openxmlformats.org/drawingml/2006/chart" xmlns:dgm="http://schemas.openxmlformats.org/drawingml/2006/diagram" xmlns:o="urn:schemas-microsoft-com:office:office" xmlns:v="urn:schemas-microsoft-com:vml" xmlns:pvml="urn:schemas-microsoft-com:office:powerpoint" xmlns:com="http://schemas.openxmlformats.org/drawingml/2006/compatibility" xmlns:p14="http://schemas.microsoft.com/office/powerpoint/2010/main" xmlns:p15="http://schemas.microsoft.com/office/powerpoint/2012/main" xmlns:ahyp="http://schemas.microsoft.com/office/drawing/2018/hyperlinkcolor" showMasterPhAnim="0" showMasterSp="0">
+  <p:cSld>
+    <p:spTree>
+      <p:nvGrpSpPr>
+        <p:cNvPr id="180" name="Shape 180"/>
+        <p:cNvGrpSpPr/>
+        <p:nvPr/>
+      </p:nvGrpSpPr>
+      <p:grpSpPr>
+        <a:xfrm>
+          <a:off x="0" y="0"/>
+          <a:ext cx="0" cy="0"/>
+          <a:chOff x="0" y="0"/>
+          <a:chExt cx="0" cy="0"/>
+        </a:xfrm>
+      </p:grpSpPr>
+      <p:sp>
+        <p:nvSpPr>
+          <p:cNvPr id="181" name="Google Shape;181;g25a549c4f9d_1_15:notes"/>
+          <p:cNvSpPr/>
+          <p:nvPr>
+            <p:ph idx="2" type="sldImg"/>
+          </p:nvPr>
+        </p:nvSpPr>
+        <p:spPr>
+          <a:xfrm>
+            <a:off x="381300" y="685800"/>
+            <a:ext cx="6096000" cy="3429000"/>
+          </a:xfrm>
+          <a:custGeom>
+            <a:rect b="b" l="l" r="r" t="t"/>
+            <a:pathLst>
+              <a:path extrusionOk="0" h="120000" w="120000">
+                <a:moveTo>
+                  <a:pt x="0" y="0"/>
+                </a:moveTo>
+                <a:lnTo>
+                  <a:pt x="120000" y="0"/>
+                </a:lnTo>
+                <a:lnTo>
+                  <a:pt x="120000" y="120000"/>
+                </a:lnTo>
+                <a:lnTo>
+                  <a:pt x="0" y="120000"/>
+                </a:lnTo>
+                <a:close/>
+              </a:path>
+            </a:pathLst>
+          </a:custGeom>
+        </p:spPr>
+      </p:sp>
+      <p:sp>
+        <p:nvSpPr>
+          <p:cNvPr id="182" name="Google Shape;182;g25a549c4f9d_1_15:notes"/>
+          <p:cNvSpPr txBox="1"/>
+          <p:nvPr>
+            <p:ph idx="1" type="body"/>
+          </p:nvPr>
+        </p:nvSpPr>
+        <p:spPr>
+          <a:xfrm>
+            <a:off x="685800" y="4343400"/>
+            <a:ext cx="5486400" cy="4114800"/>
+          </a:xfrm>
+          <a:prstGeom prst="rect">
+            <a:avLst/>
+          </a:prstGeom>
+        </p:spPr>
+        <p:txBody>
+          <a:bodyPr anchorCtr="0" anchor="t" bIns="91425" lIns="91425" spcFirstLastPara="1" rIns="91425" wrap="square" tIns="91425">
+            <a:noAutofit/>
+          </a:bodyPr>
+          <a:lstStyle/>
+          <a:p>
+            <a:pPr indent="0" lvl="0" marL="0" rtl="0" algn="l">
+              <a:spcBef>
+                <a:spcPts val="0"/>
+              </a:spcBef>
+              <a:spcAft>
+                <a:spcPts val="0"/>
+              </a:spcAft>
+              <a:buNone/>
+            </a:pPr>
+            <a:r>
+              <a:t/>
+            </a:r>
+            <a:endParaRPr/>
+          </a:p>
+        </p:txBody>
+      </p:sp>
+    </p:spTree>
+  </p:cSld>
+  <p:clrMapOvr>
+    <a:masterClrMapping/>
+  </p:clrMapOvr>
+</p:notes>
+</file>
+
 <file path=ppt/notesSlides/notesSlide2.xml><?xml version="1.0" encoding="utf-8"?>
 <p:notes xmlns:a="http://schemas.openxmlformats.org/drawingml/2006/main" xmlns:r="http://schemas.openxmlformats.org/officeDocument/2006/relationships" xmlns:mc="http://schemas.openxmlformats.org/markup-compatibility/2006" xmlns:mv="urn:schemas-microsoft-com:mac:vml" xmlns:p="http://schemas.openxmlformats.org/presentationml/2006/main" xmlns:c="http://schemas.openxmlformats.org/drawingml/2006/chart" xmlns:dgm="http://schemas.openxmlformats.org/drawingml/2006/diagram" xmlns:o="urn:schemas-microsoft-com:office:office" xmlns:v="urn:schemas-microsoft-com:vml" xmlns:pvml="urn:schemas-microsoft-com:office:powerpoint" xmlns:com="http://schemas.openxmlformats.org/drawingml/2006/compatibility" xmlns:p14="http://schemas.microsoft.com/office/powerpoint/2010/main" xmlns:p15="http://schemas.microsoft.com/office/powerpoint/2012/main" xmlns:ahyp="http://schemas.microsoft.com/office/drawing/2018/hyperlinkcolor" showMasterPhAnim="0" showMasterSp="0">
   <p:cSld>
@@ -919,7 +1020,7 @@
       </p:grpSpPr>
       <p:sp>
         <p:nvSpPr>
-          <p:cNvPr id="137" name="Google Shape;137;g23168ecdf95_0_125:notes"/>
+          <p:cNvPr id="137" name="Google Shape;137;g2317cec331b_3_0:notes"/>
           <p:cNvSpPr/>
           <p:nvPr>
             <p:ph idx="2" type="sldImg"/>
@@ -954,7 +1055,7 @@
       </p:sp>
       <p:sp>
         <p:nvSpPr>
-          <p:cNvPr id="138" name="Google Shape;138;g23168ecdf95_0_125:notes"/>
+          <p:cNvPr id="138" name="Google Shape;138;g2317cec331b_3_0:notes"/>
           <p:cNvSpPr txBox="1"/>
           <p:nvPr>
             <p:ph idx="1" type="body"/>
@@ -1004,7 +1105,7 @@
   <p:cSld>
     <p:spTree>
       <p:nvGrpSpPr>
-        <p:cNvPr id="143" name="Shape 143"/>
+        <p:cNvPr id="142" name="Shape 142"/>
         <p:cNvGrpSpPr/>
         <p:nvPr/>
       </p:nvGrpSpPr>
@@ -1018,7 +1119,7 @@
       </p:grpSpPr>
       <p:sp>
         <p:nvSpPr>
-          <p:cNvPr id="144" name="Google Shape;144;g23168ecdf95_0_132:notes"/>
+          <p:cNvPr id="143" name="Google Shape;143;g2317cec331b_3_5:notes"/>
           <p:cNvSpPr/>
           <p:nvPr>
             <p:ph idx="2" type="sldImg"/>
@@ -1053,7 +1154,7 @@
       </p:sp>
       <p:sp>
         <p:nvSpPr>
-          <p:cNvPr id="145" name="Google Shape;145;g23168ecdf95_0_132:notes"/>
+          <p:cNvPr id="144" name="Google Shape;144;g2317cec331b_3_5:notes"/>
           <p:cNvSpPr txBox="1"/>
           <p:nvPr>
             <p:ph idx="1" type="body"/>
@@ -1103,7 +1204,7 @@
   <p:cSld>
     <p:spTree>
       <p:nvGrpSpPr>
-        <p:cNvPr id="149" name="Shape 149"/>
+        <p:cNvPr id="148" name="Shape 148"/>
         <p:cNvGrpSpPr/>
         <p:nvPr/>
       </p:nvGrpSpPr>
@@ -1117,7 +1218,7 @@
       </p:grpSpPr>
       <p:sp>
         <p:nvSpPr>
-          <p:cNvPr id="150" name="Google Shape;150;g23168ecdf95_0_141:notes"/>
+          <p:cNvPr id="149" name="Google Shape;149;g2317cec331b_3_10:notes"/>
           <p:cNvSpPr/>
           <p:nvPr>
             <p:ph idx="2" type="sldImg"/>
@@ -1152,7 +1253,7 @@
       </p:sp>
       <p:sp>
         <p:nvSpPr>
-          <p:cNvPr id="151" name="Google Shape;151;g23168ecdf95_0_141:notes"/>
+          <p:cNvPr id="150" name="Google Shape;150;g2317cec331b_3_10:notes"/>
           <p:cNvSpPr txBox="1"/>
           <p:nvPr>
             <p:ph idx="1" type="body"/>
@@ -1202,7 +1303,7 @@
   <p:cSld>
     <p:spTree>
       <p:nvGrpSpPr>
-        <p:cNvPr id="155" name="Shape 155"/>
+        <p:cNvPr id="154" name="Shape 154"/>
         <p:cNvGrpSpPr/>
         <p:nvPr/>
       </p:nvGrpSpPr>
@@ -1216,7 +1317,7 @@
       </p:grpSpPr>
       <p:sp>
         <p:nvSpPr>
-          <p:cNvPr id="156" name="Google Shape;156;g23168ecdf95_0_150:notes"/>
+          <p:cNvPr id="155" name="Google Shape;155;g2317cec331b_3_15:notes"/>
           <p:cNvSpPr/>
           <p:nvPr>
             <p:ph idx="2" type="sldImg"/>
@@ -1251,7 +1352,7 @@
       </p:sp>
       <p:sp>
         <p:nvSpPr>
-          <p:cNvPr id="157" name="Google Shape;157;g23168ecdf95_0_150:notes"/>
+          <p:cNvPr id="156" name="Google Shape;156;g2317cec331b_3_15:notes"/>
           <p:cNvSpPr txBox="1"/>
           <p:nvPr>
             <p:ph idx="1" type="body"/>
@@ -1301,7 +1402,7 @@
   <p:cSld>
     <p:spTree>
       <p:nvGrpSpPr>
-        <p:cNvPr id="162" name="Shape 162"/>
+        <p:cNvPr id="160" name="Shape 160"/>
         <p:cNvGrpSpPr/>
         <p:nvPr/>
       </p:nvGrpSpPr>
@@ -1315,7 +1416,7 @@
       </p:grpSpPr>
       <p:sp>
         <p:nvSpPr>
-          <p:cNvPr id="163" name="Google Shape;163;g23168ecdf95_0_158:notes"/>
+          <p:cNvPr id="161" name="Google Shape;161;g23168ecdf95_0_125:notes"/>
           <p:cNvSpPr/>
           <p:nvPr>
             <p:ph idx="2" type="sldImg"/>
@@ -1350,7 +1451,7 @@
       </p:sp>
       <p:sp>
         <p:nvSpPr>
-          <p:cNvPr id="164" name="Google Shape;164;g23168ecdf95_0_158:notes"/>
+          <p:cNvPr id="162" name="Google Shape;162;g23168ecdf95_0_125:notes"/>
           <p:cNvSpPr txBox="1"/>
           <p:nvPr>
             <p:ph idx="1" type="body"/>
@@ -1414,7 +1515,7 @@
       </p:grpSpPr>
       <p:sp>
         <p:nvSpPr>
-          <p:cNvPr id="169" name="Google Shape;169;g23168ecdf95_0_166:notes"/>
+          <p:cNvPr id="169" name="Google Shape;169;g25a549c4f9d_1_3:notes"/>
           <p:cNvSpPr/>
           <p:nvPr>
             <p:ph idx="2" type="sldImg"/>
@@ -1449,7 +1550,106 @@
       </p:sp>
       <p:sp>
         <p:nvSpPr>
-          <p:cNvPr id="170" name="Google Shape;170;g23168ecdf95_0_166:notes"/>
+          <p:cNvPr id="170" name="Google Shape;170;g25a549c4f9d_1_3:notes"/>
+          <p:cNvSpPr txBox="1"/>
+          <p:nvPr>
+            <p:ph idx="1" type="body"/>
+          </p:nvPr>
+        </p:nvSpPr>
+        <p:spPr>
+          <a:xfrm>
+            <a:off x="685800" y="4343400"/>
+            <a:ext cx="5486400" cy="4114800"/>
+          </a:xfrm>
+          <a:prstGeom prst="rect">
+            <a:avLst/>
+          </a:prstGeom>
+        </p:spPr>
+        <p:txBody>
+          <a:bodyPr anchorCtr="0" anchor="t" bIns="91425" lIns="91425" spcFirstLastPara="1" rIns="91425" wrap="square" tIns="91425">
+            <a:noAutofit/>
+          </a:bodyPr>
+          <a:lstStyle/>
+          <a:p>
+            <a:pPr indent="0" lvl="0" marL="0" rtl="0" algn="l">
+              <a:spcBef>
+                <a:spcPts val="0"/>
+              </a:spcBef>
+              <a:spcAft>
+                <a:spcPts val="0"/>
+              </a:spcAft>
+              <a:buNone/>
+            </a:pPr>
+            <a:r>
+              <a:t/>
+            </a:r>
+            <a:endParaRPr/>
+          </a:p>
+        </p:txBody>
+      </p:sp>
+    </p:spTree>
+  </p:cSld>
+  <p:clrMapOvr>
+    <a:masterClrMapping/>
+  </p:clrMapOvr>
+</p:notes>
+</file>
+
+<file path=ppt/notesSlides/notesSlide9.xml><?xml version="1.0" encoding="utf-8"?>
+<p:notes xmlns:a="http://schemas.openxmlformats.org/drawingml/2006/main" xmlns:r="http://schemas.openxmlformats.org/officeDocument/2006/relationships" xmlns:mc="http://schemas.openxmlformats.org/markup-compatibility/2006" xmlns:mv="urn:schemas-microsoft-com:mac:vml" xmlns:p="http://schemas.openxmlformats.org/presentationml/2006/main" xmlns:c="http://schemas.openxmlformats.org/drawingml/2006/chart" xmlns:dgm="http://schemas.openxmlformats.org/drawingml/2006/diagram" xmlns:o="urn:schemas-microsoft-com:office:office" xmlns:v="urn:schemas-microsoft-com:vml" xmlns:pvml="urn:schemas-microsoft-com:office:powerpoint" xmlns:com="http://schemas.openxmlformats.org/drawingml/2006/compatibility" xmlns:p14="http://schemas.microsoft.com/office/powerpoint/2010/main" xmlns:p15="http://schemas.microsoft.com/office/powerpoint/2012/main" xmlns:ahyp="http://schemas.microsoft.com/office/drawing/2018/hyperlinkcolor" showMasterPhAnim="0" showMasterSp="0">
+  <p:cSld>
+    <p:spTree>
+      <p:nvGrpSpPr>
+        <p:cNvPr id="174" name="Shape 174"/>
+        <p:cNvGrpSpPr/>
+        <p:nvPr/>
+      </p:nvGrpSpPr>
+      <p:grpSpPr>
+        <a:xfrm>
+          <a:off x="0" y="0"/>
+          <a:ext cx="0" cy="0"/>
+          <a:chOff x="0" y="0"/>
+          <a:chExt cx="0" cy="0"/>
+        </a:xfrm>
+      </p:grpSpPr>
+      <p:sp>
+        <p:nvSpPr>
+          <p:cNvPr id="175" name="Google Shape;175;g25a549c4f9d_1_9:notes"/>
+          <p:cNvSpPr/>
+          <p:nvPr>
+            <p:ph idx="2" type="sldImg"/>
+          </p:nvPr>
+        </p:nvSpPr>
+        <p:spPr>
+          <a:xfrm>
+            <a:off x="381300" y="685800"/>
+            <a:ext cx="6096000" cy="3429000"/>
+          </a:xfrm>
+          <a:custGeom>
+            <a:rect b="b" l="l" r="r" t="t"/>
+            <a:pathLst>
+              <a:path extrusionOk="0" h="120000" w="120000">
+                <a:moveTo>
+                  <a:pt x="0" y="0"/>
+                </a:moveTo>
+                <a:lnTo>
+                  <a:pt x="120000" y="0"/>
+                </a:lnTo>
+                <a:lnTo>
+                  <a:pt x="120000" y="120000"/>
+                </a:lnTo>
+                <a:lnTo>
+                  <a:pt x="0" y="120000"/>
+                </a:lnTo>
+                <a:close/>
+              </a:path>
+            </a:pathLst>
+          </a:custGeom>
+        </p:spPr>
+      </p:sp>
+      <p:sp>
+        <p:nvSpPr>
+          <p:cNvPr id="176" name="Google Shape;176;g25a549c4f9d_1_9:notes"/>
           <p:cNvSpPr txBox="1"/>
           <p:nvPr>
             <p:ph idx="1" type="body"/>
@@ -9702,6 +9902,111 @@
 </p:sld>
 </file>
 
+<file path=ppt/slides/slide10.xml><?xml version="1.0" encoding="utf-8"?>
+<p:sld xmlns:a="http://schemas.openxmlformats.org/drawingml/2006/main" xmlns:r="http://schemas.openxmlformats.org/officeDocument/2006/relationships" xmlns:mc="http://schemas.openxmlformats.org/markup-compatibility/2006" xmlns:mv="urn:schemas-microsoft-com:mac:vml" xmlns:p="http://schemas.openxmlformats.org/presentationml/2006/main" xmlns:c="http://schemas.openxmlformats.org/drawingml/2006/chart" xmlns:dgm="http://schemas.openxmlformats.org/drawingml/2006/diagram" xmlns:o="urn:schemas-microsoft-com:office:office" xmlns:v="urn:schemas-microsoft-com:vml" xmlns:pvml="urn:schemas-microsoft-com:office:powerpoint" xmlns:com="http://schemas.openxmlformats.org/drawingml/2006/compatibility" xmlns:p14="http://schemas.microsoft.com/office/powerpoint/2010/main" xmlns:p15="http://schemas.microsoft.com/office/powerpoint/2012/main" xmlns:ahyp="http://schemas.microsoft.com/office/drawing/2018/hyperlinkcolor">
+  <p:cSld>
+    <p:spTree>
+      <p:nvGrpSpPr>
+        <p:cNvPr id="183" name="Shape 183"/>
+        <p:cNvGrpSpPr/>
+        <p:nvPr/>
+      </p:nvGrpSpPr>
+      <p:grpSpPr>
+        <a:xfrm>
+          <a:off x="0" y="0"/>
+          <a:ext cx="0" cy="0"/>
+          <a:chOff x="0" y="0"/>
+          <a:chExt cx="0" cy="0"/>
+        </a:xfrm>
+      </p:grpSpPr>
+      <p:sp>
+        <p:nvSpPr>
+          <p:cNvPr id="184" name="Google Shape;184;p22"/>
+          <p:cNvSpPr txBox="1"/>
+          <p:nvPr>
+            <p:ph type="title"/>
+          </p:nvPr>
+        </p:nvSpPr>
+        <p:spPr>
+          <a:xfrm>
+            <a:off x="819150" y="845600"/>
+            <a:ext cx="7505700" cy="954600"/>
+          </a:xfrm>
+          <a:prstGeom prst="rect">
+            <a:avLst/>
+          </a:prstGeom>
+        </p:spPr>
+        <p:txBody>
+          <a:bodyPr anchorCtr="0" anchor="t" bIns="91425" lIns="91425" spcFirstLastPara="1" rIns="91425" wrap="square" tIns="91425">
+            <a:normAutofit/>
+          </a:bodyPr>
+          <a:lstStyle/>
+          <a:p>
+            <a:pPr indent="0" lvl="0" marL="0" rtl="0" algn="l">
+              <a:spcBef>
+                <a:spcPts val="0"/>
+              </a:spcBef>
+              <a:spcAft>
+                <a:spcPts val="0"/>
+              </a:spcAft>
+              <a:buNone/>
+            </a:pPr>
+            <a:r>
+              <a:rPr lang="en-GB"/>
+              <a:t>Kesimpulan</a:t>
+            </a:r>
+            <a:endParaRPr/>
+          </a:p>
+        </p:txBody>
+      </p:sp>
+      <p:sp>
+        <p:nvSpPr>
+          <p:cNvPr id="185" name="Google Shape;185;p22"/>
+          <p:cNvSpPr txBox="1"/>
+          <p:nvPr>
+            <p:ph idx="1" type="body"/>
+          </p:nvPr>
+        </p:nvSpPr>
+        <p:spPr>
+          <a:xfrm>
+            <a:off x="819150" y="1990725"/>
+            <a:ext cx="7505700" cy="2448000"/>
+          </a:xfrm>
+          <a:prstGeom prst="rect">
+            <a:avLst/>
+          </a:prstGeom>
+        </p:spPr>
+        <p:txBody>
+          <a:bodyPr anchorCtr="0" anchor="t" bIns="91425" lIns="91425" spcFirstLastPara="1" rIns="91425" wrap="square" tIns="91425">
+            <a:normAutofit/>
+          </a:bodyPr>
+          <a:lstStyle/>
+          <a:p>
+            <a:pPr indent="0" lvl="0" marL="0" rtl="0" algn="l">
+              <a:spcBef>
+                <a:spcPts val="0"/>
+              </a:spcBef>
+              <a:spcAft>
+                <a:spcPts val="1200"/>
+              </a:spcAft>
+              <a:buNone/>
+            </a:pPr>
+            <a:r>
+              <a:rPr lang="en-GB"/>
+              <a:t>Pada penelitian ini, telah dilakukan pembuatan model neural network menggunakan tensorflow dan sklearn. Pada saat dilakukan pembuatan model menggunakan neural network pada pustaka tensorflow, didapatkan accuracy sebesar &lt;0.8, dan dengan sklearn didapatkan accuracy sebesar 0.77. Selain itu, API untuk melakukan klasifikasi telah dibuat meggunakan swager ui.</a:t>
+            </a:r>
+            <a:endParaRPr/>
+          </a:p>
+        </p:txBody>
+      </p:sp>
+    </p:spTree>
+  </p:cSld>
+  <p:clrMapOvr>
+    <a:masterClrMapping/>
+  </p:clrMapOvr>
+</p:sld>
+</file>
+
 <file path=ppt/slides/slide2.xml><?xml version="1.0" encoding="utf-8"?>
 <p:sld xmlns:a="http://schemas.openxmlformats.org/drawingml/2006/main" xmlns:r="http://schemas.openxmlformats.org/officeDocument/2006/relationships" xmlns:mc="http://schemas.openxmlformats.org/markup-compatibility/2006" xmlns:mv="urn:schemas-microsoft-com:mac:vml" xmlns:p="http://schemas.openxmlformats.org/presentationml/2006/main" xmlns:c="http://schemas.openxmlformats.org/drawingml/2006/chart" xmlns:dgm="http://schemas.openxmlformats.org/drawingml/2006/diagram" xmlns:o="urn:schemas-microsoft-com:office:office" xmlns:v="urn:schemas-microsoft-com:vml" xmlns:pvml="urn:schemas-microsoft-com:office:powerpoint" xmlns:com="http://schemas.openxmlformats.org/drawingml/2006/compatibility" xmlns:p14="http://schemas.microsoft.com/office/powerpoint/2010/main" xmlns:p15="http://schemas.microsoft.com/office/powerpoint/2012/main" xmlns:ahyp="http://schemas.microsoft.com/office/drawing/2018/hyperlinkcolor">
   <p:cSld>
@@ -9778,18 +10083,18 @@
         </p:spPr>
         <p:txBody>
           <a:bodyPr anchorCtr="0" anchor="t" bIns="91425" lIns="91425" spcFirstLastPara="1" rIns="91425" wrap="square" tIns="91425">
-            <a:normAutofit fontScale="92500" lnSpcReduction="10000"/>
+            <a:normAutofit/>
           </a:bodyPr>
           <a:lstStyle/>
           <a:p>
-            <a:pPr indent="-304958" lvl="0" marL="457200" rtl="0" algn="l">
-              <a:spcBef>
-                <a:spcPts val="0"/>
-              </a:spcBef>
-              <a:spcAft>
-                <a:spcPts val="0"/>
-              </a:spcAft>
-              <a:buSzPct val="100000"/>
+            <a:pPr indent="-311150" lvl="0" marL="457200" rtl="0" algn="l">
+              <a:spcBef>
+                <a:spcPts val="0"/>
+              </a:spcBef>
+              <a:spcAft>
+                <a:spcPts val="0"/>
+              </a:spcAft>
+              <a:buSzPts val="1300"/>
               <a:buChar char="●"/>
             </a:pPr>
             <a:r>
@@ -9799,14 +10104,14 @@
             <a:endParaRPr/>
           </a:p>
           <a:p>
-            <a:pPr indent="-293211" lvl="1" marL="914400" rtl="0" algn="l">
-              <a:spcBef>
-                <a:spcPts val="0"/>
-              </a:spcBef>
-              <a:spcAft>
-                <a:spcPts val="0"/>
-              </a:spcAft>
-              <a:buSzPct val="100000"/>
+            <a:pPr indent="-298450" lvl="1" marL="914400" rtl="0" algn="l">
+              <a:spcBef>
+                <a:spcPts val="0"/>
+              </a:spcBef>
+              <a:spcAft>
+                <a:spcPts val="0"/>
+              </a:spcAft>
+              <a:buSzPts val="1100"/>
               <a:buChar char="○"/>
             </a:pPr>
             <a:r>
@@ -9816,14 +10121,14 @@
             <a:endParaRPr/>
           </a:p>
           <a:p>
-            <a:pPr indent="-293211" lvl="1" marL="914400" rtl="0" algn="l">
-              <a:spcBef>
-                <a:spcPts val="0"/>
-              </a:spcBef>
-              <a:spcAft>
-                <a:spcPts val="0"/>
-              </a:spcAft>
-              <a:buSzPct val="100000"/>
+            <a:pPr indent="-298450" lvl="1" marL="914400" rtl="0" algn="l">
+              <a:spcBef>
+                <a:spcPts val="0"/>
+              </a:spcBef>
+              <a:spcAft>
+                <a:spcPts val="0"/>
+              </a:spcAft>
+              <a:buSzPts val="1100"/>
               <a:buChar char="○"/>
             </a:pPr>
             <a:r>
@@ -9833,14 +10138,14 @@
             <a:endParaRPr/>
           </a:p>
           <a:p>
-            <a:pPr indent="-304958" lvl="0" marL="457200" rtl="0" algn="l">
-              <a:spcBef>
-                <a:spcPts val="0"/>
-              </a:spcBef>
-              <a:spcAft>
-                <a:spcPts val="0"/>
-              </a:spcAft>
-              <a:buSzPct val="100000"/>
+            <a:pPr indent="-311150" lvl="0" marL="457200" rtl="0" algn="l">
+              <a:spcBef>
+                <a:spcPts val="0"/>
+              </a:spcBef>
+              <a:spcAft>
+                <a:spcPts val="0"/>
+              </a:spcAft>
+              <a:buSzPts val="1300"/>
               <a:buChar char="●"/>
             </a:pPr>
             <a:r>
@@ -9850,14 +10155,14 @@
             <a:endParaRPr/>
           </a:p>
           <a:p>
-            <a:pPr indent="-293211" lvl="1" marL="914400" rtl="0" algn="l">
-              <a:spcBef>
-                <a:spcPts val="0"/>
-              </a:spcBef>
-              <a:spcAft>
-                <a:spcPts val="0"/>
-              </a:spcAft>
-              <a:buSzPct val="100000"/>
+            <a:pPr indent="-298450" lvl="1" marL="914400" rtl="0" algn="l">
+              <a:spcBef>
+                <a:spcPts val="0"/>
+              </a:spcBef>
+              <a:spcAft>
+                <a:spcPts val="0"/>
+              </a:spcAft>
+              <a:buSzPts val="1100"/>
               <a:buChar char="○"/>
             </a:pPr>
             <a:r>
@@ -9867,14 +10172,14 @@
             <a:endParaRPr/>
           </a:p>
           <a:p>
-            <a:pPr indent="-293211" lvl="1" marL="914400" rtl="0" algn="l">
-              <a:spcBef>
-                <a:spcPts val="0"/>
-              </a:spcBef>
-              <a:spcAft>
-                <a:spcPts val="0"/>
-              </a:spcAft>
-              <a:buSzPct val="100000"/>
+            <a:pPr indent="-298450" lvl="1" marL="914400" rtl="0" algn="l">
+              <a:spcBef>
+                <a:spcPts val="0"/>
+              </a:spcBef>
+              <a:spcAft>
+                <a:spcPts val="0"/>
+              </a:spcAft>
+              <a:buSzPts val="1100"/>
               <a:buChar char="○"/>
             </a:pPr>
             <a:r>
@@ -9884,70 +10189,36 @@
             <a:endParaRPr/>
           </a:p>
           <a:p>
-            <a:pPr indent="-304958" lvl="0" marL="457200" rtl="0" algn="l">
-              <a:spcBef>
-                <a:spcPts val="0"/>
-              </a:spcBef>
-              <a:spcAft>
-                <a:spcPts val="0"/>
-              </a:spcAft>
-              <a:buSzPct val="100000"/>
+            <a:pPr indent="-311150" lvl="0" marL="457200" rtl="0" algn="l">
+              <a:spcBef>
+                <a:spcPts val="0"/>
+              </a:spcBef>
+              <a:spcAft>
+                <a:spcPts val="0"/>
+              </a:spcAft>
+              <a:buSzPts val="1300"/>
               <a:buChar char="●"/>
             </a:pPr>
             <a:r>
               <a:rPr lang="en-GB"/>
-              <a:t>Proses Analisis Sentimen:</a:t>
+              <a:t>Tujuan penelitian:</a:t>
             </a:r>
             <a:endParaRPr/>
           </a:p>
           <a:p>
-            <a:pPr indent="-293211" lvl="1" marL="914400" rtl="0" algn="l">
-              <a:spcBef>
-                <a:spcPts val="0"/>
-              </a:spcBef>
-              <a:spcAft>
-                <a:spcPts val="0"/>
-              </a:spcAft>
-              <a:buSzPct val="100000"/>
+            <a:pPr indent="-298450" lvl="1" marL="914400" rtl="0" algn="l">
+              <a:spcBef>
+                <a:spcPts val="0"/>
+              </a:spcBef>
+              <a:spcAft>
+                <a:spcPts val="0"/>
+              </a:spcAft>
+              <a:buSzPts val="1100"/>
               <a:buChar char="○"/>
             </a:pPr>
             <a:r>
               <a:rPr lang="en-GB"/>
-              <a:t>API ini dirancang untuk menerima data teks dan menerapkan metode Neural Network dan LSTM untuk analisis sentimen.</a:t>
-            </a:r>
-            <a:endParaRPr/>
-          </a:p>
-          <a:p>
-            <a:pPr indent="-293211" lvl="1" marL="914400" rtl="0" algn="l">
-              <a:spcBef>
-                <a:spcPts val="0"/>
-              </a:spcBef>
-              <a:spcAft>
-                <a:spcPts val="0"/>
-              </a:spcAft>
-              <a:buSzPct val="100000"/>
-              <a:buChar char="○"/>
-            </a:pPr>
-            <a:r>
-              <a:rPr lang="en-GB"/>
-              <a:t>Melalui API ini, data input akan diproses menggunakan kedua metode tersebut untuk mengidentifikasi sentimen yang terkandung dalam teks.</a:t>
-            </a:r>
-            <a:endParaRPr/>
-          </a:p>
-          <a:p>
-            <a:pPr indent="-293211" lvl="1" marL="914400" rtl="0" algn="l">
-              <a:spcBef>
-                <a:spcPts val="0"/>
-              </a:spcBef>
-              <a:spcAft>
-                <a:spcPts val="0"/>
-              </a:spcAft>
-              <a:buSzPct val="100000"/>
-              <a:buChar char="○"/>
-            </a:pPr>
-            <a:r>
-              <a:rPr lang="en-GB"/>
-              <a:t>Swagger, Pandas, Tensorflow, SKLearn, matplotlib, seaborn dan flask</a:t>
+              <a:t>Untuk mengetahui sentimen dari data teks yang berasal Twitter menggunakan neural network pada pustaka sklearn dan tensorflow. Setelah itu akan dilakukan pembuatan API untuk melakukan klasifikasi suatu sentimen.</a:t>
             </a:r>
             <a:endParaRPr/>
           </a:p>
@@ -9988,7 +10259,7 @@
         </p:nvSpPr>
         <p:spPr>
           <a:xfrm>
-            <a:off x="819150" y="589900"/>
+            <a:off x="819150" y="845600"/>
             <a:ext cx="7505700" cy="954600"/>
           </a:xfrm>
           <a:prstGeom prst="rect">
@@ -10012,7 +10283,427 @@
             </a:pPr>
             <a:r>
               <a:rPr lang="en-GB"/>
-              <a:t>Hasil Model Deep Learning</a:t>
+              <a:t>Neural Network</a:t>
+            </a:r>
+            <a:endParaRPr/>
+          </a:p>
+        </p:txBody>
+      </p:sp>
+      <p:sp>
+        <p:nvSpPr>
+          <p:cNvPr id="141" name="Google Shape;141;p15"/>
+          <p:cNvSpPr txBox="1"/>
+          <p:nvPr>
+            <p:ph idx="1" type="body"/>
+          </p:nvPr>
+        </p:nvSpPr>
+        <p:spPr>
+          <a:xfrm>
+            <a:off x="819150" y="1990725"/>
+            <a:ext cx="7505700" cy="2448000"/>
+          </a:xfrm>
+          <a:prstGeom prst="rect">
+            <a:avLst/>
+          </a:prstGeom>
+        </p:spPr>
+        <p:txBody>
+          <a:bodyPr anchorCtr="0" anchor="t" bIns="91425" lIns="91425" spcFirstLastPara="1" rIns="91425" wrap="square" tIns="91425">
+            <a:normAutofit/>
+          </a:bodyPr>
+          <a:lstStyle/>
+          <a:p>
+            <a:pPr indent="0" lvl="0" marL="0" rtl="0" algn="l">
+              <a:spcBef>
+                <a:spcPts val="0"/>
+              </a:spcBef>
+              <a:spcAft>
+                <a:spcPts val="1200"/>
+              </a:spcAft>
+              <a:buNone/>
+            </a:pPr>
+            <a:r>
+              <a:rPr lang="en-GB"/>
+              <a:t>Neural network dapat didefinisikan sebagai algoritma untuk memproses sebuah data yang bekerja dengan mekanisme yang sama pada jaringan saraf pada manusia. Neural network bekerja dengan cara memberikan masukan berupa suatu data, lalu memproses nya, dan kemudian memberikan output dari proses stimulasi di jaringan syaraf tiruan (fungsi aktivasi). Pada penelitian ini, modul sklearn dan tensoflow digunakan untuk membuat neural network untuk mengklasifikasikan sentimen dari sebuah tweet.</a:t>
+            </a:r>
+            <a:endParaRPr/>
+          </a:p>
+        </p:txBody>
+      </p:sp>
+    </p:spTree>
+  </p:cSld>
+  <p:clrMapOvr>
+    <a:masterClrMapping/>
+  </p:clrMapOvr>
+</p:sld>
+</file>
+
+<file path=ppt/slides/slide4.xml><?xml version="1.0" encoding="utf-8"?>
+<p:sld xmlns:a="http://schemas.openxmlformats.org/drawingml/2006/main" xmlns:r="http://schemas.openxmlformats.org/officeDocument/2006/relationships" xmlns:mc="http://schemas.openxmlformats.org/markup-compatibility/2006" xmlns:mv="urn:schemas-microsoft-com:mac:vml" xmlns:p="http://schemas.openxmlformats.org/presentationml/2006/main" xmlns:c="http://schemas.openxmlformats.org/drawingml/2006/chart" xmlns:dgm="http://schemas.openxmlformats.org/drawingml/2006/diagram" xmlns:o="urn:schemas-microsoft-com:office:office" xmlns:v="urn:schemas-microsoft-com:vml" xmlns:pvml="urn:schemas-microsoft-com:office:powerpoint" xmlns:com="http://schemas.openxmlformats.org/drawingml/2006/compatibility" xmlns:p14="http://schemas.microsoft.com/office/powerpoint/2010/main" xmlns:p15="http://schemas.microsoft.com/office/powerpoint/2012/main" xmlns:ahyp="http://schemas.microsoft.com/office/drawing/2018/hyperlinkcolor">
+  <p:cSld>
+    <p:spTree>
+      <p:nvGrpSpPr>
+        <p:cNvPr id="145" name="Shape 145"/>
+        <p:cNvGrpSpPr/>
+        <p:nvPr/>
+      </p:nvGrpSpPr>
+      <p:grpSpPr>
+        <a:xfrm>
+          <a:off x="0" y="0"/>
+          <a:ext cx="0" cy="0"/>
+          <a:chOff x="0" y="0"/>
+          <a:chExt cx="0" cy="0"/>
+        </a:xfrm>
+      </p:grpSpPr>
+      <p:sp>
+        <p:nvSpPr>
+          <p:cNvPr id="146" name="Google Shape;146;p16"/>
+          <p:cNvSpPr txBox="1"/>
+          <p:nvPr>
+            <p:ph type="title"/>
+          </p:nvPr>
+        </p:nvSpPr>
+        <p:spPr>
+          <a:xfrm>
+            <a:off x="819150" y="845600"/>
+            <a:ext cx="7505700" cy="954600"/>
+          </a:xfrm>
+          <a:prstGeom prst="rect">
+            <a:avLst/>
+          </a:prstGeom>
+        </p:spPr>
+        <p:txBody>
+          <a:bodyPr anchorCtr="0" anchor="t" bIns="91425" lIns="91425" spcFirstLastPara="1" rIns="91425" wrap="square" tIns="91425">
+            <a:normAutofit/>
+          </a:bodyPr>
+          <a:lstStyle/>
+          <a:p>
+            <a:pPr indent="0" lvl="0" marL="0" rtl="0" algn="l">
+              <a:spcBef>
+                <a:spcPts val="0"/>
+              </a:spcBef>
+              <a:spcAft>
+                <a:spcPts val="0"/>
+              </a:spcAft>
+              <a:buNone/>
+            </a:pPr>
+            <a:r>
+              <a:rPr lang="en-GB"/>
+              <a:t>LSTM</a:t>
+            </a:r>
+            <a:endParaRPr/>
+          </a:p>
+        </p:txBody>
+      </p:sp>
+      <p:sp>
+        <p:nvSpPr>
+          <p:cNvPr id="147" name="Google Shape;147;p16"/>
+          <p:cNvSpPr txBox="1"/>
+          <p:nvPr>
+            <p:ph idx="1" type="body"/>
+          </p:nvPr>
+        </p:nvSpPr>
+        <p:spPr>
+          <a:xfrm>
+            <a:off x="819150" y="1990725"/>
+            <a:ext cx="7505700" cy="2448000"/>
+          </a:xfrm>
+          <a:prstGeom prst="rect">
+            <a:avLst/>
+          </a:prstGeom>
+        </p:spPr>
+        <p:txBody>
+          <a:bodyPr anchorCtr="0" anchor="t" bIns="91425" lIns="91425" spcFirstLastPara="1" rIns="91425" wrap="square" tIns="91425">
+            <a:normAutofit/>
+          </a:bodyPr>
+          <a:lstStyle/>
+          <a:p>
+            <a:pPr indent="0" lvl="0" marL="0" rtl="0" algn="l">
+              <a:spcBef>
+                <a:spcPts val="0"/>
+              </a:spcBef>
+              <a:spcAft>
+                <a:spcPts val="1200"/>
+              </a:spcAft>
+              <a:buNone/>
+            </a:pPr>
+            <a:r>
+              <a:rPr lang="en-GB"/>
+              <a:t>LSTM merupakan modifikasi dari RNN (Recurrent Neural Network). Pada LSTM, keluaran dari suatu hidden state dapat dimasukan kembali ke hidden state berikut nya. LSTM memiliki tiga bagian yaitu forget gate, input gate, dan output gate. Forget gate berfungsi untuk melupakan informasi yang tidak relevan dari suatu masukan, input gate merupakan bagian yang berfungsi untuk memberikan masukan pada LSTM, dan output gate merupakan bagian yang memberikan keluaran dari LSTM.</a:t>
+            </a:r>
+            <a:endParaRPr/>
+          </a:p>
+        </p:txBody>
+      </p:sp>
+    </p:spTree>
+  </p:cSld>
+  <p:clrMapOvr>
+    <a:masterClrMapping/>
+  </p:clrMapOvr>
+</p:sld>
+</file>
+
+<file path=ppt/slides/slide5.xml><?xml version="1.0" encoding="utf-8"?>
+<p:sld xmlns:a="http://schemas.openxmlformats.org/drawingml/2006/main" xmlns:r="http://schemas.openxmlformats.org/officeDocument/2006/relationships" xmlns:mc="http://schemas.openxmlformats.org/markup-compatibility/2006" xmlns:mv="urn:schemas-microsoft-com:mac:vml" xmlns:p="http://schemas.openxmlformats.org/presentationml/2006/main" xmlns:c="http://schemas.openxmlformats.org/drawingml/2006/chart" xmlns:dgm="http://schemas.openxmlformats.org/drawingml/2006/diagram" xmlns:o="urn:schemas-microsoft-com:office:office" xmlns:v="urn:schemas-microsoft-com:vml" xmlns:pvml="urn:schemas-microsoft-com:office:powerpoint" xmlns:com="http://schemas.openxmlformats.org/drawingml/2006/compatibility" xmlns:p14="http://schemas.microsoft.com/office/powerpoint/2010/main" xmlns:p15="http://schemas.microsoft.com/office/powerpoint/2012/main" xmlns:ahyp="http://schemas.microsoft.com/office/drawing/2018/hyperlinkcolor">
+  <p:cSld>
+    <p:spTree>
+      <p:nvGrpSpPr>
+        <p:cNvPr id="151" name="Shape 151"/>
+        <p:cNvGrpSpPr/>
+        <p:nvPr/>
+      </p:nvGrpSpPr>
+      <p:grpSpPr>
+        <a:xfrm>
+          <a:off x="0" y="0"/>
+          <a:ext cx="0" cy="0"/>
+          <a:chOff x="0" y="0"/>
+          <a:chExt cx="0" cy="0"/>
+        </a:xfrm>
+      </p:grpSpPr>
+      <p:sp>
+        <p:nvSpPr>
+          <p:cNvPr id="152" name="Google Shape;152;p17"/>
+          <p:cNvSpPr txBox="1"/>
+          <p:nvPr>
+            <p:ph type="title"/>
+          </p:nvPr>
+        </p:nvSpPr>
+        <p:spPr>
+          <a:xfrm>
+            <a:off x="819150" y="845600"/>
+            <a:ext cx="7505700" cy="954600"/>
+          </a:xfrm>
+          <a:prstGeom prst="rect">
+            <a:avLst/>
+          </a:prstGeom>
+        </p:spPr>
+        <p:txBody>
+          <a:bodyPr anchorCtr="0" anchor="t" bIns="91425" lIns="91425" spcFirstLastPara="1" rIns="91425" wrap="square" tIns="91425">
+            <a:normAutofit/>
+          </a:bodyPr>
+          <a:lstStyle/>
+          <a:p>
+            <a:pPr indent="0" lvl="0" marL="0" rtl="0" algn="l">
+              <a:spcBef>
+                <a:spcPts val="0"/>
+              </a:spcBef>
+              <a:spcAft>
+                <a:spcPts val="0"/>
+              </a:spcAft>
+              <a:buNone/>
+            </a:pPr>
+            <a:r>
+              <a:rPr lang="en-GB"/>
+              <a:t>API</a:t>
+            </a:r>
+            <a:endParaRPr/>
+          </a:p>
+        </p:txBody>
+      </p:sp>
+      <p:sp>
+        <p:nvSpPr>
+          <p:cNvPr id="153" name="Google Shape;153;p17"/>
+          <p:cNvSpPr txBox="1"/>
+          <p:nvPr>
+            <p:ph idx="1" type="body"/>
+          </p:nvPr>
+        </p:nvSpPr>
+        <p:spPr>
+          <a:xfrm>
+            <a:off x="819150" y="1990725"/>
+            <a:ext cx="7505700" cy="2448000"/>
+          </a:xfrm>
+          <a:prstGeom prst="rect">
+            <a:avLst/>
+          </a:prstGeom>
+        </p:spPr>
+        <p:txBody>
+          <a:bodyPr anchorCtr="0" anchor="t" bIns="91425" lIns="91425" spcFirstLastPara="1" rIns="91425" wrap="square" tIns="91425">
+            <a:normAutofit/>
+          </a:bodyPr>
+          <a:lstStyle/>
+          <a:p>
+            <a:pPr indent="0" lvl="0" marL="0" rtl="0" algn="l">
+              <a:spcBef>
+                <a:spcPts val="0"/>
+              </a:spcBef>
+              <a:spcAft>
+                <a:spcPts val="1200"/>
+              </a:spcAft>
+              <a:buNone/>
+            </a:pPr>
+            <a:r>
+              <a:rPr lang="en-GB"/>
+              <a:t>API merupakan singkatan dari Application Programing Interface, API berfungsi untuk menghubungkan antara dua aplikasi yang berbeda. Jika diilustrasikan dengan sebuah restoran, server dapat diibaratkan seperti dapur, client diibaratkan seperti pelanggan yang datang ke sebuah restoran, dan pelayan merupakan API.</a:t>
+            </a:r>
+            <a:endParaRPr/>
+          </a:p>
+        </p:txBody>
+      </p:sp>
+    </p:spTree>
+  </p:cSld>
+  <p:clrMapOvr>
+    <a:masterClrMapping/>
+  </p:clrMapOvr>
+</p:sld>
+</file>
+
+<file path=ppt/slides/slide6.xml><?xml version="1.0" encoding="utf-8"?>
+<p:sld xmlns:a="http://schemas.openxmlformats.org/drawingml/2006/main" xmlns:r="http://schemas.openxmlformats.org/officeDocument/2006/relationships" xmlns:mc="http://schemas.openxmlformats.org/markup-compatibility/2006" xmlns:mv="urn:schemas-microsoft-com:mac:vml" xmlns:p="http://schemas.openxmlformats.org/presentationml/2006/main" xmlns:c="http://schemas.openxmlformats.org/drawingml/2006/chart" xmlns:dgm="http://schemas.openxmlformats.org/drawingml/2006/diagram" xmlns:o="urn:schemas-microsoft-com:office:office" xmlns:v="urn:schemas-microsoft-com:vml" xmlns:pvml="urn:schemas-microsoft-com:office:powerpoint" xmlns:com="http://schemas.openxmlformats.org/drawingml/2006/compatibility" xmlns:p14="http://schemas.microsoft.com/office/powerpoint/2010/main" xmlns:p15="http://schemas.microsoft.com/office/powerpoint/2012/main" xmlns:ahyp="http://schemas.microsoft.com/office/drawing/2018/hyperlinkcolor">
+  <p:cSld>
+    <p:spTree>
+      <p:nvGrpSpPr>
+        <p:cNvPr id="157" name="Shape 157"/>
+        <p:cNvGrpSpPr/>
+        <p:nvPr/>
+      </p:nvGrpSpPr>
+      <p:grpSpPr>
+        <a:xfrm>
+          <a:off x="0" y="0"/>
+          <a:ext cx="0" cy="0"/>
+          <a:chOff x="0" y="0"/>
+          <a:chExt cx="0" cy="0"/>
+        </a:xfrm>
+      </p:grpSpPr>
+      <p:sp>
+        <p:nvSpPr>
+          <p:cNvPr id="158" name="Google Shape;158;p18"/>
+          <p:cNvSpPr txBox="1"/>
+          <p:nvPr>
+            <p:ph type="title"/>
+          </p:nvPr>
+        </p:nvSpPr>
+        <p:spPr>
+          <a:xfrm>
+            <a:off x="819150" y="845600"/>
+            <a:ext cx="7505700" cy="954600"/>
+          </a:xfrm>
+          <a:prstGeom prst="rect">
+            <a:avLst/>
+          </a:prstGeom>
+        </p:spPr>
+        <p:txBody>
+          <a:bodyPr anchorCtr="0" anchor="t" bIns="91425" lIns="91425" spcFirstLastPara="1" rIns="91425" wrap="square" tIns="91425">
+            <a:normAutofit/>
+          </a:bodyPr>
+          <a:lstStyle/>
+          <a:p>
+            <a:pPr indent="0" lvl="0" marL="0" rtl="0" algn="l">
+              <a:spcBef>
+                <a:spcPts val="0"/>
+              </a:spcBef>
+              <a:spcAft>
+                <a:spcPts val="0"/>
+              </a:spcAft>
+              <a:buNone/>
+            </a:pPr>
+            <a:r>
+              <a:rPr lang="en-GB"/>
+              <a:t>Metode Penelitian</a:t>
+            </a:r>
+            <a:endParaRPr/>
+          </a:p>
+        </p:txBody>
+      </p:sp>
+      <p:sp>
+        <p:nvSpPr>
+          <p:cNvPr id="159" name="Google Shape;159;p18"/>
+          <p:cNvSpPr txBox="1"/>
+          <p:nvPr>
+            <p:ph idx="1" type="body"/>
+          </p:nvPr>
+        </p:nvSpPr>
+        <p:spPr>
+          <a:xfrm>
+            <a:off x="819150" y="1990725"/>
+            <a:ext cx="7505700" cy="2448000"/>
+          </a:xfrm>
+          <a:prstGeom prst="rect">
+            <a:avLst/>
+          </a:prstGeom>
+        </p:spPr>
+        <p:txBody>
+          <a:bodyPr anchorCtr="0" anchor="t" bIns="91425" lIns="91425" spcFirstLastPara="1" rIns="91425" wrap="square" tIns="91425">
+            <a:normAutofit/>
+          </a:bodyPr>
+          <a:lstStyle/>
+          <a:p>
+            <a:pPr indent="0" lvl="0" marL="0" rtl="0" algn="l">
+              <a:spcBef>
+                <a:spcPts val="0"/>
+              </a:spcBef>
+              <a:spcAft>
+                <a:spcPts val="1200"/>
+              </a:spcAft>
+              <a:buNone/>
+            </a:pPr>
+            <a:r>
+              <a:rPr lang="en-GB"/>
+              <a:t>Pada penelitian ini, akan dilakukan pembuatan model neural network menggunakan pustaka tensorflow dan sklearn dengan menggunakan dataset tweet sebagai data acuannya. Setelah pembuatan model selesai, akan dilakukan evaluasi pada model menggunakan accuracy, F1 score, dan recall. Setelah evaluasi dilakukan, model akan disimpan di file .h5 yang kemudian akan digunakan untuk membuat API dengan swagger.</a:t>
+            </a:r>
+            <a:endParaRPr/>
+          </a:p>
+        </p:txBody>
+      </p:sp>
+    </p:spTree>
+  </p:cSld>
+  <p:clrMapOvr>
+    <a:masterClrMapping/>
+  </p:clrMapOvr>
+</p:sld>
+</file>
+
+<file path=ppt/slides/slide7.xml><?xml version="1.0" encoding="utf-8"?>
+<p:sld xmlns:a="http://schemas.openxmlformats.org/drawingml/2006/main" xmlns:r="http://schemas.openxmlformats.org/officeDocument/2006/relationships" xmlns:mc="http://schemas.openxmlformats.org/markup-compatibility/2006" xmlns:mv="urn:schemas-microsoft-com:mac:vml" xmlns:p="http://schemas.openxmlformats.org/presentationml/2006/main" xmlns:c="http://schemas.openxmlformats.org/drawingml/2006/chart" xmlns:dgm="http://schemas.openxmlformats.org/drawingml/2006/diagram" xmlns:o="urn:schemas-microsoft-com:office:office" xmlns:v="urn:schemas-microsoft-com:vml" xmlns:pvml="urn:schemas-microsoft-com:office:powerpoint" xmlns:com="http://schemas.openxmlformats.org/drawingml/2006/compatibility" xmlns:p14="http://schemas.microsoft.com/office/powerpoint/2010/main" xmlns:p15="http://schemas.microsoft.com/office/powerpoint/2012/main" xmlns:ahyp="http://schemas.microsoft.com/office/drawing/2018/hyperlinkcolor">
+  <p:cSld>
+    <p:spTree>
+      <p:nvGrpSpPr>
+        <p:cNvPr id="163" name="Shape 163"/>
+        <p:cNvGrpSpPr/>
+        <p:nvPr/>
+      </p:nvGrpSpPr>
+      <p:grpSpPr>
+        <a:xfrm>
+          <a:off x="0" y="0"/>
+          <a:ext cx="0" cy="0"/>
+          <a:chOff x="0" y="0"/>
+          <a:chExt cx="0" cy="0"/>
+        </a:xfrm>
+      </p:grpSpPr>
+      <p:sp>
+        <p:nvSpPr>
+          <p:cNvPr id="164" name="Google Shape;164;p19"/>
+          <p:cNvSpPr txBox="1"/>
+          <p:nvPr>
+            <p:ph type="title"/>
+          </p:nvPr>
+        </p:nvSpPr>
+        <p:spPr>
+          <a:xfrm>
+            <a:off x="819150" y="589900"/>
+            <a:ext cx="7505700" cy="584700"/>
+          </a:xfrm>
+          <a:prstGeom prst="rect">
+            <a:avLst/>
+          </a:prstGeom>
+        </p:spPr>
+        <p:txBody>
+          <a:bodyPr anchorCtr="0" anchor="t" bIns="91425" lIns="91425" spcFirstLastPara="1" rIns="91425" wrap="square" tIns="91425">
+            <a:normAutofit fontScale="90000"/>
+          </a:bodyPr>
+          <a:lstStyle/>
+          <a:p>
+            <a:pPr indent="0" lvl="0" marL="0" rtl="0" algn="l">
+              <a:spcBef>
+                <a:spcPts val="0"/>
+              </a:spcBef>
+              <a:spcAft>
+                <a:spcPts val="0"/>
+              </a:spcAft>
+              <a:buNone/>
+            </a:pPr>
+            <a:r>
+              <a:rPr lang="en-GB"/>
+              <a:t>Hasil Model Deep Learning dengan Tensorflow</a:t>
             </a:r>
             <a:endParaRPr/>
           </a:p>
@@ -10020,7 +10711,7 @@
       </p:sp>
       <p:pic>
         <p:nvPicPr>
-          <p:cNvPr id="141" name="Google Shape;141;p15"/>
+          <p:cNvPr id="165" name="Google Shape;165;p19"/>
           <p:cNvPicPr preferRelativeResize="0"/>
           <p:nvPr/>
         </p:nvPicPr>
@@ -10034,8 +10725,8 @@
         </p:blipFill>
         <p:spPr>
           <a:xfrm>
-            <a:off x="819150" y="1784550"/>
-            <a:ext cx="3593750" cy="1849100"/>
+            <a:off x="384750" y="1322975"/>
+            <a:ext cx="8374502" cy="584750"/>
           </a:xfrm>
           <a:prstGeom prst="rect">
             <a:avLst/>
@@ -10048,7 +10739,7 @@
       </p:pic>
       <p:pic>
         <p:nvPicPr>
-          <p:cNvPr id="142" name="Google Shape;142;p15"/>
+          <p:cNvPr id="166" name="Google Shape;166;p19"/>
           <p:cNvPicPr preferRelativeResize="0"/>
           <p:nvPr/>
         </p:nvPicPr>
@@ -10062,344 +10753,8 @@
         </p:blipFill>
         <p:spPr>
           <a:xfrm>
-            <a:off x="4989050" y="1784550"/>
-            <a:ext cx="3231446" cy="1849100"/>
-          </a:xfrm>
-          <a:prstGeom prst="rect">
-            <a:avLst/>
-          </a:prstGeom>
-          <a:noFill/>
-          <a:ln>
-            <a:noFill/>
-          </a:ln>
-        </p:spPr>
-      </p:pic>
-    </p:spTree>
-  </p:cSld>
-  <p:clrMapOvr>
-    <a:masterClrMapping/>
-  </p:clrMapOvr>
-</p:sld>
-</file>
-
-<file path=ppt/slides/slide4.xml><?xml version="1.0" encoding="utf-8"?>
-<p:sld xmlns:a="http://schemas.openxmlformats.org/drawingml/2006/main" xmlns:r="http://schemas.openxmlformats.org/officeDocument/2006/relationships" xmlns:mc="http://schemas.openxmlformats.org/markup-compatibility/2006" xmlns:mv="urn:schemas-microsoft-com:mac:vml" xmlns:p="http://schemas.openxmlformats.org/presentationml/2006/main" xmlns:c="http://schemas.openxmlformats.org/drawingml/2006/chart" xmlns:dgm="http://schemas.openxmlformats.org/drawingml/2006/diagram" xmlns:o="urn:schemas-microsoft-com:office:office" xmlns:v="urn:schemas-microsoft-com:vml" xmlns:pvml="urn:schemas-microsoft-com:office:powerpoint" xmlns:com="http://schemas.openxmlformats.org/drawingml/2006/compatibility" xmlns:p14="http://schemas.microsoft.com/office/powerpoint/2010/main" xmlns:p15="http://schemas.microsoft.com/office/powerpoint/2012/main" xmlns:ahyp="http://schemas.microsoft.com/office/drawing/2018/hyperlinkcolor">
-  <p:cSld>
-    <p:spTree>
-      <p:nvGrpSpPr>
-        <p:cNvPr id="146" name="Shape 146"/>
-        <p:cNvGrpSpPr/>
-        <p:nvPr/>
-      </p:nvGrpSpPr>
-      <p:grpSpPr>
-        <a:xfrm>
-          <a:off x="0" y="0"/>
-          <a:ext cx="0" cy="0"/>
-          <a:chOff x="0" y="0"/>
-          <a:chExt cx="0" cy="0"/>
-        </a:xfrm>
-      </p:grpSpPr>
-      <p:pic>
-        <p:nvPicPr>
-          <p:cNvPr id="147" name="Google Shape;147;p16"/>
-          <p:cNvPicPr preferRelativeResize="0"/>
-          <p:nvPr/>
-        </p:nvPicPr>
-        <p:blipFill>
-          <a:blip r:embed="rId3">
-            <a:alphaModFix/>
-          </a:blip>
-          <a:stretch>
-            <a:fillRect/>
-          </a:stretch>
-        </p:blipFill>
-        <p:spPr>
-          <a:xfrm>
-            <a:off x="941450" y="1572038"/>
-            <a:ext cx="3582025" cy="2146125"/>
-          </a:xfrm>
-          <a:prstGeom prst="rect">
-            <a:avLst/>
-          </a:prstGeom>
-          <a:noFill/>
-          <a:ln>
-            <a:noFill/>
-          </a:ln>
-        </p:spPr>
-      </p:pic>
-      <p:pic>
-        <p:nvPicPr>
-          <p:cNvPr id="148" name="Google Shape;148;p16"/>
-          <p:cNvPicPr preferRelativeResize="0"/>
-          <p:nvPr/>
-        </p:nvPicPr>
-        <p:blipFill>
-          <a:blip r:embed="rId4">
-            <a:alphaModFix/>
-          </a:blip>
-          <a:stretch>
-            <a:fillRect/>
-          </a:stretch>
-        </p:blipFill>
-        <p:spPr>
-          <a:xfrm>
-            <a:off x="4875525" y="1375425"/>
-            <a:ext cx="3449335" cy="2539350"/>
-          </a:xfrm>
-          <a:prstGeom prst="rect">
-            <a:avLst/>
-          </a:prstGeom>
-          <a:noFill/>
-          <a:ln>
-            <a:noFill/>
-          </a:ln>
-        </p:spPr>
-      </p:pic>
-    </p:spTree>
-  </p:cSld>
-  <p:clrMapOvr>
-    <a:masterClrMapping/>
-  </p:clrMapOvr>
-</p:sld>
-</file>
-
-<file path=ppt/slides/slide5.xml><?xml version="1.0" encoding="utf-8"?>
-<p:sld xmlns:a="http://schemas.openxmlformats.org/drawingml/2006/main" xmlns:r="http://schemas.openxmlformats.org/officeDocument/2006/relationships" xmlns:mc="http://schemas.openxmlformats.org/markup-compatibility/2006" xmlns:mv="urn:schemas-microsoft-com:mac:vml" xmlns:p="http://schemas.openxmlformats.org/presentationml/2006/main" xmlns:c="http://schemas.openxmlformats.org/drawingml/2006/chart" xmlns:dgm="http://schemas.openxmlformats.org/drawingml/2006/diagram" xmlns:o="urn:schemas-microsoft-com:office:office" xmlns:v="urn:schemas-microsoft-com:vml" xmlns:pvml="urn:schemas-microsoft-com:office:powerpoint" xmlns:com="http://schemas.openxmlformats.org/drawingml/2006/compatibility" xmlns:p14="http://schemas.microsoft.com/office/powerpoint/2010/main" xmlns:p15="http://schemas.microsoft.com/office/powerpoint/2012/main" xmlns:ahyp="http://schemas.microsoft.com/office/drawing/2018/hyperlinkcolor">
-  <p:cSld>
-    <p:spTree>
-      <p:nvGrpSpPr>
-        <p:cNvPr id="152" name="Shape 152"/>
-        <p:cNvGrpSpPr/>
-        <p:nvPr/>
-      </p:nvGrpSpPr>
-      <p:grpSpPr>
-        <a:xfrm>
-          <a:off x="0" y="0"/>
-          <a:ext cx="0" cy="0"/>
-          <a:chOff x="0" y="0"/>
-          <a:chExt cx="0" cy="0"/>
-        </a:xfrm>
-      </p:grpSpPr>
-      <p:pic>
-        <p:nvPicPr>
-          <p:cNvPr id="153" name="Google Shape;153;p17"/>
-          <p:cNvPicPr preferRelativeResize="0"/>
-          <p:nvPr/>
-        </p:nvPicPr>
-        <p:blipFill>
-          <a:blip r:embed="rId3">
-            <a:alphaModFix/>
-          </a:blip>
-          <a:stretch>
-            <a:fillRect/>
-          </a:stretch>
-        </p:blipFill>
-        <p:spPr>
-          <a:xfrm>
-            <a:off x="898644" y="1185475"/>
-            <a:ext cx="4511049" cy="3294201"/>
-          </a:xfrm>
-          <a:prstGeom prst="rect">
-            <a:avLst/>
-          </a:prstGeom>
-          <a:noFill/>
-          <a:ln>
-            <a:noFill/>
-          </a:ln>
-        </p:spPr>
-      </p:pic>
-      <p:pic>
-        <p:nvPicPr>
-          <p:cNvPr id="154" name="Google Shape;154;p17"/>
-          <p:cNvPicPr preferRelativeResize="0"/>
-          <p:nvPr/>
-        </p:nvPicPr>
-        <p:blipFill>
-          <a:blip r:embed="rId4">
-            <a:alphaModFix/>
-          </a:blip>
-          <a:stretch>
-            <a:fillRect/>
-          </a:stretch>
-        </p:blipFill>
-        <p:spPr>
-          <a:xfrm>
-            <a:off x="4949225" y="2141047"/>
-            <a:ext cx="3674401" cy="1383050"/>
-          </a:xfrm>
-          <a:prstGeom prst="rect">
-            <a:avLst/>
-          </a:prstGeom>
-          <a:noFill/>
-          <a:ln>
-            <a:noFill/>
-          </a:ln>
-        </p:spPr>
-      </p:pic>
-    </p:spTree>
-  </p:cSld>
-  <p:clrMapOvr>
-    <a:masterClrMapping/>
-  </p:clrMapOvr>
-</p:sld>
-</file>
-
-<file path=ppt/slides/slide6.xml><?xml version="1.0" encoding="utf-8"?>
-<p:sld xmlns:a="http://schemas.openxmlformats.org/drawingml/2006/main" xmlns:r="http://schemas.openxmlformats.org/officeDocument/2006/relationships" xmlns:mc="http://schemas.openxmlformats.org/markup-compatibility/2006" xmlns:mv="urn:schemas-microsoft-com:mac:vml" xmlns:p="http://schemas.openxmlformats.org/presentationml/2006/main" xmlns:c="http://schemas.openxmlformats.org/drawingml/2006/chart" xmlns:dgm="http://schemas.openxmlformats.org/drawingml/2006/diagram" xmlns:o="urn:schemas-microsoft-com:office:office" xmlns:v="urn:schemas-microsoft-com:vml" xmlns:pvml="urn:schemas-microsoft-com:office:powerpoint" xmlns:com="http://schemas.openxmlformats.org/drawingml/2006/compatibility" xmlns:p14="http://schemas.microsoft.com/office/powerpoint/2010/main" xmlns:p15="http://schemas.microsoft.com/office/powerpoint/2012/main" xmlns:ahyp="http://schemas.microsoft.com/office/drawing/2018/hyperlinkcolor">
-  <p:cSld>
-    <p:spTree>
-      <p:nvGrpSpPr>
-        <p:cNvPr id="158" name="Shape 158"/>
-        <p:cNvGrpSpPr/>
-        <p:nvPr/>
-      </p:nvGrpSpPr>
-      <p:grpSpPr>
-        <a:xfrm>
-          <a:off x="0" y="0"/>
-          <a:ext cx="0" cy="0"/>
-          <a:chOff x="0" y="0"/>
-          <a:chExt cx="0" cy="0"/>
-        </a:xfrm>
-      </p:grpSpPr>
-      <p:sp>
-        <p:nvSpPr>
-          <p:cNvPr id="159" name="Google Shape;159;p18"/>
-          <p:cNvSpPr txBox="1"/>
-          <p:nvPr>
-            <p:ph type="title"/>
-          </p:nvPr>
-        </p:nvSpPr>
-        <p:spPr>
-          <a:xfrm>
-            <a:off x="819150" y="589900"/>
-            <a:ext cx="7505700" cy="954600"/>
-          </a:xfrm>
-          <a:prstGeom prst="rect">
-            <a:avLst/>
-          </a:prstGeom>
-        </p:spPr>
-        <p:txBody>
-          <a:bodyPr anchorCtr="0" anchor="t" bIns="91425" lIns="91425" spcFirstLastPara="1" rIns="91425" wrap="square" tIns="91425">
-            <a:normAutofit/>
-          </a:bodyPr>
-          <a:lstStyle/>
-          <a:p>
-            <a:pPr indent="0" lvl="0" marL="0" rtl="0" algn="l">
-              <a:spcBef>
-                <a:spcPts val="0"/>
-              </a:spcBef>
-              <a:spcAft>
-                <a:spcPts val="0"/>
-              </a:spcAft>
-              <a:buNone/>
-            </a:pPr>
-            <a:r>
-              <a:rPr lang="en-GB"/>
-              <a:t>Hasil MPL Classifier</a:t>
-            </a:r>
-            <a:endParaRPr/>
-          </a:p>
-        </p:txBody>
-      </p:sp>
-      <p:pic>
-        <p:nvPicPr>
-          <p:cNvPr id="160" name="Google Shape;160;p18"/>
-          <p:cNvPicPr preferRelativeResize="0"/>
-          <p:nvPr/>
-        </p:nvPicPr>
-        <p:blipFill>
-          <a:blip r:embed="rId3">
-            <a:alphaModFix/>
-          </a:blip>
-          <a:stretch>
-            <a:fillRect/>
-          </a:stretch>
-        </p:blipFill>
-        <p:spPr>
-          <a:xfrm>
-            <a:off x="819150" y="1455775"/>
-            <a:ext cx="3143250" cy="2428875"/>
-          </a:xfrm>
-          <a:prstGeom prst="rect">
-            <a:avLst/>
-          </a:prstGeom>
-          <a:noFill/>
-          <a:ln>
-            <a:noFill/>
-          </a:ln>
-        </p:spPr>
-      </p:pic>
-      <p:pic>
-        <p:nvPicPr>
-          <p:cNvPr id="161" name="Google Shape;161;p18"/>
-          <p:cNvPicPr preferRelativeResize="0"/>
-          <p:nvPr/>
-        </p:nvPicPr>
-        <p:blipFill>
-          <a:blip r:embed="rId4">
-            <a:alphaModFix/>
-          </a:blip>
-          <a:stretch>
-            <a:fillRect/>
-          </a:stretch>
-        </p:blipFill>
-        <p:spPr>
-          <a:xfrm>
-            <a:off x="4644025" y="1499488"/>
-            <a:ext cx="3680825" cy="2144525"/>
-          </a:xfrm>
-          <a:prstGeom prst="rect">
-            <a:avLst/>
-          </a:prstGeom>
-          <a:noFill/>
-          <a:ln>
-            <a:noFill/>
-          </a:ln>
-        </p:spPr>
-      </p:pic>
-    </p:spTree>
-  </p:cSld>
-  <p:clrMapOvr>
-    <a:masterClrMapping/>
-  </p:clrMapOvr>
-</p:sld>
-</file>
-
-<file path=ppt/slides/slide7.xml><?xml version="1.0" encoding="utf-8"?>
-<p:sld xmlns:a="http://schemas.openxmlformats.org/drawingml/2006/main" xmlns:r="http://schemas.openxmlformats.org/officeDocument/2006/relationships" xmlns:mc="http://schemas.openxmlformats.org/markup-compatibility/2006" xmlns:mv="urn:schemas-microsoft-com:mac:vml" xmlns:p="http://schemas.openxmlformats.org/presentationml/2006/main" xmlns:c="http://schemas.openxmlformats.org/drawingml/2006/chart" xmlns:dgm="http://schemas.openxmlformats.org/drawingml/2006/diagram" xmlns:o="urn:schemas-microsoft-com:office:office" xmlns:v="urn:schemas-microsoft-com:vml" xmlns:pvml="urn:schemas-microsoft-com:office:powerpoint" xmlns:com="http://schemas.openxmlformats.org/drawingml/2006/compatibility" xmlns:p14="http://schemas.microsoft.com/office/powerpoint/2010/main" xmlns:p15="http://schemas.microsoft.com/office/powerpoint/2012/main" xmlns:ahyp="http://schemas.microsoft.com/office/drawing/2018/hyperlinkcolor">
-  <p:cSld>
-    <p:spTree>
-      <p:nvGrpSpPr>
-        <p:cNvPr id="165" name="Shape 165"/>
-        <p:cNvGrpSpPr/>
-        <p:nvPr/>
-      </p:nvGrpSpPr>
-      <p:grpSpPr>
-        <a:xfrm>
-          <a:off x="0" y="0"/>
-          <a:ext cx="0" cy="0"/>
-          <a:chOff x="0" y="0"/>
-          <a:chExt cx="0" cy="0"/>
-        </a:xfrm>
-      </p:grpSpPr>
-      <p:pic>
-        <p:nvPicPr>
-          <p:cNvPr id="166" name="Google Shape;166;p19"/>
-          <p:cNvPicPr preferRelativeResize="0"/>
-          <p:nvPr/>
-        </p:nvPicPr>
-        <p:blipFill>
-          <a:blip r:embed="rId3">
-            <a:alphaModFix/>
-          </a:blip>
-          <a:stretch>
-            <a:fillRect/>
-          </a:stretch>
-        </p:blipFill>
-        <p:spPr>
-          <a:xfrm>
-            <a:off x="812914" y="831938"/>
-            <a:ext cx="5753926" cy="3163875"/>
+            <a:off x="384750" y="2023650"/>
+            <a:ext cx="3820979" cy="2803300"/>
           </a:xfrm>
           <a:prstGeom prst="rect">
             <a:avLst/>
@@ -10417,7 +10772,7 @@
           <p:nvPr/>
         </p:nvPicPr>
         <p:blipFill>
-          <a:blip r:embed="rId4">
+          <a:blip r:embed="rId5">
             <a:alphaModFix/>
           </a:blip>
           <a:stretch>
@@ -10426,8 +10781,8 @@
         </p:blipFill>
         <p:spPr>
           <a:xfrm>
-            <a:off x="4311538" y="3139987"/>
-            <a:ext cx="4019550" cy="1171575"/>
+            <a:off x="4330775" y="2023650"/>
+            <a:ext cx="4428474" cy="1829151"/>
           </a:xfrm>
           <a:prstGeom prst="rect">
             <a:avLst/>
@@ -10463,9 +10818,49 @@
           <a:chExt cx="0" cy="0"/>
         </a:xfrm>
       </p:grpSpPr>
+      <p:sp>
+        <p:nvSpPr>
+          <p:cNvPr id="172" name="Google Shape;172;p20"/>
+          <p:cNvSpPr txBox="1"/>
+          <p:nvPr>
+            <p:ph type="title"/>
+          </p:nvPr>
+        </p:nvSpPr>
+        <p:spPr>
+          <a:xfrm>
+            <a:off x="819150" y="845600"/>
+            <a:ext cx="7505700" cy="954600"/>
+          </a:xfrm>
+          <a:prstGeom prst="rect">
+            <a:avLst/>
+          </a:prstGeom>
+        </p:spPr>
+        <p:txBody>
+          <a:bodyPr anchorCtr="0" anchor="t" bIns="91425" lIns="91425" spcFirstLastPara="1" rIns="91425" wrap="square" tIns="91425">
+            <a:normAutofit fontScale="90000"/>
+          </a:bodyPr>
+          <a:lstStyle/>
+          <a:p>
+            <a:pPr indent="0" lvl="0" marL="0" rtl="0" algn="l">
+              <a:spcBef>
+                <a:spcPts val="0"/>
+              </a:spcBef>
+              <a:spcAft>
+                <a:spcPts val="0"/>
+              </a:spcAft>
+              <a:buNone/>
+            </a:pPr>
+            <a:r>
+              <a:rPr lang="en-GB"/>
+              <a:t>Hasil Model Neural Network dengan Sklearn</a:t>
+            </a:r>
+            <a:endParaRPr/>
+          </a:p>
+        </p:txBody>
+      </p:sp>
       <p:pic>
         <p:nvPicPr>
-          <p:cNvPr id="172" name="Google Shape;172;p20"/>
+          <p:cNvPr id="173" name="Google Shape;173;p20"/>
           <p:cNvPicPr preferRelativeResize="0"/>
           <p:nvPr/>
         </p:nvPicPr>
@@ -10479,8 +10874,8 @@
         </p:blipFill>
         <p:spPr>
           <a:xfrm>
-            <a:off x="590750" y="1158888"/>
-            <a:ext cx="4667250" cy="647700"/>
+            <a:off x="1018750" y="1934350"/>
+            <a:ext cx="6815025" cy="2531300"/>
           </a:xfrm>
           <a:prstGeom prst="rect">
             <a:avLst/>
@@ -10491,14 +10886,79 @@
           </a:ln>
         </p:spPr>
       </p:pic>
+    </p:spTree>
+  </p:cSld>
+  <p:clrMapOvr>
+    <a:masterClrMapping/>
+  </p:clrMapOvr>
+</p:sld>
+</file>
+
+<file path=ppt/slides/slide9.xml><?xml version="1.0" encoding="utf-8"?>
+<p:sld xmlns:a="http://schemas.openxmlformats.org/drawingml/2006/main" xmlns:r="http://schemas.openxmlformats.org/officeDocument/2006/relationships" xmlns:mc="http://schemas.openxmlformats.org/markup-compatibility/2006" xmlns:mv="urn:schemas-microsoft-com:mac:vml" xmlns:p="http://schemas.openxmlformats.org/presentationml/2006/main" xmlns:c="http://schemas.openxmlformats.org/drawingml/2006/chart" xmlns:dgm="http://schemas.openxmlformats.org/drawingml/2006/diagram" xmlns:o="urn:schemas-microsoft-com:office:office" xmlns:v="urn:schemas-microsoft-com:vml" xmlns:pvml="urn:schemas-microsoft-com:office:powerpoint" xmlns:com="http://schemas.openxmlformats.org/drawingml/2006/compatibility" xmlns:p14="http://schemas.microsoft.com/office/powerpoint/2010/main" xmlns:p15="http://schemas.microsoft.com/office/powerpoint/2012/main" xmlns:ahyp="http://schemas.microsoft.com/office/drawing/2018/hyperlinkcolor">
+  <p:cSld>
+    <p:spTree>
+      <p:nvGrpSpPr>
+        <p:cNvPr id="177" name="Shape 177"/>
+        <p:cNvGrpSpPr/>
+        <p:nvPr/>
+      </p:nvGrpSpPr>
+      <p:grpSpPr>
+        <a:xfrm>
+          <a:off x="0" y="0"/>
+          <a:ext cx="0" cy="0"/>
+          <a:chOff x="0" y="0"/>
+          <a:chExt cx="0" cy="0"/>
+        </a:xfrm>
+      </p:grpSpPr>
+      <p:sp>
+        <p:nvSpPr>
+          <p:cNvPr id="178" name="Google Shape;178;p21"/>
+          <p:cNvSpPr txBox="1"/>
+          <p:nvPr>
+            <p:ph type="title"/>
+          </p:nvPr>
+        </p:nvSpPr>
+        <p:spPr>
+          <a:xfrm>
+            <a:off x="819150" y="699675"/>
+            <a:ext cx="7505700" cy="668400"/>
+          </a:xfrm>
+          <a:prstGeom prst="rect">
+            <a:avLst/>
+          </a:prstGeom>
+        </p:spPr>
+        <p:txBody>
+          <a:bodyPr anchorCtr="0" anchor="t" bIns="91425" lIns="91425" spcFirstLastPara="1" rIns="91425" wrap="square" tIns="91425">
+            <a:normAutofit/>
+          </a:bodyPr>
+          <a:lstStyle/>
+          <a:p>
+            <a:pPr indent="0" lvl="0" marL="0" rtl="0" algn="ctr">
+              <a:spcBef>
+                <a:spcPts val="0"/>
+              </a:spcBef>
+              <a:spcAft>
+                <a:spcPts val="0"/>
+              </a:spcAft>
+              <a:buNone/>
+            </a:pPr>
+            <a:r>
+              <a:rPr lang="en-GB"/>
+              <a:t>Tampilan API</a:t>
+            </a:r>
+            <a:endParaRPr/>
+          </a:p>
+        </p:txBody>
+      </p:sp>
       <p:pic>
         <p:nvPicPr>
-          <p:cNvPr id="173" name="Google Shape;173;p20"/>
+          <p:cNvPr id="179" name="Google Shape;179;p21"/>
           <p:cNvPicPr preferRelativeResize="0"/>
           <p:nvPr/>
         </p:nvPicPr>
         <p:blipFill>
-          <a:blip r:embed="rId4">
+          <a:blip r:embed="rId3">
             <a:alphaModFix/>
           </a:blip>
           <a:stretch>
@@ -10507,64 +10967,8 @@
         </p:blipFill>
         <p:spPr>
           <a:xfrm>
-            <a:off x="590750" y="1907838"/>
-            <a:ext cx="3647950" cy="1911475"/>
-          </a:xfrm>
-          <a:prstGeom prst="rect">
-            <a:avLst/>
-          </a:prstGeom>
-          <a:noFill/>
-          <a:ln>
-            <a:noFill/>
-          </a:ln>
-        </p:spPr>
-      </p:pic>
-      <p:pic>
-        <p:nvPicPr>
-          <p:cNvPr id="174" name="Google Shape;174;p20"/>
-          <p:cNvPicPr preferRelativeResize="0"/>
-          <p:nvPr/>
-        </p:nvPicPr>
-        <p:blipFill>
-          <a:blip r:embed="rId5">
-            <a:alphaModFix/>
-          </a:blip>
-          <a:stretch>
-            <a:fillRect/>
-          </a:stretch>
-        </p:blipFill>
-        <p:spPr>
-          <a:xfrm>
-            <a:off x="4391100" y="1958988"/>
-            <a:ext cx="3718675" cy="2025625"/>
-          </a:xfrm>
-          <a:prstGeom prst="rect">
-            <a:avLst/>
-          </a:prstGeom>
-          <a:noFill/>
-          <a:ln>
-            <a:noFill/>
-          </a:ln>
-        </p:spPr>
-      </p:pic>
-      <p:pic>
-        <p:nvPicPr>
-          <p:cNvPr id="175" name="Google Shape;175;p20"/>
-          <p:cNvPicPr preferRelativeResize="0"/>
-          <p:nvPr/>
-        </p:nvPicPr>
-        <p:blipFill>
-          <a:blip r:embed="rId6">
-            <a:alphaModFix/>
-          </a:blip>
-          <a:stretch>
-            <a:fillRect/>
-          </a:stretch>
-        </p:blipFill>
-        <p:spPr>
-          <a:xfrm>
-            <a:off x="5712350" y="1235087"/>
-            <a:ext cx="1781175" cy="495300"/>
+            <a:off x="1538600" y="1274225"/>
+            <a:ext cx="6224031" cy="3470627"/>
           </a:xfrm>
           <a:prstGeom prst="rect">
             <a:avLst/>
@@ -10584,6 +10988,285 @@
 </file>
 
 <file path=ppt/theme/theme1.xml><?xml version="1.0" encoding="utf-8"?>
+<a:theme xmlns:a="http://schemas.openxmlformats.org/drawingml/2006/main" xmlns:r="http://schemas.openxmlformats.org/officeDocument/2006/relationships">
+  <a:themeElements>
+    <a:clrScheme name="Default">
+      <a:dk1>
+        <a:srgbClr val="000000"/>
+      </a:dk1>
+      <a:lt1>
+        <a:srgbClr val="FFFFFF"/>
+      </a:lt1>
+      <a:dk2>
+        <a:srgbClr val="158158"/>
+      </a:dk2>
+      <a:lt2>
+        <a:srgbClr val="F3F3F3"/>
+      </a:lt2>
+      <a:accent1>
+        <a:srgbClr val="058DC7"/>
+      </a:accent1>
+      <a:accent2>
+        <a:srgbClr val="50B432"/>
+      </a:accent2>
+      <a:accent3>
+        <a:srgbClr val="ED561B"/>
+      </a:accent3>
+      <a:accent4>
+        <a:srgbClr val="EDEF00"/>
+      </a:accent4>
+      <a:accent5>
+        <a:srgbClr val="24CBE5"/>
+      </a:accent5>
+      <a:accent6>
+        <a:srgbClr val="64E572"/>
+      </a:accent6>
+      <a:hlink>
+        <a:srgbClr val="2200CC"/>
+      </a:hlink>
+      <a:folHlink>
+        <a:srgbClr val="551A8B"/>
+      </a:folHlink>
+    </a:clrScheme>
+    <a:fontScheme name="Office">
+      <a:majorFont>
+        <a:latin typeface="Arial"/>
+        <a:ea typeface=""/>
+        <a:cs typeface=""/>
+        <a:font script="Jpan" typeface="ＭＳ Ｐゴシック"/>
+        <a:font script="Hang" typeface="맑은 고딕"/>
+        <a:font script="Hans" typeface="宋体"/>
+        <a:font script="Hant" typeface="新細明體"/>
+        <a:font script="Arab" typeface="Times New Roman"/>
+        <a:font script="Hebr" typeface="Times New Roman"/>
+        <a:font script="Thai" typeface="Angsana New"/>
+        <a:font script="Ethi" typeface="Nyala"/>
+        <a:font script="Beng" typeface="Vrinda"/>
+        <a:font script="Gujr" typeface="Shruti"/>
+        <a:font script="Khmr" typeface="MoolBoran"/>
+        <a:font script="Knda" typeface="Tunga"/>
+        <a:font script="Guru" typeface="Raavi"/>
+        <a:font script="Cans" typeface="Euphemia"/>
+        <a:font script="Cher" typeface="Plantagenet Cherokee"/>
+        <a:font script="Yiii" typeface="Microsoft Yi Baiti"/>
+        <a:font script="Tibt" typeface="Microsoft Himalaya"/>
+        <a:font script="Thaa" typeface="MV Boli"/>
+        <a:font script="Deva" typeface="Mangal"/>
+        <a:font script="Telu" typeface="Gautami"/>
+        <a:font script="Taml" typeface="Latha"/>
+        <a:font script="Syrc" typeface="Estrangelo Edessa"/>
+        <a:font script="Orya" typeface="Kalinga"/>
+        <a:font script="Mlym" typeface="Kartika"/>
+        <a:font script="Laoo" typeface="DokChampa"/>
+        <a:font script="Sinh" typeface="Iskoola Pota"/>
+        <a:font script="Mong" typeface="Mongolian Baiti"/>
+        <a:font script="Viet" typeface="Times New Roman"/>
+        <a:font script="Uigh" typeface="Microsoft Uighur"/>
+        <a:font script="Geor" typeface="Sylfaen"/>
+      </a:majorFont>
+      <a:minorFont>
+        <a:latin typeface="Arial"/>
+        <a:ea typeface=""/>
+        <a:cs typeface=""/>
+        <a:font script="Jpan" typeface="ＭＳ Ｐゴシック"/>
+        <a:font script="Hang" typeface="맑은 고딕"/>
+        <a:font script="Hans" typeface="宋体"/>
+        <a:font script="Hant" typeface="新細明體"/>
+        <a:font script="Arab" typeface="Arial"/>
+        <a:font script="Hebr" typeface="Arial"/>
+        <a:font script="Thai" typeface="Cordia New"/>
+        <a:font script="Ethi" typeface="Nyala"/>
+        <a:font script="Beng" typeface="Vrinda"/>
+        <a:font script="Gujr" typeface="Shruti"/>
+        <a:font script="Khmr" typeface="DaunPenh"/>
+        <a:font script="Knda" typeface="Tunga"/>
+        <a:font script="Guru" typeface="Raavi"/>
+        <a:font script="Cans" typeface="Euphemia"/>
+        <a:font script="Cher" typeface="Plantagenet Cherokee"/>
+        <a:font script="Yiii" typeface="Microsoft Yi Baiti"/>
+        <a:font script="Tibt" typeface="Microsoft Himalaya"/>
+        <a:font script="Thaa" typeface="MV Boli"/>
+        <a:font script="Deva" typeface="Mangal"/>
+        <a:font script="Telu" typeface="Gautami"/>
+        <a:font script="Taml" typeface="Latha"/>
+        <a:font script="Syrc" typeface="Estrangelo Edessa"/>
+        <a:font script="Orya" typeface="Kalinga"/>
+        <a:font script="Mlym" typeface="Kartika"/>
+        <a:font script="Laoo" typeface="DokChampa"/>
+        <a:font script="Sinh" typeface="Iskoola Pota"/>
+        <a:font script="Mong" typeface="Mongolian Baiti"/>
+        <a:font script="Viet" typeface="Arial"/>
+        <a:font script="Uigh" typeface="Microsoft Uighur"/>
+        <a:font script="Geor" typeface="Sylfaen"/>
+      </a:minorFont>
+    </a:fontScheme>
+    <a:fmtScheme name="Office">
+      <a:fillStyleLst>
+        <a:solidFill>
+          <a:schemeClr val="phClr"/>
+        </a:solidFill>
+        <a:gradFill rotWithShape="1">
+          <a:gsLst>
+            <a:gs pos="0">
+              <a:schemeClr val="phClr">
+                <a:tint val="50000"/>
+                <a:satMod val="300000"/>
+              </a:schemeClr>
+            </a:gs>
+            <a:gs pos="35000">
+              <a:schemeClr val="phClr">
+                <a:tint val="37000"/>
+                <a:satMod val="300000"/>
+              </a:schemeClr>
+            </a:gs>
+            <a:gs pos="100000">
+              <a:schemeClr val="phClr">
+                <a:tint val="15000"/>
+                <a:satMod val="350000"/>
+              </a:schemeClr>
+            </a:gs>
+          </a:gsLst>
+          <a:lin ang="16200000" scaled="1"/>
+        </a:gradFill>
+        <a:gradFill rotWithShape="1">
+          <a:gsLst>
+            <a:gs pos="0">
+              <a:schemeClr val="phClr">
+                <a:tint val="100000"/>
+                <a:shade val="100000"/>
+                <a:satMod val="130000"/>
+              </a:schemeClr>
+            </a:gs>
+            <a:gs pos="100000">
+              <a:schemeClr val="phClr">
+                <a:tint val="50000"/>
+                <a:shade val="100000"/>
+                <a:satMod val="350000"/>
+              </a:schemeClr>
+            </a:gs>
+          </a:gsLst>
+          <a:lin ang="16200000" scaled="0"/>
+        </a:gradFill>
+      </a:fillStyleLst>
+      <a:lnStyleLst>
+        <a:ln w="9525" cap="flat" cmpd="sng" algn="ctr">
+          <a:solidFill>
+            <a:schemeClr val="phClr">
+              <a:shade val="95000"/>
+              <a:satMod val="105000"/>
+            </a:schemeClr>
+          </a:solidFill>
+          <a:prstDash val="solid"/>
+        </a:ln>
+        <a:ln w="25400" cap="flat" cmpd="sng" algn="ctr">
+          <a:solidFill>
+            <a:schemeClr val="phClr"/>
+          </a:solidFill>
+          <a:prstDash val="solid"/>
+        </a:ln>
+        <a:ln w="38100" cap="flat" cmpd="sng" algn="ctr">
+          <a:solidFill>
+            <a:schemeClr val="phClr"/>
+          </a:solidFill>
+          <a:prstDash val="solid"/>
+        </a:ln>
+      </a:lnStyleLst>
+      <a:effectStyleLst>
+        <a:effectStyle>
+          <a:effectLst>
+            <a:outerShdw blurRad="40000" dist="20000" dir="5400000" rotWithShape="0">
+              <a:srgbClr val="000000">
+                <a:alpha val="38000"/>
+              </a:srgbClr>
+            </a:outerShdw>
+          </a:effectLst>
+        </a:effectStyle>
+        <a:effectStyle>
+          <a:effectLst>
+            <a:outerShdw blurRad="40000" dist="23000" dir="5400000" rotWithShape="0">
+              <a:srgbClr val="000000">
+                <a:alpha val="35000"/>
+              </a:srgbClr>
+            </a:outerShdw>
+          </a:effectLst>
+        </a:effectStyle>
+        <a:effectStyle>
+          <a:effectLst>
+            <a:outerShdw blurRad="40000" dist="23000" dir="5400000" rotWithShape="0">
+              <a:srgbClr val="000000">
+                <a:alpha val="35000"/>
+              </a:srgbClr>
+            </a:outerShdw>
+          </a:effectLst>
+          <a:scene3d>
+            <a:camera prst="orthographicFront">
+              <a:rot lat="0" lon="0" rev="0"/>
+            </a:camera>
+            <a:lightRig rig="threePt" dir="t">
+              <a:rot lat="0" lon="0" rev="1200000"/>
+            </a:lightRig>
+          </a:scene3d>
+          <a:sp3d>
+            <a:bevelT w="63500" h="25400"/>
+          </a:sp3d>
+        </a:effectStyle>
+      </a:effectStyleLst>
+      <a:bgFillStyleLst>
+        <a:solidFill>
+          <a:schemeClr val="phClr"/>
+        </a:solidFill>
+        <a:gradFill rotWithShape="1">
+          <a:gsLst>
+            <a:gs pos="0">
+              <a:schemeClr val="phClr">
+                <a:tint val="40000"/>
+                <a:satMod val="350000"/>
+              </a:schemeClr>
+            </a:gs>
+            <a:gs pos="40000">
+              <a:schemeClr val="phClr">
+                <a:tint val="45000"/>
+                <a:shade val="99000"/>
+                <a:satMod val="350000"/>
+              </a:schemeClr>
+            </a:gs>
+            <a:gs pos="100000">
+              <a:schemeClr val="phClr">
+                <a:shade val="20000"/>
+                <a:satMod val="255000"/>
+              </a:schemeClr>
+            </a:gs>
+          </a:gsLst>
+          <a:path path="circle">
+            <a:fillToRect l="50000" t="-80000" r="50000" b="180000"/>
+          </a:path>
+        </a:gradFill>
+        <a:gradFill rotWithShape="1">
+          <a:gsLst>
+            <a:gs pos="0">
+              <a:schemeClr val="phClr">
+                <a:tint val="80000"/>
+                <a:satMod val="300000"/>
+              </a:schemeClr>
+            </a:gs>
+            <a:gs pos="100000">
+              <a:schemeClr val="phClr">
+                <a:shade val="30000"/>
+                <a:satMod val="200000"/>
+              </a:schemeClr>
+            </a:gs>
+          </a:gsLst>
+          <a:path path="circle">
+            <a:fillToRect l="50000" t="50000" r="50000" b="50000"/>
+          </a:path>
+        </a:gradFill>
+      </a:bgFillStyleLst>
+    </a:fmtScheme>
+  </a:themeElements>
+</a:theme>
+</file>
+
+<file path=ppt/theme/theme2.xml><?xml version="1.0" encoding="utf-8"?>
 <a:theme xmlns:a="http://schemas.openxmlformats.org/drawingml/2006/main" xmlns:r="http://schemas.openxmlformats.org/officeDocument/2006/relationships" name="Shift">
   <a:themeElements>
     <a:clrScheme name="Shift">
@@ -10860,283 +11543,4 @@
     </a:fmtScheme>
   </a:themeElements>
 </a:theme>
-</file>
-
-<file path=ppt/theme/theme2.xml><?xml version="1.0" encoding="utf-8"?>
-<a:theme xmlns:a="http://schemas.openxmlformats.org/drawingml/2006/main" xmlns:r="http://schemas.openxmlformats.org/officeDocument/2006/relationships">
-  <a:themeElements>
-    <a:clrScheme name="Default">
-      <a:dk1>
-        <a:srgbClr val="000000"/>
-      </a:dk1>
-      <a:lt1>
-        <a:srgbClr val="FFFFFF"/>
-      </a:lt1>
-      <a:dk2>
-        <a:srgbClr val="158158"/>
-      </a:dk2>
-      <a:lt2>
-        <a:srgbClr val="F3F3F3"/>
-      </a:lt2>
-      <a:accent1>
-        <a:srgbClr val="058DC7"/>
-      </a:accent1>
-      <a:accent2>
-        <a:srgbClr val="50B432"/>
-      </a:accent2>
-      <a:accent3>
-        <a:srgbClr val="ED561B"/>
-      </a:accent3>
-      <a:accent4>
-        <a:srgbClr val="EDEF00"/>
-      </a:accent4>
-      <a:accent5>
-        <a:srgbClr val="24CBE5"/>
-      </a:accent5>
-      <a:accent6>
-        <a:srgbClr val="64E572"/>
-      </a:accent6>
-      <a:hlink>
-        <a:srgbClr val="2200CC"/>
-      </a:hlink>
-      <a:folHlink>
-        <a:srgbClr val="551A8B"/>
-      </a:folHlink>
-    </a:clrScheme>
-    <a:fontScheme name="Office">
-      <a:majorFont>
-        <a:latin typeface="Arial"/>
-        <a:ea typeface=""/>
-        <a:cs typeface=""/>
-        <a:font script="Jpan" typeface="ＭＳ Ｐゴシック"/>
-        <a:font script="Hang" typeface="맑은 고딕"/>
-        <a:font script="Hans" typeface="宋体"/>
-        <a:font script="Hant" typeface="新細明體"/>
-        <a:font script="Arab" typeface="Times New Roman"/>
-        <a:font script="Hebr" typeface="Times New Roman"/>
-        <a:font script="Thai" typeface="Angsana New"/>
-        <a:font script="Ethi" typeface="Nyala"/>
-        <a:font script="Beng" typeface="Vrinda"/>
-        <a:font script="Gujr" typeface="Shruti"/>
-        <a:font script="Khmr" typeface="MoolBoran"/>
-        <a:font script="Knda" typeface="Tunga"/>
-        <a:font script="Guru" typeface="Raavi"/>
-        <a:font script="Cans" typeface="Euphemia"/>
-        <a:font script="Cher" typeface="Plantagenet Cherokee"/>
-        <a:font script="Yiii" typeface="Microsoft Yi Baiti"/>
-        <a:font script="Tibt" typeface="Microsoft Himalaya"/>
-        <a:font script="Thaa" typeface="MV Boli"/>
-        <a:font script="Deva" typeface="Mangal"/>
-        <a:font script="Telu" typeface="Gautami"/>
-        <a:font script="Taml" typeface="Latha"/>
-        <a:font script="Syrc" typeface="Estrangelo Edessa"/>
-        <a:font script="Orya" typeface="Kalinga"/>
-        <a:font script="Mlym" typeface="Kartika"/>
-        <a:font script="Laoo" typeface="DokChampa"/>
-        <a:font script="Sinh" typeface="Iskoola Pota"/>
-        <a:font script="Mong" typeface="Mongolian Baiti"/>
-        <a:font script="Viet" typeface="Times New Roman"/>
-        <a:font script="Uigh" typeface="Microsoft Uighur"/>
-        <a:font script="Geor" typeface="Sylfaen"/>
-      </a:majorFont>
-      <a:minorFont>
-        <a:latin typeface="Arial"/>
-        <a:ea typeface=""/>
-        <a:cs typeface=""/>
-        <a:font script="Jpan" typeface="ＭＳ Ｐゴシック"/>
-        <a:font script="Hang" typeface="맑은 고딕"/>
-        <a:font script="Hans" typeface="宋体"/>
-        <a:font script="Hant" typeface="新細明體"/>
-        <a:font script="Arab" typeface="Arial"/>
-        <a:font script="Hebr" typeface="Arial"/>
-        <a:font script="Thai" typeface="Cordia New"/>
-        <a:font script="Ethi" typeface="Nyala"/>
-        <a:font script="Beng" typeface="Vrinda"/>
-        <a:font script="Gujr" typeface="Shruti"/>
-        <a:font script="Khmr" typeface="DaunPenh"/>
-        <a:font script="Knda" typeface="Tunga"/>
-        <a:font script="Guru" typeface="Raavi"/>
-        <a:font script="Cans" typeface="Euphemia"/>
-        <a:font script="Cher" typeface="Plantagenet Cherokee"/>
-        <a:font script="Yiii" typeface="Microsoft Yi Baiti"/>
-        <a:font script="Tibt" typeface="Microsoft Himalaya"/>
-        <a:font script="Thaa" typeface="MV Boli"/>
-        <a:font script="Deva" typeface="Mangal"/>
-        <a:font script="Telu" typeface="Gautami"/>
-        <a:font script="Taml" typeface="Latha"/>
-        <a:font script="Syrc" typeface="Estrangelo Edessa"/>
-        <a:font script="Orya" typeface="Kalinga"/>
-        <a:font script="Mlym" typeface="Kartika"/>
-        <a:font script="Laoo" typeface="DokChampa"/>
-        <a:font script="Sinh" typeface="Iskoola Pota"/>
-        <a:font script="Mong" typeface="Mongolian Baiti"/>
-        <a:font script="Viet" typeface="Arial"/>
-        <a:font script="Uigh" typeface="Microsoft Uighur"/>
-        <a:font script="Geor" typeface="Sylfaen"/>
-      </a:minorFont>
-    </a:fontScheme>
-    <a:fmtScheme name="Office">
-      <a:fillStyleLst>
-        <a:solidFill>
-          <a:schemeClr val="phClr"/>
-        </a:solidFill>
-        <a:gradFill rotWithShape="1">
-          <a:gsLst>
-            <a:gs pos="0">
-              <a:schemeClr val="phClr">
-                <a:tint val="50000"/>
-                <a:satMod val="300000"/>
-              </a:schemeClr>
-            </a:gs>
-            <a:gs pos="35000">
-              <a:schemeClr val="phClr">
-                <a:tint val="37000"/>
-                <a:satMod val="300000"/>
-              </a:schemeClr>
-            </a:gs>
-            <a:gs pos="100000">
-              <a:schemeClr val="phClr">
-                <a:tint val="15000"/>
-                <a:satMod val="350000"/>
-              </a:schemeClr>
-            </a:gs>
-          </a:gsLst>
-          <a:lin ang="16200000" scaled="1"/>
-        </a:gradFill>
-        <a:gradFill rotWithShape="1">
-          <a:gsLst>
-            <a:gs pos="0">
-              <a:schemeClr val="phClr">
-                <a:tint val="100000"/>
-                <a:shade val="100000"/>
-                <a:satMod val="130000"/>
-              </a:schemeClr>
-            </a:gs>
-            <a:gs pos="100000">
-              <a:schemeClr val="phClr">
-                <a:tint val="50000"/>
-                <a:shade val="100000"/>
-                <a:satMod val="350000"/>
-              </a:schemeClr>
-            </a:gs>
-          </a:gsLst>
-          <a:lin ang="16200000" scaled="0"/>
-        </a:gradFill>
-      </a:fillStyleLst>
-      <a:lnStyleLst>
-        <a:ln w="9525" cap="flat" cmpd="sng" algn="ctr">
-          <a:solidFill>
-            <a:schemeClr val="phClr">
-              <a:shade val="95000"/>
-              <a:satMod val="105000"/>
-            </a:schemeClr>
-          </a:solidFill>
-          <a:prstDash val="solid"/>
-        </a:ln>
-        <a:ln w="25400" cap="flat" cmpd="sng" algn="ctr">
-          <a:solidFill>
-            <a:schemeClr val="phClr"/>
-          </a:solidFill>
-          <a:prstDash val="solid"/>
-        </a:ln>
-        <a:ln w="38100" cap="flat" cmpd="sng" algn="ctr">
-          <a:solidFill>
-            <a:schemeClr val="phClr"/>
-          </a:solidFill>
-          <a:prstDash val="solid"/>
-        </a:ln>
-      </a:lnStyleLst>
-      <a:effectStyleLst>
-        <a:effectStyle>
-          <a:effectLst>
-            <a:outerShdw blurRad="40000" dist="20000" dir="5400000" rotWithShape="0">
-              <a:srgbClr val="000000">
-                <a:alpha val="38000"/>
-              </a:srgbClr>
-            </a:outerShdw>
-          </a:effectLst>
-        </a:effectStyle>
-        <a:effectStyle>
-          <a:effectLst>
-            <a:outerShdw blurRad="40000" dist="23000" dir="5400000" rotWithShape="0">
-              <a:srgbClr val="000000">
-                <a:alpha val="35000"/>
-              </a:srgbClr>
-            </a:outerShdw>
-          </a:effectLst>
-        </a:effectStyle>
-        <a:effectStyle>
-          <a:effectLst>
-            <a:outerShdw blurRad="40000" dist="23000" dir="5400000" rotWithShape="0">
-              <a:srgbClr val="000000">
-                <a:alpha val="35000"/>
-              </a:srgbClr>
-            </a:outerShdw>
-          </a:effectLst>
-          <a:scene3d>
-            <a:camera prst="orthographicFront">
-              <a:rot lat="0" lon="0" rev="0"/>
-            </a:camera>
-            <a:lightRig rig="threePt" dir="t">
-              <a:rot lat="0" lon="0" rev="1200000"/>
-            </a:lightRig>
-          </a:scene3d>
-          <a:sp3d>
-            <a:bevelT w="63500" h="25400"/>
-          </a:sp3d>
-        </a:effectStyle>
-      </a:effectStyleLst>
-      <a:bgFillStyleLst>
-        <a:solidFill>
-          <a:schemeClr val="phClr"/>
-        </a:solidFill>
-        <a:gradFill rotWithShape="1">
-          <a:gsLst>
-            <a:gs pos="0">
-              <a:schemeClr val="phClr">
-                <a:tint val="40000"/>
-                <a:satMod val="350000"/>
-              </a:schemeClr>
-            </a:gs>
-            <a:gs pos="40000">
-              <a:schemeClr val="phClr">
-                <a:tint val="45000"/>
-                <a:shade val="99000"/>
-                <a:satMod val="350000"/>
-              </a:schemeClr>
-            </a:gs>
-            <a:gs pos="100000">
-              <a:schemeClr val="phClr">
-                <a:shade val="20000"/>
-                <a:satMod val="255000"/>
-              </a:schemeClr>
-            </a:gs>
-          </a:gsLst>
-          <a:path path="circle">
-            <a:fillToRect l="50000" t="-80000" r="50000" b="180000"/>
-          </a:path>
-        </a:gradFill>
-        <a:gradFill rotWithShape="1">
-          <a:gsLst>
-            <a:gs pos="0">
-              <a:schemeClr val="phClr">
-                <a:tint val="80000"/>
-                <a:satMod val="300000"/>
-              </a:schemeClr>
-            </a:gs>
-            <a:gs pos="100000">
-              <a:schemeClr val="phClr">
-                <a:shade val="30000"/>
-                <a:satMod val="200000"/>
-              </a:schemeClr>
-            </a:gs>
-          </a:gsLst>
-          <a:path path="circle">
-            <a:fillToRect l="50000" t="50000" r="50000" b="50000"/>
-          </a:path>
-        </a:gradFill>
-      </a:bgFillStyleLst>
-    </a:fmtScheme>
-  </a:themeElements>
-</a:theme>
 </file>
--- a/Challenge Platinum_ Membuat API untuk Analisis Sentimen dan Laporan Analisis Data berdasarkan Sentimen.pptx
+++ b/Challenge Platinum_ Membuat API untuk Analisis Sentimen dan Laporan Analisis Data berdasarkan Sentimen.pptx
@@ -808,7 +808,7 @@
   <p:cSld>
     <p:spTree>
       <p:nvGrpSpPr>
-        <p:cNvPr id="180" name="Shape 180"/>
+        <p:cNvPr id="182" name="Shape 182"/>
         <p:cNvGrpSpPr/>
         <p:nvPr/>
       </p:nvGrpSpPr>
@@ -822,7 +822,7 @@
       </p:grpSpPr>
       <p:sp>
         <p:nvSpPr>
-          <p:cNvPr id="181" name="Google Shape;181;g25a549c4f9d_1_15:notes"/>
+          <p:cNvPr id="183" name="Google Shape;183;g25a549c4f9d_1_15:notes"/>
           <p:cNvSpPr/>
           <p:nvPr>
             <p:ph idx="2" type="sldImg"/>
@@ -857,7 +857,7 @@
       </p:sp>
       <p:sp>
         <p:nvSpPr>
-          <p:cNvPr id="182" name="Google Shape;182;g25a549c4f9d_1_15:notes"/>
+          <p:cNvPr id="184" name="Google Shape;184;g25a549c4f9d_1_15:notes"/>
           <p:cNvSpPr txBox="1"/>
           <p:nvPr>
             <p:ph idx="1" type="body"/>
@@ -1119,7 +1119,7 @@
       </p:grpSpPr>
       <p:sp>
         <p:nvSpPr>
-          <p:cNvPr id="143" name="Google Shape;143;g2317cec331b_3_5:notes"/>
+          <p:cNvPr id="143" name="Google Shape;143;g25a7e6cd9ae_0_5:notes"/>
           <p:cNvSpPr/>
           <p:nvPr>
             <p:ph idx="2" type="sldImg"/>
@@ -1154,7 +1154,7 @@
       </p:sp>
       <p:sp>
         <p:nvSpPr>
-          <p:cNvPr id="144" name="Google Shape;144;g2317cec331b_3_5:notes"/>
+          <p:cNvPr id="144" name="Google Shape;144;g25a7e6cd9ae_0_5:notes"/>
           <p:cNvSpPr txBox="1"/>
           <p:nvPr>
             <p:ph idx="1" type="body"/>
@@ -1303,7 +1303,7 @@
   <p:cSld>
     <p:spTree>
       <p:nvGrpSpPr>
-        <p:cNvPr id="154" name="Shape 154"/>
+        <p:cNvPr id="155" name="Shape 155"/>
         <p:cNvGrpSpPr/>
         <p:nvPr/>
       </p:nvGrpSpPr>
@@ -1317,7 +1317,7 @@
       </p:grpSpPr>
       <p:sp>
         <p:nvSpPr>
-          <p:cNvPr id="155" name="Google Shape;155;g2317cec331b_3_15:notes"/>
+          <p:cNvPr id="156" name="Google Shape;156;g2317cec331b_3_15:notes"/>
           <p:cNvSpPr/>
           <p:nvPr>
             <p:ph idx="2" type="sldImg"/>
@@ -1352,7 +1352,7 @@
       </p:sp>
       <p:sp>
         <p:nvSpPr>
-          <p:cNvPr id="156" name="Google Shape;156;g2317cec331b_3_15:notes"/>
+          <p:cNvPr id="157" name="Google Shape;157;g2317cec331b_3_15:notes"/>
           <p:cNvSpPr txBox="1"/>
           <p:nvPr>
             <p:ph idx="1" type="body"/>
@@ -1402,7 +1402,7 @@
   <p:cSld>
     <p:spTree>
       <p:nvGrpSpPr>
-        <p:cNvPr id="160" name="Shape 160"/>
+        <p:cNvPr id="162" name="Shape 162"/>
         <p:cNvGrpSpPr/>
         <p:nvPr/>
       </p:nvGrpSpPr>
@@ -1416,7 +1416,7 @@
       </p:grpSpPr>
       <p:sp>
         <p:nvSpPr>
-          <p:cNvPr id="161" name="Google Shape;161;g23168ecdf95_0_125:notes"/>
+          <p:cNvPr id="163" name="Google Shape;163;g23168ecdf95_0_125:notes"/>
           <p:cNvSpPr/>
           <p:nvPr>
             <p:ph idx="2" type="sldImg"/>
@@ -1451,7 +1451,7 @@
       </p:sp>
       <p:sp>
         <p:nvSpPr>
-          <p:cNvPr id="162" name="Google Shape;162;g23168ecdf95_0_125:notes"/>
+          <p:cNvPr id="164" name="Google Shape;164;g23168ecdf95_0_125:notes"/>
           <p:cNvSpPr txBox="1"/>
           <p:nvPr>
             <p:ph idx="1" type="body"/>
@@ -1501,7 +1501,7 @@
   <p:cSld>
     <p:spTree>
       <p:nvGrpSpPr>
-        <p:cNvPr id="168" name="Shape 168"/>
+        <p:cNvPr id="170" name="Shape 170"/>
         <p:cNvGrpSpPr/>
         <p:nvPr/>
       </p:nvGrpSpPr>
@@ -1515,7 +1515,7 @@
       </p:grpSpPr>
       <p:sp>
         <p:nvSpPr>
-          <p:cNvPr id="169" name="Google Shape;169;g25a549c4f9d_1_3:notes"/>
+          <p:cNvPr id="171" name="Google Shape;171;g25a549c4f9d_1_3:notes"/>
           <p:cNvSpPr/>
           <p:nvPr>
             <p:ph idx="2" type="sldImg"/>
@@ -1550,7 +1550,7 @@
       </p:sp>
       <p:sp>
         <p:nvSpPr>
-          <p:cNvPr id="170" name="Google Shape;170;g25a549c4f9d_1_3:notes"/>
+          <p:cNvPr id="172" name="Google Shape;172;g25a549c4f9d_1_3:notes"/>
           <p:cNvSpPr txBox="1"/>
           <p:nvPr>
             <p:ph idx="1" type="body"/>
@@ -1600,7 +1600,7 @@
   <p:cSld>
     <p:spTree>
       <p:nvGrpSpPr>
-        <p:cNvPr id="174" name="Shape 174"/>
+        <p:cNvPr id="176" name="Shape 176"/>
         <p:cNvGrpSpPr/>
         <p:nvPr/>
       </p:nvGrpSpPr>
@@ -1614,7 +1614,7 @@
       </p:grpSpPr>
       <p:sp>
         <p:nvSpPr>
-          <p:cNvPr id="175" name="Google Shape;175;g25a549c4f9d_1_9:notes"/>
+          <p:cNvPr id="177" name="Google Shape;177;g25a549c4f9d_1_9:notes"/>
           <p:cNvSpPr/>
           <p:nvPr>
             <p:ph idx="2" type="sldImg"/>
@@ -1649,7 +1649,7 @@
       </p:sp>
       <p:sp>
         <p:nvSpPr>
-          <p:cNvPr id="176" name="Google Shape;176;g25a549c4f9d_1_9:notes"/>
+          <p:cNvPr id="178" name="Google Shape;178;g25a549c4f9d_1_9:notes"/>
           <p:cNvSpPr txBox="1"/>
           <p:nvPr>
             <p:ph idx="1" type="body"/>
@@ -9907,7 +9907,7 @@
   <p:cSld>
     <p:spTree>
       <p:nvGrpSpPr>
-        <p:cNvPr id="183" name="Shape 183"/>
+        <p:cNvPr id="185" name="Shape 185"/>
         <p:cNvGrpSpPr/>
         <p:nvPr/>
       </p:nvGrpSpPr>
@@ -9921,7 +9921,7 @@
       </p:grpSpPr>
       <p:sp>
         <p:nvSpPr>
-          <p:cNvPr id="184" name="Google Shape;184;p22"/>
+          <p:cNvPr id="186" name="Google Shape;186;p22"/>
           <p:cNvSpPr txBox="1"/>
           <p:nvPr>
             <p:ph type="title"/>
@@ -9961,7 +9961,7 @@
       </p:sp>
       <p:sp>
         <p:nvSpPr>
-          <p:cNvPr id="185" name="Google Shape;185;p22"/>
+          <p:cNvPr id="187" name="Google Shape;187;p22"/>
           <p:cNvSpPr txBox="1"/>
           <p:nvPr>
             <p:ph idx="1" type="body"/>
@@ -10364,7 +10364,7 @@
         </p:nvSpPr>
         <p:spPr>
           <a:xfrm>
-            <a:off x="819150" y="845600"/>
+            <a:off x="495975" y="307000"/>
             <a:ext cx="7505700" cy="954600"/>
           </a:xfrm>
           <a:prstGeom prst="rect">
@@ -10388,7 +10388,7 @@
             </a:pPr>
             <a:r>
               <a:rPr lang="en-GB"/>
-              <a:t>LSTM</a:t>
+              <a:t>LSTM </a:t>
             </a:r>
             <a:endParaRPr/>
           </a:p>
@@ -10404,8 +10404,8 @@
         </p:nvSpPr>
         <p:spPr>
           <a:xfrm>
-            <a:off x="819150" y="1990725"/>
-            <a:ext cx="7505700" cy="2448000"/>
+            <a:off x="80775" y="1050300"/>
+            <a:ext cx="8677200" cy="3042900"/>
           </a:xfrm>
           <a:prstGeom prst="rect">
             <a:avLst/>
@@ -10417,20 +10417,43 @@
           </a:bodyPr>
           <a:lstStyle/>
           <a:p>
-            <a:pPr indent="0" lvl="0" marL="0" rtl="0" algn="l">
-              <a:spcBef>
-                <a:spcPts val="0"/>
-              </a:spcBef>
-              <a:spcAft>
-                <a:spcPts val="1200"/>
+            <a:pPr indent="0" lvl="0" marL="457200" rtl="0" algn="l">
+              <a:spcBef>
+                <a:spcPts val="0"/>
+              </a:spcBef>
+              <a:spcAft>
+                <a:spcPts val="0"/>
               </a:spcAft>
               <a:buNone/>
             </a:pPr>
             <a:r>
-              <a:rPr lang="en-GB"/>
-              <a:t>LSTM merupakan modifikasi dari RNN (Recurrent Neural Network). Pada LSTM, keluaran dari suatu hidden state dapat dimasukan kembali ke hidden state berikut nya. LSTM memiliki tiga bagian yaitu forget gate, input gate, dan output gate. Forget gate berfungsi untuk melupakan informasi yang tidak relevan dari suatu masukan, input gate merupakan bagian yang berfungsi untuk memberikan masukan pada LSTM, dan output gate merupakan bagian yang memberikan keluaran dari LSTM.</a:t>
+              <a:rPr lang="en-GB" sz="1600">
+                <a:solidFill>
+                  <a:srgbClr val="000000"/>
+                </a:solidFill>
+              </a:rPr>
+              <a:t>LSTM merupakan modifikasi dari RNN (Recurrent Neural Network). LSTM mempunyai sel memori dental bent yang sama dengan hidden state dan berfungsi untuk meerkat informasi tambahan, dalam kata lain tugas dari LSTM ini adalah untuk menutupi kekurangan dari RNN. Pada LSTM, keluaran dari suatu hidden state dapat dimasukan kembali ke hidden state berikut nya. LSTM memiliki tiga bagian yaitu forget gate, input gate, dan output gate. Forget gate berfungsi untuk melupakan informasi yang tidak relevan dari suatu masukan, input gate merupakan bagian yang berfungsi untuk memberikan masukan pada LSTM, dan output gate merupakan bagian yang memberikan keluaran dari LSTM.</a:t>
             </a:r>
-            <a:endParaRPr/>
+            <a:endParaRPr sz="1600">
+              <a:solidFill>
+                <a:srgbClr val="000000"/>
+              </a:solidFill>
+            </a:endParaRPr>
+          </a:p>
+          <a:p>
+            <a:pPr indent="0" lvl="0" marL="0" rtl="0" algn="l">
+              <a:spcBef>
+                <a:spcPts val="0"/>
+              </a:spcBef>
+              <a:spcAft>
+                <a:spcPts val="1200"/>
+              </a:spcAft>
+              <a:buNone/>
+            </a:pPr>
+            <a:r>
+              <a:t/>
+            </a:r>
+            <a:endParaRPr sz="1800"/>
           </a:p>
         </p:txBody>
       </p:sp>
@@ -10469,7 +10492,7 @@
         </p:nvSpPr>
         <p:spPr>
           <a:xfrm>
-            <a:off x="819150" y="845600"/>
+            <a:off x="280575" y="293550"/>
             <a:ext cx="7505700" cy="954600"/>
           </a:xfrm>
           <a:prstGeom prst="rect">
@@ -10493,7 +10516,7 @@
             </a:pPr>
             <a:r>
               <a:rPr lang="en-GB"/>
-              <a:t>API</a:t>
+              <a:t>API (Application Programing Interface)</a:t>
             </a:r>
             <a:endParaRPr/>
           </a:p>
@@ -10509,8 +10532,8 @@
         </p:nvSpPr>
         <p:spPr>
           <a:xfrm>
-            <a:off x="819150" y="1990725"/>
-            <a:ext cx="7505700" cy="2448000"/>
+            <a:off x="202725" y="907650"/>
+            <a:ext cx="4711800" cy="3845400"/>
           </a:xfrm>
           <a:prstGeom prst="rect">
             <a:avLst/>
@@ -10518,7 +10541,7 @@
         </p:spPr>
         <p:txBody>
           <a:bodyPr anchorCtr="0" anchor="t" bIns="91425" lIns="91425" spcFirstLastPara="1" rIns="91425" wrap="square" tIns="91425">
-            <a:normAutofit/>
+            <a:noAutofit/>
           </a:bodyPr>
           <a:lstStyle/>
           <a:p>
@@ -10527,18 +10550,102 @@
                 <a:spcPts val="0"/>
               </a:spcBef>
               <a:spcAft>
-                <a:spcPts val="1200"/>
+                <a:spcPts val="0"/>
               </a:spcAft>
               <a:buNone/>
             </a:pPr>
             <a:r>
-              <a:rPr lang="en-GB"/>
-              <a:t>API merupakan singkatan dari Application Programing Interface, API berfungsi untuk menghubungkan antara dua aplikasi yang berbeda. Jika diilustrasikan dengan sebuah restoran, server dapat diibaratkan seperti dapur, client diibaratkan seperti pelanggan yang datang ke sebuah restoran, dan pelayan merupakan API.</a:t>
+              <a:rPr lang="en-GB" sz="1600"/>
+              <a:t>- </a:t>
             </a:r>
-            <a:endParaRPr/>
+            <a:r>
+              <a:rPr lang="en-GB" sz="1600"/>
+              <a:t>API berfungsi untuk menghubungkan antara dua aplikasi yang berbeda. </a:t>
+            </a:r>
+            <a:endParaRPr sz="1600"/>
+          </a:p>
+          <a:p>
+            <a:pPr indent="0" lvl="0" marL="0" rtl="0" algn="l">
+              <a:spcBef>
+                <a:spcPts val="1200"/>
+              </a:spcBef>
+              <a:spcAft>
+                <a:spcPts val="0"/>
+              </a:spcAft>
+              <a:buNone/>
+            </a:pPr>
+            <a:r>
+              <a:rPr lang="en-GB" sz="1600"/>
+              <a:t>- Menurut IBM (2023), API memungkinkan aplikasi untuk menukar data kepada aplikasi yang lainnya. Seperti contohnya sistem Gopay. </a:t>
+            </a:r>
+            <a:endParaRPr sz="1600"/>
+          </a:p>
+          <a:p>
+            <a:pPr indent="0" lvl="0" marL="0" rtl="0" algn="l">
+              <a:spcBef>
+                <a:spcPts val="1200"/>
+              </a:spcBef>
+              <a:spcAft>
+                <a:spcPts val="0"/>
+              </a:spcAft>
+              <a:buNone/>
+            </a:pPr>
+            <a:r>
+              <a:rPr lang="en-GB" sz="1600"/>
+              <a:t>- </a:t>
+            </a:r>
+            <a:r>
+              <a:rPr lang="en-GB" sz="1600"/>
+              <a:t>Jika diilustrasikan dengan sebuah restoran, server dapat diibaratkan seperti dapur, client diibaratkan seperti pelanggan yang datang ke sebuah restoran, dan pelayan merupakan API.</a:t>
+            </a:r>
+            <a:endParaRPr sz="1600"/>
+          </a:p>
+          <a:p>
+            <a:pPr indent="0" lvl="0" marL="0" rtl="0" algn="l">
+              <a:spcBef>
+                <a:spcPts val="1200"/>
+              </a:spcBef>
+              <a:spcAft>
+                <a:spcPts val="1200"/>
+              </a:spcAft>
+              <a:buNone/>
+            </a:pPr>
+            <a:r>
+              <a:rPr lang="en-GB" sz="1600"/>
+              <a:t>-Meningkatkan kolaborasi dan meningkatkan inovasi</a:t>
+            </a:r>
+            <a:endParaRPr sz="1600"/>
           </a:p>
         </p:txBody>
       </p:sp>
+      <p:pic>
+        <p:nvPicPr>
+          <p:cNvPr id="154" name="Google Shape;154;p17"/>
+          <p:cNvPicPr preferRelativeResize="0"/>
+          <p:nvPr/>
+        </p:nvPicPr>
+        <p:blipFill>
+          <a:blip r:embed="rId3">
+            <a:alphaModFix/>
+          </a:blip>
+          <a:stretch>
+            <a:fillRect/>
+          </a:stretch>
+        </p:blipFill>
+        <p:spPr>
+          <a:xfrm>
+            <a:off x="4672375" y="1388252"/>
+            <a:ext cx="4148475" cy="2513970"/>
+          </a:xfrm>
+          <a:prstGeom prst="rect">
+            <a:avLst/>
+          </a:prstGeom>
+          <a:noFill/>
+          <a:ln>
+            <a:noFill/>
+          </a:ln>
+        </p:spPr>
+      </p:pic>
     </p:spTree>
   </p:cSld>
   <p:clrMapOvr>
@@ -10552,7 +10659,7 @@
   <p:cSld>
     <p:spTree>
       <p:nvGrpSpPr>
-        <p:cNvPr id="157" name="Shape 157"/>
+        <p:cNvPr id="158" name="Shape 158"/>
         <p:cNvGrpSpPr/>
         <p:nvPr/>
       </p:nvGrpSpPr>
@@ -10566,7 +10673,7 @@
       </p:grpSpPr>
       <p:sp>
         <p:nvSpPr>
-          <p:cNvPr id="158" name="Google Shape;158;p18"/>
+          <p:cNvPr id="159" name="Google Shape;159;p18"/>
           <p:cNvSpPr txBox="1"/>
           <p:nvPr>
             <p:ph type="title"/>
@@ -10574,7 +10681,7 @@
         </p:nvSpPr>
         <p:spPr>
           <a:xfrm>
-            <a:off x="819150" y="845600"/>
+            <a:off x="657575" y="393150"/>
             <a:ext cx="7505700" cy="954600"/>
           </a:xfrm>
           <a:prstGeom prst="rect">
@@ -10606,7 +10713,7 @@
       </p:sp>
       <p:sp>
         <p:nvSpPr>
-          <p:cNvPr id="159" name="Google Shape;159;p18"/>
+          <p:cNvPr id="160" name="Google Shape;160;p18"/>
           <p:cNvSpPr txBox="1"/>
           <p:nvPr>
             <p:ph idx="1" type="body"/>
@@ -10614,8 +10721,8 @@
         </p:nvSpPr>
         <p:spPr>
           <a:xfrm>
-            <a:off x="819150" y="1990725"/>
-            <a:ext cx="7505700" cy="2448000"/>
+            <a:off x="657575" y="1118850"/>
+            <a:ext cx="4890000" cy="3526500"/>
           </a:xfrm>
           <a:prstGeom prst="rect">
             <a:avLst/>
@@ -10632,18 +10739,86 @@
                 <a:spcPts val="0"/>
               </a:spcBef>
               <a:spcAft>
-                <a:spcPts val="1200"/>
+                <a:spcPts val="0"/>
               </a:spcAft>
               <a:buNone/>
             </a:pPr>
             <a:r>
-              <a:rPr lang="en-GB"/>
-              <a:t>Pada penelitian ini, akan dilakukan pembuatan model neural network menggunakan pustaka tensorflow dan sklearn dengan menggunakan dataset tweet sebagai data acuannya. Setelah pembuatan model selesai, akan dilakukan evaluasi pada model menggunakan accuracy, F1 score, dan recall. Setelah evaluasi dilakukan, model akan disimpan di file .h5 yang kemudian akan digunakan untuk membuat API dengan swagger.</a:t>
+              <a:rPr lang="en-GB" sz="1600"/>
+              <a:t>- </a:t>
             </a:r>
-            <a:endParaRPr/>
+            <a:r>
+              <a:rPr lang="en-GB" sz="1600"/>
+              <a:t>Pada penelitian ini, akan dilakukan pembuatan model neural network menggunakan pustaka tensorflow dan sklearn dengan menggunakan dataset tweet sebagai data acuannya. </a:t>
+            </a:r>
+            <a:endParaRPr sz="1600"/>
+          </a:p>
+          <a:p>
+            <a:pPr indent="0" lvl="0" marL="0" rtl="0" algn="l">
+              <a:spcBef>
+                <a:spcPts val="1200"/>
+              </a:spcBef>
+              <a:spcAft>
+                <a:spcPts val="0"/>
+              </a:spcAft>
+              <a:buNone/>
+            </a:pPr>
+            <a:r>
+              <a:rPr lang="en-GB" sz="1600"/>
+              <a:t>- E</a:t>
+            </a:r>
+            <a:r>
+              <a:rPr lang="en-GB" sz="1600"/>
+              <a:t>valuasi pada model akan menggunakan accuracy, F1 score, dan recall.</a:t>
+            </a:r>
+            <a:endParaRPr sz="1600"/>
+          </a:p>
+          <a:p>
+            <a:pPr indent="0" lvl="0" marL="0" rtl="0" algn="l">
+              <a:spcBef>
+                <a:spcPts val="1200"/>
+              </a:spcBef>
+              <a:spcAft>
+                <a:spcPts val="1200"/>
+              </a:spcAft>
+              <a:buNone/>
+            </a:pPr>
+            <a:r>
+              <a:rPr lang="en-GB" sz="1600"/>
+              <a:t>- Setelah evaluasi dilakukan, model akan disimpan di file .h5 yang kemudian akan digunakan untuk membuat API dengan swagger.</a:t>
+            </a:r>
+            <a:endParaRPr sz="1600"/>
           </a:p>
         </p:txBody>
       </p:sp>
+      <p:pic>
+        <p:nvPicPr>
+          <p:cNvPr id="161" name="Google Shape;161;p18"/>
+          <p:cNvPicPr preferRelativeResize="0"/>
+          <p:nvPr/>
+        </p:nvPicPr>
+        <p:blipFill>
+          <a:blip r:embed="rId3">
+            <a:alphaModFix/>
+          </a:blip>
+          <a:stretch>
+            <a:fillRect/>
+          </a:stretch>
+        </p:blipFill>
+        <p:spPr>
+          <a:xfrm>
+            <a:off x="5547571" y="945200"/>
+            <a:ext cx="3382955" cy="3381249"/>
+          </a:xfrm>
+          <a:prstGeom prst="rect">
+            <a:avLst/>
+          </a:prstGeom>
+          <a:noFill/>
+          <a:ln>
+            <a:noFill/>
+          </a:ln>
+        </p:spPr>
+      </p:pic>
     </p:spTree>
   </p:cSld>
   <p:clrMapOvr>
@@ -10657,7 +10832,7 @@
   <p:cSld>
     <p:spTree>
       <p:nvGrpSpPr>
-        <p:cNvPr id="163" name="Shape 163"/>
+        <p:cNvPr id="165" name="Shape 165"/>
         <p:cNvGrpSpPr/>
         <p:nvPr/>
       </p:nvGrpSpPr>
@@ -10671,7 +10846,7 @@
       </p:grpSpPr>
       <p:sp>
         <p:nvSpPr>
-          <p:cNvPr id="164" name="Google Shape;164;p19"/>
+          <p:cNvPr id="166" name="Google Shape;166;p19"/>
           <p:cNvSpPr txBox="1"/>
           <p:nvPr>
             <p:ph type="title"/>
@@ -10711,7 +10886,7 @@
       </p:sp>
       <p:pic>
         <p:nvPicPr>
-          <p:cNvPr id="165" name="Google Shape;165;p19"/>
+          <p:cNvPr id="167" name="Google Shape;167;p19"/>
           <p:cNvPicPr preferRelativeResize="0"/>
           <p:nvPr/>
         </p:nvPicPr>
@@ -10739,7 +10914,7 @@
       </p:pic>
       <p:pic>
         <p:nvPicPr>
-          <p:cNvPr id="166" name="Google Shape;166;p19"/>
+          <p:cNvPr id="168" name="Google Shape;168;p19"/>
           <p:cNvPicPr preferRelativeResize="0"/>
           <p:nvPr/>
         </p:nvPicPr>
@@ -10767,7 +10942,7 @@
       </p:pic>
       <p:pic>
         <p:nvPicPr>
-          <p:cNvPr id="167" name="Google Shape;167;p19"/>
+          <p:cNvPr id="169" name="Google Shape;169;p19"/>
           <p:cNvPicPr preferRelativeResize="0"/>
           <p:nvPr/>
         </p:nvPicPr>
@@ -10806,7 +10981,7 @@
   <p:cSld>
     <p:spTree>
       <p:nvGrpSpPr>
-        <p:cNvPr id="171" name="Shape 171"/>
+        <p:cNvPr id="173" name="Shape 173"/>
         <p:cNvGrpSpPr/>
         <p:nvPr/>
       </p:nvGrpSpPr>
@@ -10820,7 +10995,7 @@
       </p:grpSpPr>
       <p:sp>
         <p:nvSpPr>
-          <p:cNvPr id="172" name="Google Shape;172;p20"/>
+          <p:cNvPr id="174" name="Google Shape;174;p20"/>
           <p:cNvSpPr txBox="1"/>
           <p:nvPr>
             <p:ph type="title"/>
@@ -10860,7 +11035,7 @@
       </p:sp>
       <p:pic>
         <p:nvPicPr>
-          <p:cNvPr id="173" name="Google Shape;173;p20"/>
+          <p:cNvPr id="175" name="Google Shape;175;p20"/>
           <p:cNvPicPr preferRelativeResize="0"/>
           <p:nvPr/>
         </p:nvPicPr>
@@ -10899,7 +11074,7 @@
   <p:cSld>
     <p:spTree>
       <p:nvGrpSpPr>
-        <p:cNvPr id="177" name="Shape 177"/>
+        <p:cNvPr id="179" name="Shape 179"/>
         <p:cNvGrpSpPr/>
         <p:nvPr/>
       </p:nvGrpSpPr>
@@ -10913,7 +11088,7 @@
       </p:grpSpPr>
       <p:sp>
         <p:nvSpPr>
-          <p:cNvPr id="178" name="Google Shape;178;p21"/>
+          <p:cNvPr id="180" name="Google Shape;180;p21"/>
           <p:cNvSpPr txBox="1"/>
           <p:nvPr>
             <p:ph type="title"/>
@@ -10953,7 +11128,7 @@
       </p:sp>
       <p:pic>
         <p:nvPicPr>
-          <p:cNvPr id="179" name="Google Shape;179;p21"/>
+          <p:cNvPr id="181" name="Google Shape;181;p21"/>
           <p:cNvPicPr preferRelativeResize="0"/>
           <p:nvPr/>
         </p:nvPicPr>
